--- a/FINAL PRESENTATION/Final Presentation.pptx
+++ b/FINAL PRESENTATION/Final Presentation.pptx
@@ -110,6 +110,11 @@
       </a:defRPr>
     </a:lvl9pPr>
   </p:defaultTextStyle>
+  <p:extLst>
+    <p:ext uri="{EFAFB233-063F-42B5-8137-9DF3F51BA10A}">
+      <p15:sldGuideLst xmlns:p15="http://schemas.microsoft.com/office/powerpoint/2012/main"/>
+    </p:ext>
+  </p:extLst>
 </p:presentation>
 </file>
 
@@ -3763,6 +3768,335 @@
   <p:clrMapOvr>
     <a:masterClrMapping/>
   </p:clrMapOvr>
+  <p:timing>
+    <p:tnLst>
+      <p:par>
+        <p:cTn id="1" dur="indefinite" restart="never" nodeType="tmRoot">
+          <p:childTnLst>
+            <p:seq concurrent="1" nextAc="seek">
+              <p:cTn id="2" dur="indefinite" nodeType="mainSeq">
+                <p:childTnLst>
+                  <p:par>
+                    <p:cTn id="3" fill="hold">
+                      <p:stCondLst>
+                        <p:cond delay="indefinite"/>
+                      </p:stCondLst>
+                      <p:childTnLst>
+                        <p:par>
+                          <p:cTn id="4" fill="hold">
+                            <p:stCondLst>
+                              <p:cond delay="0"/>
+                            </p:stCondLst>
+                            <p:childTnLst>
+                              <p:par>
+                                <p:cTn id="5" presetID="10" presetClass="entr" presetSubtype="0" fill="hold" nodeType="clickEffect">
+                                  <p:stCondLst>
+                                    <p:cond delay="0"/>
+                                  </p:stCondLst>
+                                  <p:childTnLst>
+                                    <p:set>
+                                      <p:cBhvr>
+                                        <p:cTn id="6" dur="1" fill="hold">
+                                          <p:stCondLst>
+                                            <p:cond delay="0"/>
+                                          </p:stCondLst>
+                                        </p:cTn>
+                                        <p:tgtEl>
+                                          <p:spTgt spid="5"/>
+                                        </p:tgtEl>
+                                        <p:attrNameLst>
+                                          <p:attrName>style.visibility</p:attrName>
+                                        </p:attrNameLst>
+                                      </p:cBhvr>
+                                      <p:to>
+                                        <p:strVal val="visible"/>
+                                      </p:to>
+                                    </p:set>
+                                    <p:animEffect transition="in" filter="fade">
+                                      <p:cBhvr>
+                                        <p:cTn id="7" dur="500"/>
+                                        <p:tgtEl>
+                                          <p:spTgt spid="5"/>
+                                        </p:tgtEl>
+                                      </p:cBhvr>
+                                    </p:animEffect>
+                                  </p:childTnLst>
+                                </p:cTn>
+                              </p:par>
+                            </p:childTnLst>
+                          </p:cTn>
+                        </p:par>
+                      </p:childTnLst>
+                    </p:cTn>
+                  </p:par>
+                  <p:par>
+                    <p:cTn id="8" fill="hold">
+                      <p:stCondLst>
+                        <p:cond delay="indefinite"/>
+                      </p:stCondLst>
+                      <p:childTnLst>
+                        <p:par>
+                          <p:cTn id="9" fill="hold">
+                            <p:stCondLst>
+                              <p:cond delay="0"/>
+                            </p:stCondLst>
+                            <p:childTnLst>
+                              <p:par>
+                                <p:cTn id="10" presetID="10" presetClass="entr" presetSubtype="0" fill="hold" grpId="0" nodeType="clickEffect">
+                                  <p:stCondLst>
+                                    <p:cond delay="0"/>
+                                  </p:stCondLst>
+                                  <p:childTnLst>
+                                    <p:set>
+                                      <p:cBhvr>
+                                        <p:cTn id="11" dur="1" fill="hold">
+                                          <p:stCondLst>
+                                            <p:cond delay="0"/>
+                                          </p:stCondLst>
+                                        </p:cTn>
+                                        <p:tgtEl>
+                                          <p:spTgt spid="2"/>
+                                        </p:tgtEl>
+                                        <p:attrNameLst>
+                                          <p:attrName>style.visibility</p:attrName>
+                                        </p:attrNameLst>
+                                      </p:cBhvr>
+                                      <p:to>
+                                        <p:strVal val="visible"/>
+                                      </p:to>
+                                    </p:set>
+                                    <p:animEffect transition="in" filter="fade">
+                                      <p:cBhvr>
+                                        <p:cTn id="12" dur="500"/>
+                                        <p:tgtEl>
+                                          <p:spTgt spid="2"/>
+                                        </p:tgtEl>
+                                      </p:cBhvr>
+                                    </p:animEffect>
+                                  </p:childTnLst>
+                                </p:cTn>
+                              </p:par>
+                            </p:childTnLst>
+                          </p:cTn>
+                        </p:par>
+                      </p:childTnLst>
+                    </p:cTn>
+                  </p:par>
+                  <p:par>
+                    <p:cTn id="13" fill="hold">
+                      <p:stCondLst>
+                        <p:cond delay="indefinite"/>
+                      </p:stCondLst>
+                      <p:childTnLst>
+                        <p:par>
+                          <p:cTn id="14" fill="hold">
+                            <p:stCondLst>
+                              <p:cond delay="0"/>
+                            </p:stCondLst>
+                            <p:childTnLst>
+                              <p:par>
+                                <p:cTn id="15" presetID="10" presetClass="entr" presetSubtype="0" fill="hold" nodeType="clickEffect">
+                                  <p:stCondLst>
+                                    <p:cond delay="0"/>
+                                  </p:stCondLst>
+                                  <p:childTnLst>
+                                    <p:set>
+                                      <p:cBhvr>
+                                        <p:cTn id="16" dur="1" fill="hold">
+                                          <p:stCondLst>
+                                            <p:cond delay="0"/>
+                                          </p:stCondLst>
+                                        </p:cTn>
+                                        <p:tgtEl>
+                                          <p:spTgt spid="3">
+                                            <p:txEl>
+                                              <p:pRg st="0" end="0"/>
+                                            </p:txEl>
+                                          </p:spTgt>
+                                        </p:tgtEl>
+                                        <p:attrNameLst>
+                                          <p:attrName>style.visibility</p:attrName>
+                                        </p:attrNameLst>
+                                      </p:cBhvr>
+                                      <p:to>
+                                        <p:strVal val="visible"/>
+                                      </p:to>
+                                    </p:set>
+                                    <p:animEffect transition="in" filter="fade">
+                                      <p:cBhvr>
+                                        <p:cTn id="17" dur="500"/>
+                                        <p:tgtEl>
+                                          <p:spTgt spid="3">
+                                            <p:txEl>
+                                              <p:pRg st="0" end="0"/>
+                                            </p:txEl>
+                                          </p:spTgt>
+                                        </p:tgtEl>
+                                      </p:cBhvr>
+                                    </p:animEffect>
+                                  </p:childTnLst>
+                                </p:cTn>
+                              </p:par>
+                              <p:par>
+                                <p:cTn id="18" presetID="10" presetClass="entr" presetSubtype="0" fill="hold" nodeType="withEffect">
+                                  <p:stCondLst>
+                                    <p:cond delay="0"/>
+                                  </p:stCondLst>
+                                  <p:childTnLst>
+                                    <p:set>
+                                      <p:cBhvr>
+                                        <p:cTn id="19" dur="1" fill="hold">
+                                          <p:stCondLst>
+                                            <p:cond delay="0"/>
+                                          </p:stCondLst>
+                                        </p:cTn>
+                                        <p:tgtEl>
+                                          <p:spTgt spid="3">
+                                            <p:txEl>
+                                              <p:pRg st="1" end="1"/>
+                                            </p:txEl>
+                                          </p:spTgt>
+                                        </p:tgtEl>
+                                        <p:attrNameLst>
+                                          <p:attrName>style.visibility</p:attrName>
+                                        </p:attrNameLst>
+                                      </p:cBhvr>
+                                      <p:to>
+                                        <p:strVal val="visible"/>
+                                      </p:to>
+                                    </p:set>
+                                    <p:animEffect transition="in" filter="fade">
+                                      <p:cBhvr>
+                                        <p:cTn id="20" dur="500"/>
+                                        <p:tgtEl>
+                                          <p:spTgt spid="3">
+                                            <p:txEl>
+                                              <p:pRg st="1" end="1"/>
+                                            </p:txEl>
+                                          </p:spTgt>
+                                        </p:tgtEl>
+                                      </p:cBhvr>
+                                    </p:animEffect>
+                                  </p:childTnLst>
+                                </p:cTn>
+                              </p:par>
+                              <p:par>
+                                <p:cTn id="21" presetID="10" presetClass="entr" presetSubtype="0" fill="hold" nodeType="withEffect">
+                                  <p:stCondLst>
+                                    <p:cond delay="0"/>
+                                  </p:stCondLst>
+                                  <p:childTnLst>
+                                    <p:set>
+                                      <p:cBhvr>
+                                        <p:cTn id="22" dur="1" fill="hold">
+                                          <p:stCondLst>
+                                            <p:cond delay="0"/>
+                                          </p:stCondLst>
+                                        </p:cTn>
+                                        <p:tgtEl>
+                                          <p:spTgt spid="3">
+                                            <p:txEl>
+                                              <p:pRg st="2" end="2"/>
+                                            </p:txEl>
+                                          </p:spTgt>
+                                        </p:tgtEl>
+                                        <p:attrNameLst>
+                                          <p:attrName>style.visibility</p:attrName>
+                                        </p:attrNameLst>
+                                      </p:cBhvr>
+                                      <p:to>
+                                        <p:strVal val="visible"/>
+                                      </p:to>
+                                    </p:set>
+                                    <p:animEffect transition="in" filter="fade">
+                                      <p:cBhvr>
+                                        <p:cTn id="23" dur="500"/>
+                                        <p:tgtEl>
+                                          <p:spTgt spid="3">
+                                            <p:txEl>
+                                              <p:pRg st="2" end="2"/>
+                                            </p:txEl>
+                                          </p:spTgt>
+                                        </p:tgtEl>
+                                      </p:cBhvr>
+                                    </p:animEffect>
+                                  </p:childTnLst>
+                                </p:cTn>
+                              </p:par>
+                              <p:par>
+                                <p:cTn id="24" presetID="10" presetClass="entr" presetSubtype="0" fill="hold" nodeType="withEffect">
+                                  <p:stCondLst>
+                                    <p:cond delay="0"/>
+                                  </p:stCondLst>
+                                  <p:childTnLst>
+                                    <p:set>
+                                      <p:cBhvr>
+                                        <p:cTn id="25" dur="1" fill="hold">
+                                          <p:stCondLst>
+                                            <p:cond delay="0"/>
+                                          </p:stCondLst>
+                                        </p:cTn>
+                                        <p:tgtEl>
+                                          <p:spTgt spid="3">
+                                            <p:txEl>
+                                              <p:pRg st="3" end="3"/>
+                                            </p:txEl>
+                                          </p:spTgt>
+                                        </p:tgtEl>
+                                        <p:attrNameLst>
+                                          <p:attrName>style.visibility</p:attrName>
+                                        </p:attrNameLst>
+                                      </p:cBhvr>
+                                      <p:to>
+                                        <p:strVal val="visible"/>
+                                      </p:to>
+                                    </p:set>
+                                    <p:animEffect transition="in" filter="fade">
+                                      <p:cBhvr>
+                                        <p:cTn id="26" dur="500"/>
+                                        <p:tgtEl>
+                                          <p:spTgt spid="3">
+                                            <p:txEl>
+                                              <p:pRg st="3" end="3"/>
+                                            </p:txEl>
+                                          </p:spTgt>
+                                        </p:tgtEl>
+                                      </p:cBhvr>
+                                    </p:animEffect>
+                                  </p:childTnLst>
+                                </p:cTn>
+                              </p:par>
+                            </p:childTnLst>
+                          </p:cTn>
+                        </p:par>
+                      </p:childTnLst>
+                    </p:cTn>
+                  </p:par>
+                </p:childTnLst>
+              </p:cTn>
+              <p:prevCondLst>
+                <p:cond evt="onPrev" delay="0">
+                  <p:tgtEl>
+                    <p:sldTgt/>
+                  </p:tgtEl>
+                </p:cond>
+              </p:prevCondLst>
+              <p:nextCondLst>
+                <p:cond evt="onNext" delay="0">
+                  <p:tgtEl>
+                    <p:sldTgt/>
+                  </p:tgtEl>
+                </p:cond>
+              </p:nextCondLst>
+            </p:seq>
+          </p:childTnLst>
+        </p:cTn>
+      </p:par>
+    </p:tnLst>
+    <p:bldLst>
+      <p:bldP spid="2" grpId="0"/>
+    </p:bldLst>
+  </p:timing>
 </p:sld>
 </file>
 
@@ -3853,15 +4187,208 @@
             <p:ph idx="1"/>
           </p:nvPr>
         </p:nvSpPr>
-        <p:spPr/>
-        <p:txBody>
-          <a:bodyPr/>
+        <p:spPr>
+          <a:xfrm>
+            <a:off x="838200" y="1825625"/>
+            <a:ext cx="7617643" cy="4351338"/>
+          </a:xfrm>
+        </p:spPr>
+        <p:txBody>
+          <a:bodyPr>
+            <a:normAutofit/>
+          </a:bodyPr>
           <a:lstStyle/>
           <a:p>
-            <a:endParaRPr lang="en-IE" dirty="0"/>
-          </a:p>
-        </p:txBody>
-      </p:sp>
+            <a:r>
+              <a:rPr lang="en-IE" sz="4000" dirty="0">
+                <a:ln w="22225">
+                  <a:solidFill>
+                    <a:schemeClr val="tx1"/>
+                  </a:solidFill>
+                </a:ln>
+                <a:gradFill>
+                  <a:gsLst>
+                    <a:gs pos="0">
+                      <a:srgbClr val="00B050"/>
+                    </a:gs>
+                    <a:gs pos="96000">
+                      <a:srgbClr val="C00000"/>
+                    </a:gs>
+                  </a:gsLst>
+                  <a:lin ang="5400000" scaled="1"/>
+                </a:gradFill>
+                <a:effectLst>
+                  <a:outerShdw blurRad="50800" dist="50800" dir="3900000" algn="ctr" rotWithShape="0">
+                    <a:schemeClr val="tx1"/>
+                  </a:outerShdw>
+                </a:effectLst>
+                <a:latin typeface="ArcadeClassic" panose="00000400000000000000" pitchFamily="2" charset="0"/>
+              </a:rPr>
+              <a:t>Our  Love  for  games</a:t>
+            </a:r>
+          </a:p>
+          <a:p>
+            <a:r>
+              <a:rPr lang="en-IE" sz="4000" dirty="0">
+                <a:ln w="22225">
+                  <a:solidFill>
+                    <a:schemeClr val="tx1"/>
+                  </a:solidFill>
+                </a:ln>
+                <a:gradFill>
+                  <a:gsLst>
+                    <a:gs pos="0">
+                      <a:srgbClr val="00B050"/>
+                    </a:gs>
+                    <a:gs pos="96000">
+                      <a:srgbClr val="C00000"/>
+                    </a:gs>
+                  </a:gsLst>
+                  <a:lin ang="5400000" scaled="1"/>
+                </a:gradFill>
+                <a:effectLst>
+                  <a:outerShdw blurRad="50800" dist="50800" dir="3900000" algn="ctr" rotWithShape="0">
+                    <a:schemeClr val="tx1"/>
+                  </a:outerShdw>
+                </a:effectLst>
+                <a:latin typeface="ArcadeClassic" panose="00000400000000000000" pitchFamily="2" charset="0"/>
+              </a:rPr>
+              <a:t>Fun  but  challenging experience</a:t>
+            </a:r>
+          </a:p>
+          <a:p>
+            <a:r>
+              <a:rPr lang="en-IE" sz="4000" dirty="0">
+                <a:ln w="22225">
+                  <a:solidFill>
+                    <a:schemeClr val="tx1"/>
+                  </a:solidFill>
+                </a:ln>
+                <a:gradFill>
+                  <a:gsLst>
+                    <a:gs pos="0">
+                      <a:srgbClr val="00B050"/>
+                    </a:gs>
+                    <a:gs pos="96000">
+                      <a:srgbClr val="C00000"/>
+                    </a:gs>
+                  </a:gsLst>
+                  <a:lin ang="5400000" scaled="1"/>
+                </a:gradFill>
+                <a:effectLst>
+                  <a:outerShdw blurRad="50800" dist="50800" dir="3900000" algn="ctr" rotWithShape="0">
+                    <a:schemeClr val="tx1"/>
+                  </a:outerShdw>
+                </a:effectLst>
+                <a:latin typeface="ArcadeClassic" panose="00000400000000000000" pitchFamily="2" charset="0"/>
+              </a:rPr>
+              <a:t>No  end  objective</a:t>
+            </a:r>
+          </a:p>
+          <a:p>
+            <a:r>
+              <a:rPr lang="en-IE" sz="4000" dirty="0">
+                <a:ln w="22225">
+                  <a:solidFill>
+                    <a:schemeClr val="tx1"/>
+                  </a:solidFill>
+                </a:ln>
+                <a:gradFill>
+                  <a:gsLst>
+                    <a:gs pos="0">
+                      <a:srgbClr val="00B050"/>
+                    </a:gs>
+                    <a:gs pos="96000">
+                      <a:srgbClr val="C00000"/>
+                    </a:gs>
+                  </a:gsLst>
+                  <a:lin ang="5400000" scaled="1"/>
+                </a:gradFill>
+                <a:effectLst>
+                  <a:outerShdw blurRad="50800" dist="50800" dir="3900000" algn="ctr" rotWithShape="0">
+                    <a:schemeClr val="tx1"/>
+                  </a:outerShdw>
+                </a:effectLst>
+                <a:latin typeface="ArcadeClassic" panose="00000400000000000000" pitchFamily="2" charset="0"/>
+              </a:rPr>
+              <a:t>Round  based  format</a:t>
+            </a:r>
+            <a:endParaRPr lang="en-IE" sz="4000" dirty="0"/>
+          </a:p>
+        </p:txBody>
+      </p:sp>
+      <p:pic>
+        <p:nvPicPr>
+          <p:cNvPr id="5" name="Picture 4" descr="A picture containing logo&#10;&#10;Description automatically generated">
+            <a:extLst>
+              <a:ext uri="{FF2B5EF4-FFF2-40B4-BE49-F238E27FC236}">
+                <a16:creationId xmlns:a16="http://schemas.microsoft.com/office/drawing/2014/main" id="{BC384408-4E69-44C3-AA41-F8B5D23F6AB3}"/>
+              </a:ext>
+            </a:extLst>
+          </p:cNvPr>
+          <p:cNvPicPr>
+            <a:picLocks noChangeAspect="1"/>
+          </p:cNvPicPr>
+          <p:nvPr/>
+        </p:nvPicPr>
+        <p:blipFill>
+          <a:blip r:embed="rId2">
+            <a:extLst>
+              <a:ext uri="{28A0092B-C50C-407E-A947-70E740481C1C}">
+                <a14:useLocalDpi xmlns:a14="http://schemas.microsoft.com/office/drawing/2010/main" val="0"/>
+              </a:ext>
+            </a:extLst>
+          </a:blip>
+          <a:stretch>
+            <a:fillRect/>
+          </a:stretch>
+        </p:blipFill>
+        <p:spPr>
+          <a:xfrm>
+            <a:off x="8192311" y="1825625"/>
+            <a:ext cx="1799616" cy="1799616"/>
+          </a:xfrm>
+          <a:prstGeom prst="rect">
+            <a:avLst/>
+          </a:prstGeom>
+        </p:spPr>
+      </p:pic>
+      <p:pic>
+        <p:nvPicPr>
+          <p:cNvPr id="7" name="Picture 6" descr="Text&#10;&#10;Description automatically generated with medium confidence">
+            <a:extLst>
+              <a:ext uri="{FF2B5EF4-FFF2-40B4-BE49-F238E27FC236}">
+                <a16:creationId xmlns:a16="http://schemas.microsoft.com/office/drawing/2014/main" id="{8F51C999-D956-43F2-888E-B791E7C6ED28}"/>
+              </a:ext>
+            </a:extLst>
+          </p:cNvPr>
+          <p:cNvPicPr>
+            <a:picLocks noChangeAspect="1"/>
+          </p:cNvPicPr>
+          <p:nvPr/>
+        </p:nvPicPr>
+        <p:blipFill>
+          <a:blip r:embed="rId3">
+            <a:extLst>
+              <a:ext uri="{28A0092B-C50C-407E-A947-70E740481C1C}">
+                <a14:useLocalDpi xmlns:a14="http://schemas.microsoft.com/office/drawing/2010/main" val="0"/>
+              </a:ext>
+            </a:extLst>
+          </a:blip>
+          <a:stretch>
+            <a:fillRect/>
+          </a:stretch>
+        </p:blipFill>
+        <p:spPr>
+          <a:xfrm rot="21090553">
+            <a:off x="7245318" y="2988264"/>
+            <a:ext cx="3845651" cy="3845651"/>
+          </a:xfrm>
+          <a:prstGeom prst="rect">
+            <a:avLst/>
+          </a:prstGeom>
+        </p:spPr>
+      </p:pic>
     </p:spTree>
     <p:extLst>
       <p:ext uri="{BB962C8B-B14F-4D97-AF65-F5344CB8AC3E}">
@@ -3872,6 +4399,388 @@
   <p:clrMapOvr>
     <a:masterClrMapping/>
   </p:clrMapOvr>
+  <p:timing>
+    <p:tnLst>
+      <p:par>
+        <p:cTn id="1" dur="indefinite" restart="never" nodeType="tmRoot">
+          <p:childTnLst>
+            <p:seq concurrent="1" nextAc="seek">
+              <p:cTn id="2" dur="indefinite" nodeType="mainSeq">
+                <p:childTnLst>
+                  <p:par>
+                    <p:cTn id="3" fill="hold">
+                      <p:stCondLst>
+                        <p:cond delay="indefinite"/>
+                      </p:stCondLst>
+                      <p:childTnLst>
+                        <p:par>
+                          <p:cTn id="4" fill="hold">
+                            <p:stCondLst>
+                              <p:cond delay="0"/>
+                            </p:stCondLst>
+                            <p:childTnLst>
+                              <p:par>
+                                <p:cTn id="5" presetID="10" presetClass="entr" presetSubtype="0" fill="hold" grpId="0" nodeType="clickEffect">
+                                  <p:stCondLst>
+                                    <p:cond delay="0"/>
+                                  </p:stCondLst>
+                                  <p:childTnLst>
+                                    <p:set>
+                                      <p:cBhvr>
+                                        <p:cTn id="6" dur="1" fill="hold">
+                                          <p:stCondLst>
+                                            <p:cond delay="0"/>
+                                          </p:stCondLst>
+                                        </p:cTn>
+                                        <p:tgtEl>
+                                          <p:spTgt spid="2"/>
+                                        </p:tgtEl>
+                                        <p:attrNameLst>
+                                          <p:attrName>style.visibility</p:attrName>
+                                        </p:attrNameLst>
+                                      </p:cBhvr>
+                                      <p:to>
+                                        <p:strVal val="visible"/>
+                                      </p:to>
+                                    </p:set>
+                                    <p:animEffect transition="in" filter="fade">
+                                      <p:cBhvr>
+                                        <p:cTn id="7" dur="500"/>
+                                        <p:tgtEl>
+                                          <p:spTgt spid="2"/>
+                                        </p:tgtEl>
+                                      </p:cBhvr>
+                                    </p:animEffect>
+                                  </p:childTnLst>
+                                </p:cTn>
+                              </p:par>
+                              <p:par>
+                                <p:cTn id="8" presetID="10" presetClass="entr" presetSubtype="0" fill="hold" nodeType="withEffect">
+                                  <p:stCondLst>
+                                    <p:cond delay="0"/>
+                                  </p:stCondLst>
+                                  <p:childTnLst>
+                                    <p:set>
+                                      <p:cBhvr>
+                                        <p:cTn id="9" dur="1" fill="hold">
+                                          <p:stCondLst>
+                                            <p:cond delay="0"/>
+                                          </p:stCondLst>
+                                        </p:cTn>
+                                        <p:tgtEl>
+                                          <p:spTgt spid="3">
+                                            <p:txEl>
+                                              <p:pRg st="0" end="0"/>
+                                            </p:txEl>
+                                          </p:spTgt>
+                                        </p:tgtEl>
+                                        <p:attrNameLst>
+                                          <p:attrName>style.visibility</p:attrName>
+                                        </p:attrNameLst>
+                                      </p:cBhvr>
+                                      <p:to>
+                                        <p:strVal val="visible"/>
+                                      </p:to>
+                                    </p:set>
+                                    <p:animEffect transition="in" filter="fade">
+                                      <p:cBhvr>
+                                        <p:cTn id="10" dur="500"/>
+                                        <p:tgtEl>
+                                          <p:spTgt spid="3">
+                                            <p:txEl>
+                                              <p:pRg st="0" end="0"/>
+                                            </p:txEl>
+                                          </p:spTgt>
+                                        </p:tgtEl>
+                                      </p:cBhvr>
+                                    </p:animEffect>
+                                  </p:childTnLst>
+                                </p:cTn>
+                              </p:par>
+                              <p:par>
+                                <p:cTn id="11" presetID="10" presetClass="entr" presetSubtype="0" fill="hold" nodeType="withEffect">
+                                  <p:stCondLst>
+                                    <p:cond delay="0"/>
+                                  </p:stCondLst>
+                                  <p:childTnLst>
+                                    <p:set>
+                                      <p:cBhvr>
+                                        <p:cTn id="12" dur="1" fill="hold">
+                                          <p:stCondLst>
+                                            <p:cond delay="0"/>
+                                          </p:stCondLst>
+                                        </p:cTn>
+                                        <p:tgtEl>
+                                          <p:spTgt spid="5"/>
+                                        </p:tgtEl>
+                                        <p:attrNameLst>
+                                          <p:attrName>style.visibility</p:attrName>
+                                        </p:attrNameLst>
+                                      </p:cBhvr>
+                                      <p:to>
+                                        <p:strVal val="visible"/>
+                                      </p:to>
+                                    </p:set>
+                                    <p:animEffect transition="in" filter="fade">
+                                      <p:cBhvr>
+                                        <p:cTn id="13" dur="500"/>
+                                        <p:tgtEl>
+                                          <p:spTgt spid="5"/>
+                                        </p:tgtEl>
+                                      </p:cBhvr>
+                                    </p:animEffect>
+                                  </p:childTnLst>
+                                </p:cTn>
+                              </p:par>
+                            </p:childTnLst>
+                          </p:cTn>
+                        </p:par>
+                      </p:childTnLst>
+                    </p:cTn>
+                  </p:par>
+                  <p:par>
+                    <p:cTn id="14" fill="hold">
+                      <p:stCondLst>
+                        <p:cond delay="indefinite"/>
+                      </p:stCondLst>
+                      <p:childTnLst>
+                        <p:par>
+                          <p:cTn id="15" fill="hold">
+                            <p:stCondLst>
+                              <p:cond delay="0"/>
+                            </p:stCondLst>
+                            <p:childTnLst>
+                              <p:par>
+                                <p:cTn id="16" presetID="10" presetClass="entr" presetSubtype="0" fill="hold" nodeType="clickEffect">
+                                  <p:stCondLst>
+                                    <p:cond delay="0"/>
+                                  </p:stCondLst>
+                                  <p:childTnLst>
+                                    <p:set>
+                                      <p:cBhvr>
+                                        <p:cTn id="17" dur="1" fill="hold">
+                                          <p:stCondLst>
+                                            <p:cond delay="0"/>
+                                          </p:stCondLst>
+                                        </p:cTn>
+                                        <p:tgtEl>
+                                          <p:spTgt spid="3">
+                                            <p:txEl>
+                                              <p:pRg st="1" end="1"/>
+                                            </p:txEl>
+                                          </p:spTgt>
+                                        </p:tgtEl>
+                                        <p:attrNameLst>
+                                          <p:attrName>style.visibility</p:attrName>
+                                        </p:attrNameLst>
+                                      </p:cBhvr>
+                                      <p:to>
+                                        <p:strVal val="visible"/>
+                                      </p:to>
+                                    </p:set>
+                                    <p:animEffect transition="in" filter="fade">
+                                      <p:cBhvr>
+                                        <p:cTn id="18" dur="500"/>
+                                        <p:tgtEl>
+                                          <p:spTgt spid="3">
+                                            <p:txEl>
+                                              <p:pRg st="1" end="1"/>
+                                            </p:txEl>
+                                          </p:spTgt>
+                                        </p:tgtEl>
+                                      </p:cBhvr>
+                                    </p:animEffect>
+                                  </p:childTnLst>
+                                </p:cTn>
+                              </p:par>
+                            </p:childTnLst>
+                          </p:cTn>
+                        </p:par>
+                      </p:childTnLst>
+                    </p:cTn>
+                  </p:par>
+                  <p:par>
+                    <p:cTn id="19" fill="hold">
+                      <p:stCondLst>
+                        <p:cond delay="indefinite"/>
+                      </p:stCondLst>
+                      <p:childTnLst>
+                        <p:par>
+                          <p:cTn id="20" fill="hold">
+                            <p:stCondLst>
+                              <p:cond delay="0"/>
+                            </p:stCondLst>
+                            <p:childTnLst>
+                              <p:par>
+                                <p:cTn id="21" presetID="10" presetClass="entr" presetSubtype="0" fill="hold" nodeType="clickEffect">
+                                  <p:stCondLst>
+                                    <p:cond delay="0"/>
+                                  </p:stCondLst>
+                                  <p:childTnLst>
+                                    <p:set>
+                                      <p:cBhvr>
+                                        <p:cTn id="22" dur="1" fill="hold">
+                                          <p:stCondLst>
+                                            <p:cond delay="0"/>
+                                          </p:stCondLst>
+                                        </p:cTn>
+                                        <p:tgtEl>
+                                          <p:spTgt spid="3">
+                                            <p:txEl>
+                                              <p:pRg st="2" end="2"/>
+                                            </p:txEl>
+                                          </p:spTgt>
+                                        </p:tgtEl>
+                                        <p:attrNameLst>
+                                          <p:attrName>style.visibility</p:attrName>
+                                        </p:attrNameLst>
+                                      </p:cBhvr>
+                                      <p:to>
+                                        <p:strVal val="visible"/>
+                                      </p:to>
+                                    </p:set>
+                                    <p:animEffect transition="in" filter="fade">
+                                      <p:cBhvr>
+                                        <p:cTn id="23" dur="500"/>
+                                        <p:tgtEl>
+                                          <p:spTgt spid="3">
+                                            <p:txEl>
+                                              <p:pRg st="2" end="2"/>
+                                            </p:txEl>
+                                          </p:spTgt>
+                                        </p:tgtEl>
+                                      </p:cBhvr>
+                                    </p:animEffect>
+                                  </p:childTnLst>
+                                </p:cTn>
+                              </p:par>
+                              <p:par>
+                                <p:cTn id="24" presetID="10" presetClass="entr" presetSubtype="0" fill="hold" nodeType="withEffect">
+                                  <p:stCondLst>
+                                    <p:cond delay="0"/>
+                                  </p:stCondLst>
+                                  <p:childTnLst>
+                                    <p:set>
+                                      <p:cBhvr>
+                                        <p:cTn id="25" dur="1" fill="hold">
+                                          <p:stCondLst>
+                                            <p:cond delay="0"/>
+                                          </p:stCondLst>
+                                        </p:cTn>
+                                        <p:tgtEl>
+                                          <p:spTgt spid="7"/>
+                                        </p:tgtEl>
+                                        <p:attrNameLst>
+                                          <p:attrName>style.visibility</p:attrName>
+                                        </p:attrNameLst>
+                                      </p:cBhvr>
+                                      <p:to>
+                                        <p:strVal val="visible"/>
+                                      </p:to>
+                                    </p:set>
+                                    <p:animEffect transition="in" filter="fade">
+                                      <p:cBhvr>
+                                        <p:cTn id="26" dur="500"/>
+                                        <p:tgtEl>
+                                          <p:spTgt spid="7"/>
+                                        </p:tgtEl>
+                                      </p:cBhvr>
+                                    </p:animEffect>
+                                  </p:childTnLst>
+                                </p:cTn>
+                              </p:par>
+                            </p:childTnLst>
+                          </p:cTn>
+                        </p:par>
+                      </p:childTnLst>
+                    </p:cTn>
+                  </p:par>
+                  <p:par>
+                    <p:cTn id="27" fill="hold">
+                      <p:stCondLst>
+                        <p:cond delay="indefinite"/>
+                      </p:stCondLst>
+                      <p:childTnLst>
+                        <p:par>
+                          <p:cTn id="28" fill="hold">
+                            <p:stCondLst>
+                              <p:cond delay="0"/>
+                            </p:stCondLst>
+                            <p:childTnLst>
+                              <p:par>
+                                <p:cTn id="29" presetID="10" presetClass="entr" presetSubtype="0" fill="hold" nodeType="clickEffect">
+                                  <p:stCondLst>
+                                    <p:cond delay="0"/>
+                                  </p:stCondLst>
+                                  <p:childTnLst>
+                                    <p:set>
+                                      <p:cBhvr>
+                                        <p:cTn id="30" dur="1" fill="hold">
+                                          <p:stCondLst>
+                                            <p:cond delay="0"/>
+                                          </p:stCondLst>
+                                        </p:cTn>
+                                        <p:tgtEl>
+                                          <p:spTgt spid="3">
+                                            <p:txEl>
+                                              <p:pRg st="3" end="3"/>
+                                            </p:txEl>
+                                          </p:spTgt>
+                                        </p:tgtEl>
+                                        <p:attrNameLst>
+                                          <p:attrName>style.visibility</p:attrName>
+                                        </p:attrNameLst>
+                                      </p:cBhvr>
+                                      <p:to>
+                                        <p:strVal val="visible"/>
+                                      </p:to>
+                                    </p:set>
+                                    <p:animEffect transition="in" filter="fade">
+                                      <p:cBhvr>
+                                        <p:cTn id="31" dur="500"/>
+                                        <p:tgtEl>
+                                          <p:spTgt spid="3">
+                                            <p:txEl>
+                                              <p:pRg st="3" end="3"/>
+                                            </p:txEl>
+                                          </p:spTgt>
+                                        </p:tgtEl>
+                                      </p:cBhvr>
+                                    </p:animEffect>
+                                  </p:childTnLst>
+                                </p:cTn>
+                              </p:par>
+                            </p:childTnLst>
+                          </p:cTn>
+                        </p:par>
+                      </p:childTnLst>
+                    </p:cTn>
+                  </p:par>
+                </p:childTnLst>
+              </p:cTn>
+              <p:prevCondLst>
+                <p:cond evt="onPrev" delay="0">
+                  <p:tgtEl>
+                    <p:sldTgt/>
+                  </p:tgtEl>
+                </p:cond>
+              </p:prevCondLst>
+              <p:nextCondLst>
+                <p:cond evt="onNext" delay="0">
+                  <p:tgtEl>
+                    <p:sldTgt/>
+                  </p:tgtEl>
+                </p:cond>
+              </p:nextCondLst>
+            </p:seq>
+          </p:childTnLst>
+        </p:cTn>
+      </p:par>
+    </p:tnLst>
+    <p:bldLst>
+      <p:bldP spid="2" grpId="0"/>
+    </p:bldLst>
+  </p:timing>
 </p:sld>
 </file>
 
@@ -3963,15 +4872,179 @@
             <p:ph idx="1"/>
           </p:nvPr>
         </p:nvSpPr>
-        <p:spPr/>
+        <p:spPr>
+          <a:xfrm>
+            <a:off x="5693004" y="1957600"/>
+            <a:ext cx="6769231" cy="4443200"/>
+          </a:xfrm>
+        </p:spPr>
         <p:txBody>
           <a:bodyPr/>
           <a:lstStyle/>
           <a:p>
-            <a:endParaRPr lang="en-IE"/>
-          </a:p>
-        </p:txBody>
-      </p:sp>
+            <a:r>
+              <a:rPr lang="en-IE" sz="4000" dirty="0">
+                <a:ln w="22225">
+                  <a:solidFill>
+                    <a:schemeClr val="tx1"/>
+                  </a:solidFill>
+                </a:ln>
+                <a:gradFill>
+                  <a:gsLst>
+                    <a:gs pos="0">
+                      <a:srgbClr val="00B050"/>
+                    </a:gs>
+                    <a:gs pos="96000">
+                      <a:srgbClr val="C00000"/>
+                    </a:gs>
+                  </a:gsLst>
+                  <a:lin ang="5400000" scaled="1"/>
+                </a:gradFill>
+                <a:effectLst>
+                  <a:outerShdw blurRad="50800" dist="50800" dir="3900000" algn="ctr" rotWithShape="0">
+                    <a:schemeClr val="tx1"/>
+                  </a:outerShdw>
+                </a:effectLst>
+                <a:latin typeface="ArcadeClassic" panose="00000400000000000000" pitchFamily="2" charset="0"/>
+              </a:rPr>
+              <a:t>For  People  Who  love  games  as  much  as  us</a:t>
+            </a:r>
+          </a:p>
+          <a:p>
+            <a:r>
+              <a:rPr lang="en-IE" sz="4000" dirty="0">
+                <a:ln w="22225">
+                  <a:solidFill>
+                    <a:schemeClr val="tx1"/>
+                  </a:solidFill>
+                </a:ln>
+                <a:gradFill>
+                  <a:gsLst>
+                    <a:gs pos="0">
+                      <a:srgbClr val="00B050"/>
+                    </a:gs>
+                    <a:gs pos="96000">
+                      <a:srgbClr val="C00000"/>
+                    </a:gs>
+                  </a:gsLst>
+                  <a:lin ang="5400000" scaled="1"/>
+                </a:gradFill>
+                <a:effectLst>
+                  <a:outerShdw blurRad="50800" dist="50800" dir="3900000" algn="ctr" rotWithShape="0">
+                    <a:schemeClr val="tx1"/>
+                  </a:outerShdw>
+                </a:effectLst>
+                <a:latin typeface="ArcadeClassic" panose="00000400000000000000" pitchFamily="2" charset="0"/>
+              </a:rPr>
+              <a:t>Fans  of  top  down  style  games</a:t>
+            </a:r>
+          </a:p>
+          <a:p>
+            <a:r>
+              <a:rPr lang="en-IE" sz="4000" dirty="0">
+                <a:ln w="22225">
+                  <a:solidFill>
+                    <a:schemeClr val="tx1"/>
+                  </a:solidFill>
+                </a:ln>
+                <a:gradFill>
+                  <a:gsLst>
+                    <a:gs pos="0">
+                      <a:srgbClr val="00B050"/>
+                    </a:gs>
+                    <a:gs pos="96000">
+                      <a:srgbClr val="C00000"/>
+                    </a:gs>
+                  </a:gsLst>
+                  <a:lin ang="5400000" scaled="1"/>
+                </a:gradFill>
+                <a:effectLst>
+                  <a:outerShdw blurRad="50800" dist="50800" dir="3900000" algn="ctr" rotWithShape="0">
+                    <a:schemeClr val="tx1"/>
+                  </a:outerShdw>
+                </a:effectLst>
+                <a:latin typeface="ArcadeClassic" panose="00000400000000000000" pitchFamily="2" charset="0"/>
+              </a:rPr>
+              <a:t>Fans  of  round  based  survival  games</a:t>
+            </a:r>
+          </a:p>
+          <a:p>
+            <a:endParaRPr lang="en-IE" sz="4000" dirty="0"/>
+          </a:p>
+        </p:txBody>
+      </p:sp>
+      <p:pic>
+        <p:nvPicPr>
+          <p:cNvPr id="5" name="Picture 4" descr="A picture containing text, dark, lit, light&#10;&#10;Description automatically generated">
+            <a:extLst>
+              <a:ext uri="{FF2B5EF4-FFF2-40B4-BE49-F238E27FC236}">
+                <a16:creationId xmlns:a16="http://schemas.microsoft.com/office/drawing/2014/main" id="{DCC392C6-7320-4695-AE1F-C687EA9F483A}"/>
+              </a:ext>
+            </a:extLst>
+          </p:cNvPr>
+          <p:cNvPicPr>
+            <a:picLocks noChangeAspect="1"/>
+          </p:cNvPicPr>
+          <p:nvPr/>
+        </p:nvPicPr>
+        <p:blipFill>
+          <a:blip r:embed="rId2">
+            <a:extLst>
+              <a:ext uri="{28A0092B-C50C-407E-A947-70E740481C1C}">
+                <a14:useLocalDpi xmlns:a14="http://schemas.microsoft.com/office/drawing/2010/main" val="0"/>
+              </a:ext>
+            </a:extLst>
+          </a:blip>
+          <a:stretch>
+            <a:fillRect/>
+          </a:stretch>
+        </p:blipFill>
+        <p:spPr>
+          <a:xfrm>
+            <a:off x="781419" y="1485934"/>
+            <a:ext cx="4571622" cy="2328479"/>
+          </a:xfrm>
+          <a:prstGeom prst="rect">
+            <a:avLst/>
+          </a:prstGeom>
+        </p:spPr>
+      </p:pic>
+      <p:pic>
+        <p:nvPicPr>
+          <p:cNvPr id="7" name="Picture 6" descr="Text&#10;&#10;Description automatically generated">
+            <a:extLst>
+              <a:ext uri="{FF2B5EF4-FFF2-40B4-BE49-F238E27FC236}">
+                <a16:creationId xmlns:a16="http://schemas.microsoft.com/office/drawing/2014/main" id="{FE7E109C-46EA-4148-B5F5-EAB2796E42E0}"/>
+              </a:ext>
+            </a:extLst>
+          </p:cNvPr>
+          <p:cNvPicPr>
+            <a:picLocks noChangeAspect="1"/>
+          </p:cNvPicPr>
+          <p:nvPr/>
+        </p:nvPicPr>
+        <p:blipFill>
+          <a:blip r:embed="rId3">
+            <a:extLst>
+              <a:ext uri="{28A0092B-C50C-407E-A947-70E740481C1C}">
+                <a14:useLocalDpi xmlns:a14="http://schemas.microsoft.com/office/drawing/2010/main" val="0"/>
+              </a:ext>
+            </a:extLst>
+          </a:blip>
+          <a:stretch>
+            <a:fillRect/>
+          </a:stretch>
+        </p:blipFill>
+        <p:spPr>
+          <a:xfrm>
+            <a:off x="980448" y="3814413"/>
+            <a:ext cx="4173563" cy="1891838"/>
+          </a:xfrm>
+          <a:prstGeom prst="rect">
+            <a:avLst/>
+          </a:prstGeom>
+        </p:spPr>
+      </p:pic>
     </p:spTree>
     <p:extLst>
       <p:ext uri="{BB962C8B-B14F-4D97-AF65-F5344CB8AC3E}">
@@ -3982,6 +5055,327 @@
   <p:clrMapOvr>
     <a:masterClrMapping/>
   </p:clrMapOvr>
+  <p:timing>
+    <p:tnLst>
+      <p:par>
+        <p:cTn id="1" dur="indefinite" restart="never" nodeType="tmRoot">
+          <p:childTnLst>
+            <p:seq concurrent="1" nextAc="seek">
+              <p:cTn id="2" dur="indefinite" nodeType="mainSeq">
+                <p:childTnLst>
+                  <p:par>
+                    <p:cTn id="3" fill="hold">
+                      <p:stCondLst>
+                        <p:cond delay="indefinite"/>
+                      </p:stCondLst>
+                      <p:childTnLst>
+                        <p:par>
+                          <p:cTn id="4" fill="hold">
+                            <p:stCondLst>
+                              <p:cond delay="0"/>
+                            </p:stCondLst>
+                            <p:childTnLst>
+                              <p:par>
+                                <p:cTn id="5" presetID="10" presetClass="entr" presetSubtype="0" fill="hold" grpId="0" nodeType="clickEffect">
+                                  <p:stCondLst>
+                                    <p:cond delay="0"/>
+                                  </p:stCondLst>
+                                  <p:childTnLst>
+                                    <p:set>
+                                      <p:cBhvr>
+                                        <p:cTn id="6" dur="1" fill="hold">
+                                          <p:stCondLst>
+                                            <p:cond delay="0"/>
+                                          </p:stCondLst>
+                                        </p:cTn>
+                                        <p:tgtEl>
+                                          <p:spTgt spid="2"/>
+                                        </p:tgtEl>
+                                        <p:attrNameLst>
+                                          <p:attrName>style.visibility</p:attrName>
+                                        </p:attrNameLst>
+                                      </p:cBhvr>
+                                      <p:to>
+                                        <p:strVal val="visible"/>
+                                      </p:to>
+                                    </p:set>
+                                    <p:animEffect transition="in" filter="fade">
+                                      <p:cBhvr>
+                                        <p:cTn id="7" dur="500"/>
+                                        <p:tgtEl>
+                                          <p:spTgt spid="2"/>
+                                        </p:tgtEl>
+                                      </p:cBhvr>
+                                    </p:animEffect>
+                                  </p:childTnLst>
+                                </p:cTn>
+                              </p:par>
+                              <p:par>
+                                <p:cTn id="8" presetID="10" presetClass="entr" presetSubtype="0" fill="hold" nodeType="withEffect">
+                                  <p:stCondLst>
+                                    <p:cond delay="0"/>
+                                  </p:stCondLst>
+                                  <p:childTnLst>
+                                    <p:set>
+                                      <p:cBhvr>
+                                        <p:cTn id="9" dur="1" fill="hold">
+                                          <p:stCondLst>
+                                            <p:cond delay="0"/>
+                                          </p:stCondLst>
+                                        </p:cTn>
+                                        <p:tgtEl>
+                                          <p:spTgt spid="3">
+                                            <p:txEl>
+                                              <p:pRg st="0" end="0"/>
+                                            </p:txEl>
+                                          </p:spTgt>
+                                        </p:tgtEl>
+                                        <p:attrNameLst>
+                                          <p:attrName>style.visibility</p:attrName>
+                                        </p:attrNameLst>
+                                      </p:cBhvr>
+                                      <p:to>
+                                        <p:strVal val="visible"/>
+                                      </p:to>
+                                    </p:set>
+                                    <p:animEffect transition="in" filter="fade">
+                                      <p:cBhvr>
+                                        <p:cTn id="10" dur="500"/>
+                                        <p:tgtEl>
+                                          <p:spTgt spid="3">
+                                            <p:txEl>
+                                              <p:pRg st="0" end="0"/>
+                                            </p:txEl>
+                                          </p:spTgt>
+                                        </p:tgtEl>
+                                      </p:cBhvr>
+                                    </p:animEffect>
+                                  </p:childTnLst>
+                                </p:cTn>
+                              </p:par>
+                            </p:childTnLst>
+                          </p:cTn>
+                        </p:par>
+                      </p:childTnLst>
+                    </p:cTn>
+                  </p:par>
+                  <p:par>
+                    <p:cTn id="11" fill="hold">
+                      <p:stCondLst>
+                        <p:cond delay="indefinite"/>
+                      </p:stCondLst>
+                      <p:childTnLst>
+                        <p:par>
+                          <p:cTn id="12" fill="hold">
+                            <p:stCondLst>
+                              <p:cond delay="0"/>
+                            </p:stCondLst>
+                            <p:childTnLst>
+                              <p:par>
+                                <p:cTn id="13" presetID="10" presetClass="entr" presetSubtype="0" fill="hold" nodeType="clickEffect">
+                                  <p:stCondLst>
+                                    <p:cond delay="0"/>
+                                  </p:stCondLst>
+                                  <p:childTnLst>
+                                    <p:set>
+                                      <p:cBhvr>
+                                        <p:cTn id="14" dur="1" fill="hold">
+                                          <p:stCondLst>
+                                            <p:cond delay="0"/>
+                                          </p:stCondLst>
+                                        </p:cTn>
+                                        <p:tgtEl>
+                                          <p:spTgt spid="3">
+                                            <p:txEl>
+                                              <p:pRg st="1" end="1"/>
+                                            </p:txEl>
+                                          </p:spTgt>
+                                        </p:tgtEl>
+                                        <p:attrNameLst>
+                                          <p:attrName>style.visibility</p:attrName>
+                                        </p:attrNameLst>
+                                      </p:cBhvr>
+                                      <p:to>
+                                        <p:strVal val="visible"/>
+                                      </p:to>
+                                    </p:set>
+                                    <p:animEffect transition="in" filter="fade">
+                                      <p:cBhvr>
+                                        <p:cTn id="15" dur="500"/>
+                                        <p:tgtEl>
+                                          <p:spTgt spid="3">
+                                            <p:txEl>
+                                              <p:pRg st="1" end="1"/>
+                                            </p:txEl>
+                                          </p:spTgt>
+                                        </p:tgtEl>
+                                      </p:cBhvr>
+                                    </p:animEffect>
+                                  </p:childTnLst>
+                                </p:cTn>
+                              </p:par>
+                              <p:par>
+                                <p:cTn id="16" presetID="10" presetClass="entr" presetSubtype="0" fill="hold" nodeType="withEffect">
+                                  <p:stCondLst>
+                                    <p:cond delay="0"/>
+                                  </p:stCondLst>
+                                  <p:childTnLst>
+                                    <p:set>
+                                      <p:cBhvr>
+                                        <p:cTn id="17" dur="1" fill="hold">
+                                          <p:stCondLst>
+                                            <p:cond delay="0"/>
+                                          </p:stCondLst>
+                                        </p:cTn>
+                                        <p:tgtEl>
+                                          <p:spTgt spid="5"/>
+                                        </p:tgtEl>
+                                        <p:attrNameLst>
+                                          <p:attrName>style.visibility</p:attrName>
+                                        </p:attrNameLst>
+                                      </p:cBhvr>
+                                      <p:to>
+                                        <p:strVal val="visible"/>
+                                      </p:to>
+                                    </p:set>
+                                    <p:animEffect transition="in" filter="fade">
+                                      <p:cBhvr>
+                                        <p:cTn id="18" dur="500"/>
+                                        <p:tgtEl>
+                                          <p:spTgt spid="5"/>
+                                        </p:tgtEl>
+                                      </p:cBhvr>
+                                    </p:animEffect>
+                                  </p:childTnLst>
+                                </p:cTn>
+                              </p:par>
+                            </p:childTnLst>
+                          </p:cTn>
+                        </p:par>
+                      </p:childTnLst>
+                    </p:cTn>
+                  </p:par>
+                  <p:par>
+                    <p:cTn id="19" fill="hold">
+                      <p:stCondLst>
+                        <p:cond delay="indefinite"/>
+                      </p:stCondLst>
+                      <p:childTnLst>
+                        <p:par>
+                          <p:cTn id="20" fill="hold">
+                            <p:stCondLst>
+                              <p:cond delay="0"/>
+                            </p:stCondLst>
+                            <p:childTnLst>
+                              <p:par>
+                                <p:cTn id="21" presetID="10" presetClass="entr" presetSubtype="0" fill="hold" nodeType="clickEffect">
+                                  <p:stCondLst>
+                                    <p:cond delay="0"/>
+                                  </p:stCondLst>
+                                  <p:childTnLst>
+                                    <p:set>
+                                      <p:cBhvr>
+                                        <p:cTn id="22" dur="1" fill="hold">
+                                          <p:stCondLst>
+                                            <p:cond delay="0"/>
+                                          </p:stCondLst>
+                                        </p:cTn>
+                                        <p:tgtEl>
+                                          <p:spTgt spid="3">
+                                            <p:txEl>
+                                              <p:pRg st="2" end="2"/>
+                                            </p:txEl>
+                                          </p:spTgt>
+                                        </p:tgtEl>
+                                        <p:attrNameLst>
+                                          <p:attrName>style.visibility</p:attrName>
+                                        </p:attrNameLst>
+                                      </p:cBhvr>
+                                      <p:to>
+                                        <p:strVal val="visible"/>
+                                      </p:to>
+                                    </p:set>
+                                    <p:animEffect transition="in" filter="fade">
+                                      <p:cBhvr>
+                                        <p:cTn id="23" dur="500"/>
+                                        <p:tgtEl>
+                                          <p:spTgt spid="3">
+                                            <p:txEl>
+                                              <p:pRg st="2" end="2"/>
+                                            </p:txEl>
+                                          </p:spTgt>
+                                        </p:tgtEl>
+                                      </p:cBhvr>
+                                    </p:animEffect>
+                                  </p:childTnLst>
+                                </p:cTn>
+                              </p:par>
+                              <p:par>
+                                <p:cTn id="24" presetID="10" presetClass="entr" presetSubtype="0" fill="hold" nodeType="withEffect">
+                                  <p:stCondLst>
+                                    <p:cond delay="0"/>
+                                  </p:stCondLst>
+                                  <p:childTnLst>
+                                    <p:set>
+                                      <p:cBhvr>
+                                        <p:cTn id="25" dur="1" fill="hold">
+                                          <p:stCondLst>
+                                            <p:cond delay="0"/>
+                                          </p:stCondLst>
+                                        </p:cTn>
+                                        <p:tgtEl>
+                                          <p:spTgt spid="7"/>
+                                        </p:tgtEl>
+                                        <p:attrNameLst>
+                                          <p:attrName>style.visibility</p:attrName>
+                                        </p:attrNameLst>
+                                      </p:cBhvr>
+                                      <p:to>
+                                        <p:strVal val="visible"/>
+                                      </p:to>
+                                    </p:set>
+                                    <p:animEffect transition="in" filter="fade">
+                                      <p:cBhvr>
+                                        <p:cTn id="26" dur="500"/>
+                                        <p:tgtEl>
+                                          <p:spTgt spid="7"/>
+                                        </p:tgtEl>
+                                      </p:cBhvr>
+                                    </p:animEffect>
+                                  </p:childTnLst>
+                                </p:cTn>
+                              </p:par>
+                            </p:childTnLst>
+                          </p:cTn>
+                        </p:par>
+                      </p:childTnLst>
+                    </p:cTn>
+                  </p:par>
+                </p:childTnLst>
+              </p:cTn>
+              <p:prevCondLst>
+                <p:cond evt="onPrev" delay="0">
+                  <p:tgtEl>
+                    <p:sldTgt/>
+                  </p:tgtEl>
+                </p:cond>
+              </p:prevCondLst>
+              <p:nextCondLst>
+                <p:cond evt="onNext" delay="0">
+                  <p:tgtEl>
+                    <p:sldTgt/>
+                  </p:tgtEl>
+                </p:cond>
+              </p:nextCondLst>
+            </p:seq>
+          </p:childTnLst>
+        </p:cTn>
+      </p:par>
+    </p:tnLst>
+    <p:bldLst>
+      <p:bldP spid="2" grpId="0"/>
+    </p:bldLst>
+  </p:timing>
 </p:sld>
 </file>
 
@@ -4145,6 +5539,92 @@
   <p:clrMapOvr>
     <a:masterClrMapping/>
   </p:clrMapOvr>
+  <p:timing>
+    <p:tnLst>
+      <p:par>
+        <p:cTn id="1" dur="indefinite" restart="never" nodeType="tmRoot">
+          <p:childTnLst>
+            <p:seq concurrent="1" nextAc="seek">
+              <p:cTn id="2" dur="indefinite" nodeType="mainSeq">
+                <p:childTnLst>
+                  <p:par>
+                    <p:cTn id="3" fill="hold">
+                      <p:stCondLst>
+                        <p:cond delay="indefinite"/>
+                      </p:stCondLst>
+                      <p:childTnLst>
+                        <p:par>
+                          <p:cTn id="4" fill="hold">
+                            <p:stCondLst>
+                              <p:cond delay="0"/>
+                            </p:stCondLst>
+                            <p:childTnLst>
+                              <p:par>
+                                <p:cTn id="5" presetID="10" presetClass="entr" presetSubtype="0" fill="hold" grpId="0" nodeType="clickEffect">
+                                  <p:stCondLst>
+                                    <p:cond delay="0"/>
+                                  </p:stCondLst>
+                                  <p:childTnLst>
+                                    <p:set>
+                                      <p:cBhvr>
+                                        <p:cTn id="6" dur="1" fill="hold">
+                                          <p:stCondLst>
+                                            <p:cond delay="0"/>
+                                          </p:stCondLst>
+                                        </p:cTn>
+                                        <p:tgtEl>
+                                          <p:spTgt spid="2"/>
+                                        </p:tgtEl>
+                                        <p:attrNameLst>
+                                          <p:attrName>style.visibility</p:attrName>
+                                        </p:attrNameLst>
+                                      </p:cBhvr>
+                                      <p:to>
+                                        <p:strVal val="visible"/>
+                                      </p:to>
+                                    </p:set>
+                                    <p:animEffect transition="in" filter="fade">
+                                      <p:cBhvr>
+                                        <p:cTn id="7" dur="500"/>
+                                        <p:tgtEl>
+                                          <p:spTgt spid="2"/>
+                                        </p:tgtEl>
+                                      </p:cBhvr>
+                                    </p:animEffect>
+                                  </p:childTnLst>
+                                </p:cTn>
+                              </p:par>
+                            </p:childTnLst>
+                          </p:cTn>
+                        </p:par>
+                      </p:childTnLst>
+                    </p:cTn>
+                  </p:par>
+                </p:childTnLst>
+              </p:cTn>
+              <p:prevCondLst>
+                <p:cond evt="onPrev" delay="0">
+                  <p:tgtEl>
+                    <p:sldTgt/>
+                  </p:tgtEl>
+                </p:cond>
+              </p:prevCondLst>
+              <p:nextCondLst>
+                <p:cond evt="onNext" delay="0">
+                  <p:tgtEl>
+                    <p:sldTgt/>
+                  </p:tgtEl>
+                </p:cond>
+              </p:nextCondLst>
+            </p:seq>
+          </p:childTnLst>
+        </p:cTn>
+      </p:par>
+    </p:tnLst>
+    <p:bldLst>
+      <p:bldP spid="2" grpId="0"/>
+    </p:bldLst>
+  </p:timing>
 </p:sld>
 </file>
 
@@ -4255,6 +5735,92 @@
   <p:clrMapOvr>
     <a:masterClrMapping/>
   </p:clrMapOvr>
+  <p:timing>
+    <p:tnLst>
+      <p:par>
+        <p:cTn id="1" dur="indefinite" restart="never" nodeType="tmRoot">
+          <p:childTnLst>
+            <p:seq concurrent="1" nextAc="seek">
+              <p:cTn id="2" dur="indefinite" nodeType="mainSeq">
+                <p:childTnLst>
+                  <p:par>
+                    <p:cTn id="3" fill="hold">
+                      <p:stCondLst>
+                        <p:cond delay="indefinite"/>
+                      </p:stCondLst>
+                      <p:childTnLst>
+                        <p:par>
+                          <p:cTn id="4" fill="hold">
+                            <p:stCondLst>
+                              <p:cond delay="0"/>
+                            </p:stCondLst>
+                            <p:childTnLst>
+                              <p:par>
+                                <p:cTn id="5" presetID="10" presetClass="entr" presetSubtype="0" fill="hold" grpId="0" nodeType="clickEffect">
+                                  <p:stCondLst>
+                                    <p:cond delay="0"/>
+                                  </p:stCondLst>
+                                  <p:childTnLst>
+                                    <p:set>
+                                      <p:cBhvr>
+                                        <p:cTn id="6" dur="1" fill="hold">
+                                          <p:stCondLst>
+                                            <p:cond delay="0"/>
+                                          </p:stCondLst>
+                                        </p:cTn>
+                                        <p:tgtEl>
+                                          <p:spTgt spid="2"/>
+                                        </p:tgtEl>
+                                        <p:attrNameLst>
+                                          <p:attrName>style.visibility</p:attrName>
+                                        </p:attrNameLst>
+                                      </p:cBhvr>
+                                      <p:to>
+                                        <p:strVal val="visible"/>
+                                      </p:to>
+                                    </p:set>
+                                    <p:animEffect transition="in" filter="fade">
+                                      <p:cBhvr>
+                                        <p:cTn id="7" dur="500"/>
+                                        <p:tgtEl>
+                                          <p:spTgt spid="2"/>
+                                        </p:tgtEl>
+                                      </p:cBhvr>
+                                    </p:animEffect>
+                                  </p:childTnLst>
+                                </p:cTn>
+                              </p:par>
+                            </p:childTnLst>
+                          </p:cTn>
+                        </p:par>
+                      </p:childTnLst>
+                    </p:cTn>
+                  </p:par>
+                </p:childTnLst>
+              </p:cTn>
+              <p:prevCondLst>
+                <p:cond evt="onPrev" delay="0">
+                  <p:tgtEl>
+                    <p:sldTgt/>
+                  </p:tgtEl>
+                </p:cond>
+              </p:prevCondLst>
+              <p:nextCondLst>
+                <p:cond evt="onNext" delay="0">
+                  <p:tgtEl>
+                    <p:sldTgt/>
+                  </p:tgtEl>
+                </p:cond>
+              </p:nextCondLst>
+            </p:seq>
+          </p:childTnLst>
+        </p:cTn>
+      </p:par>
+    </p:tnLst>
+    <p:bldLst>
+      <p:bldP spid="2" grpId="0"/>
+    </p:bldLst>
+  </p:timing>
 </p:sld>
 </file>
 
@@ -4378,15 +5944,305 @@
             <p:ph idx="1"/>
           </p:nvPr>
         </p:nvSpPr>
-        <p:spPr/>
-        <p:txBody>
-          <a:bodyPr/>
+        <p:spPr>
+          <a:xfrm>
+            <a:off x="603031" y="1825625"/>
+            <a:ext cx="5361834" cy="4667250"/>
+          </a:xfrm>
+        </p:spPr>
+        <p:txBody>
+          <a:bodyPr>
+            <a:normAutofit lnSpcReduction="10000"/>
+          </a:bodyPr>
           <a:lstStyle/>
           <a:p>
-            <a:endParaRPr lang="en-IE"/>
-          </a:p>
-        </p:txBody>
-      </p:sp>
+            <a:r>
+              <a:rPr lang="en-IE" sz="4400" dirty="0">
+                <a:ln w="22225">
+                  <a:solidFill>
+                    <a:schemeClr val="tx1"/>
+                  </a:solidFill>
+                </a:ln>
+                <a:gradFill>
+                  <a:gsLst>
+                    <a:gs pos="0">
+                      <a:srgbClr val="00B050"/>
+                    </a:gs>
+                    <a:gs pos="96000">
+                      <a:srgbClr val="C00000"/>
+                    </a:gs>
+                  </a:gsLst>
+                  <a:lin ang="5400000" scaled="1"/>
+                </a:gradFill>
+                <a:effectLst>
+                  <a:outerShdw blurRad="50800" dist="50800" dir="3900000" algn="ctr" rotWithShape="0">
+                    <a:schemeClr val="tx1"/>
+                  </a:outerShdw>
+                </a:effectLst>
+                <a:latin typeface="ArcadeClassic" panose="00000400000000000000" pitchFamily="2" charset="0"/>
+              </a:rPr>
+              <a:t>Shane</a:t>
+            </a:r>
+          </a:p>
+          <a:p>
+            <a:pPr lvl="1"/>
+            <a:r>
+              <a:rPr lang="en-IE" sz="4000" dirty="0">
+                <a:ln w="22225">
+                  <a:solidFill>
+                    <a:schemeClr val="tx1"/>
+                  </a:solidFill>
+                </a:ln>
+                <a:gradFill>
+                  <a:gsLst>
+                    <a:gs pos="0">
+                      <a:srgbClr val="00B050"/>
+                    </a:gs>
+                    <a:gs pos="96000">
+                      <a:srgbClr val="C00000"/>
+                    </a:gs>
+                  </a:gsLst>
+                  <a:lin ang="5400000" scaled="1"/>
+                </a:gradFill>
+                <a:effectLst>
+                  <a:outerShdw blurRad="50800" dist="50800" dir="3900000" algn="ctr" rotWithShape="0">
+                    <a:schemeClr val="tx1"/>
+                  </a:outerShdw>
+                </a:effectLst>
+                <a:latin typeface="ArcadeClassic" panose="00000400000000000000" pitchFamily="2" charset="0"/>
+              </a:rPr>
+              <a:t>Project  manager</a:t>
+            </a:r>
+          </a:p>
+          <a:p>
+            <a:pPr lvl="1"/>
+            <a:r>
+              <a:rPr lang="en-IE" sz="4000" dirty="0">
+                <a:ln w="22225">
+                  <a:solidFill>
+                    <a:schemeClr val="tx1"/>
+                  </a:solidFill>
+                </a:ln>
+                <a:gradFill>
+                  <a:gsLst>
+                    <a:gs pos="0">
+                      <a:srgbClr val="00B050"/>
+                    </a:gs>
+                    <a:gs pos="96000">
+                      <a:srgbClr val="C00000"/>
+                    </a:gs>
+                  </a:gsLst>
+                  <a:lin ang="5400000" scaled="1"/>
+                </a:gradFill>
+                <a:effectLst>
+                  <a:outerShdw blurRad="50800" dist="50800" dir="3900000" algn="ctr" rotWithShape="0">
+                    <a:schemeClr val="tx1"/>
+                  </a:outerShdw>
+                </a:effectLst>
+                <a:latin typeface="ArcadeClassic" panose="00000400000000000000" pitchFamily="2" charset="0"/>
+              </a:rPr>
+              <a:t>Main  menu</a:t>
+            </a:r>
+          </a:p>
+          <a:p>
+            <a:pPr lvl="1"/>
+            <a:r>
+              <a:rPr lang="en-IE" sz="4000" dirty="0">
+                <a:ln w="22225">
+                  <a:solidFill>
+                    <a:schemeClr val="tx1"/>
+                  </a:solidFill>
+                </a:ln>
+                <a:gradFill>
+                  <a:gsLst>
+                    <a:gs pos="0">
+                      <a:srgbClr val="00B050"/>
+                    </a:gs>
+                    <a:gs pos="96000">
+                      <a:srgbClr val="C00000"/>
+                    </a:gs>
+                  </a:gsLst>
+                  <a:lin ang="5400000" scaled="1"/>
+                </a:gradFill>
+                <a:effectLst>
+                  <a:outerShdw blurRad="50800" dist="50800" dir="3900000" algn="ctr" rotWithShape="0">
+                    <a:schemeClr val="tx1"/>
+                  </a:outerShdw>
+                </a:effectLst>
+                <a:latin typeface="ArcadeClassic" panose="00000400000000000000" pitchFamily="2" charset="0"/>
+              </a:rPr>
+              <a:t>Cutscene</a:t>
+            </a:r>
+          </a:p>
+          <a:p>
+            <a:pPr lvl="1"/>
+            <a:r>
+              <a:rPr lang="en-IE" sz="4000" dirty="0">
+                <a:ln w="22225">
+                  <a:solidFill>
+                    <a:schemeClr val="tx1"/>
+                  </a:solidFill>
+                </a:ln>
+                <a:gradFill>
+                  <a:gsLst>
+                    <a:gs pos="0">
+                      <a:srgbClr val="00B050"/>
+                    </a:gs>
+                    <a:gs pos="96000">
+                      <a:srgbClr val="C00000"/>
+                    </a:gs>
+                  </a:gsLst>
+                  <a:lin ang="5400000" scaled="1"/>
+                </a:gradFill>
+                <a:effectLst>
+                  <a:outerShdw blurRad="50800" dist="50800" dir="3900000" algn="ctr" rotWithShape="0">
+                    <a:schemeClr val="tx1"/>
+                  </a:outerShdw>
+                </a:effectLst>
+                <a:latin typeface="ArcadeClassic" panose="00000400000000000000" pitchFamily="2" charset="0"/>
+              </a:rPr>
+              <a:t>Game  over</a:t>
+            </a:r>
+          </a:p>
+          <a:p>
+            <a:pPr lvl="1"/>
+            <a:r>
+              <a:rPr lang="en-IE" sz="4000" dirty="0">
+                <a:ln w="22225">
+                  <a:solidFill>
+                    <a:schemeClr val="tx1"/>
+                  </a:solidFill>
+                </a:ln>
+                <a:gradFill>
+                  <a:gsLst>
+                    <a:gs pos="0">
+                      <a:srgbClr val="00B050"/>
+                    </a:gs>
+                    <a:gs pos="96000">
+                      <a:srgbClr val="C00000"/>
+                    </a:gs>
+                  </a:gsLst>
+                  <a:lin ang="5400000" scaled="1"/>
+                </a:gradFill>
+                <a:effectLst>
+                  <a:outerShdw blurRad="50800" dist="50800" dir="3900000" algn="ctr" rotWithShape="0">
+                    <a:schemeClr val="tx1"/>
+                  </a:outerShdw>
+                </a:effectLst>
+                <a:latin typeface="ArcadeClassic" panose="00000400000000000000" pitchFamily="2" charset="0"/>
+              </a:rPr>
+              <a:t>Music  and  sound</a:t>
+            </a:r>
+          </a:p>
+          <a:p>
+            <a:pPr lvl="1"/>
+            <a:r>
+              <a:rPr lang="en-IE" sz="4000" dirty="0">
+                <a:ln w="22225">
+                  <a:solidFill>
+                    <a:schemeClr val="tx1"/>
+                  </a:solidFill>
+                </a:ln>
+                <a:gradFill>
+                  <a:gsLst>
+                    <a:gs pos="0">
+                      <a:srgbClr val="00B050"/>
+                    </a:gs>
+                    <a:gs pos="96000">
+                      <a:srgbClr val="C00000"/>
+                    </a:gs>
+                  </a:gsLst>
+                  <a:lin ang="5400000" scaled="1"/>
+                </a:gradFill>
+                <a:effectLst>
+                  <a:outerShdw blurRad="50800" dist="50800" dir="3900000" algn="ctr" rotWithShape="0">
+                    <a:schemeClr val="tx1"/>
+                  </a:outerShdw>
+                </a:effectLst>
+                <a:latin typeface="ArcadeClassic" panose="00000400000000000000" pitchFamily="2" charset="0"/>
+              </a:rPr>
+              <a:t>Player  Walk  Mechanic</a:t>
+            </a:r>
+          </a:p>
+          <a:p>
+            <a:endParaRPr lang="en-IE" dirty="0"/>
+          </a:p>
+        </p:txBody>
+      </p:sp>
+      <p:pic>
+        <p:nvPicPr>
+          <p:cNvPr id="5" name="Picture 4">
+            <a:extLst>
+              <a:ext uri="{FF2B5EF4-FFF2-40B4-BE49-F238E27FC236}">
+                <a16:creationId xmlns:a16="http://schemas.microsoft.com/office/drawing/2014/main" id="{3F95DE4C-7DE0-4565-AFD1-759B73DA7E71}"/>
+              </a:ext>
+            </a:extLst>
+          </p:cNvPr>
+          <p:cNvPicPr>
+            <a:picLocks noChangeAspect="1"/>
+          </p:cNvPicPr>
+          <p:nvPr/>
+        </p:nvPicPr>
+        <p:blipFill>
+          <a:blip r:embed="rId2"/>
+          <a:stretch>
+            <a:fillRect/>
+          </a:stretch>
+        </p:blipFill>
+        <p:spPr>
+          <a:xfrm>
+            <a:off x="6799760" y="1974715"/>
+            <a:ext cx="4031496" cy="2127861"/>
+          </a:xfrm>
+          <a:prstGeom prst="rect">
+            <a:avLst/>
+          </a:prstGeom>
+          <a:effectLst>
+            <a:outerShdw blurRad="63500" sx="103000" sy="103000" algn="ctr" rotWithShape="0">
+              <a:prstClr val="black">
+                <a:alpha val="41000"/>
+              </a:prstClr>
+            </a:outerShdw>
+          </a:effectLst>
+        </p:spPr>
+      </p:pic>
+      <p:pic>
+        <p:nvPicPr>
+          <p:cNvPr id="7" name="Picture 6">
+            <a:extLst>
+              <a:ext uri="{FF2B5EF4-FFF2-40B4-BE49-F238E27FC236}">
+                <a16:creationId xmlns:a16="http://schemas.microsoft.com/office/drawing/2014/main" id="{A335FED6-8585-4253-BE40-7EFFE0E7F11A}"/>
+              </a:ext>
+            </a:extLst>
+          </p:cNvPr>
+          <p:cNvPicPr>
+            <a:picLocks noChangeAspect="1"/>
+          </p:cNvPicPr>
+          <p:nvPr/>
+        </p:nvPicPr>
+        <p:blipFill>
+          <a:blip r:embed="rId3"/>
+          <a:stretch>
+            <a:fillRect/>
+          </a:stretch>
+        </p:blipFill>
+        <p:spPr>
+          <a:xfrm>
+            <a:off x="6799760" y="4345468"/>
+            <a:ext cx="4031496" cy="2147407"/>
+          </a:xfrm>
+          <a:prstGeom prst="rect">
+            <a:avLst/>
+          </a:prstGeom>
+          <a:effectLst>
+            <a:outerShdw blurRad="63500" sx="102000" sy="102000" algn="ctr" rotWithShape="0">
+              <a:prstClr val="black">
+                <a:alpha val="40000"/>
+              </a:prstClr>
+            </a:outerShdw>
+          </a:effectLst>
+        </p:spPr>
+      </p:pic>
     </p:spTree>
     <p:extLst>
       <p:ext uri="{BB962C8B-B14F-4D97-AF65-F5344CB8AC3E}">
@@ -4397,6 +6253,553 @@
   <p:clrMapOvr>
     <a:masterClrMapping/>
   </p:clrMapOvr>
+  <p:timing>
+    <p:tnLst>
+      <p:par>
+        <p:cTn id="1" dur="indefinite" restart="never" nodeType="tmRoot">
+          <p:childTnLst>
+            <p:seq concurrent="1" nextAc="seek">
+              <p:cTn id="2" dur="indefinite" nodeType="mainSeq">
+                <p:childTnLst>
+                  <p:par>
+                    <p:cTn id="3" fill="hold">
+                      <p:stCondLst>
+                        <p:cond delay="indefinite"/>
+                      </p:stCondLst>
+                      <p:childTnLst>
+                        <p:par>
+                          <p:cTn id="4" fill="hold">
+                            <p:stCondLst>
+                              <p:cond delay="0"/>
+                            </p:stCondLst>
+                            <p:childTnLst>
+                              <p:par>
+                                <p:cTn id="5" presetID="10" presetClass="entr" presetSubtype="0" fill="hold" grpId="0" nodeType="clickEffect">
+                                  <p:stCondLst>
+                                    <p:cond delay="0"/>
+                                  </p:stCondLst>
+                                  <p:childTnLst>
+                                    <p:set>
+                                      <p:cBhvr>
+                                        <p:cTn id="6" dur="1" fill="hold">
+                                          <p:stCondLst>
+                                            <p:cond delay="0"/>
+                                          </p:stCondLst>
+                                        </p:cTn>
+                                        <p:tgtEl>
+                                          <p:spTgt spid="2"/>
+                                        </p:tgtEl>
+                                        <p:attrNameLst>
+                                          <p:attrName>style.visibility</p:attrName>
+                                        </p:attrNameLst>
+                                      </p:cBhvr>
+                                      <p:to>
+                                        <p:strVal val="visible"/>
+                                      </p:to>
+                                    </p:set>
+                                    <p:animEffect transition="in" filter="fade">
+                                      <p:cBhvr>
+                                        <p:cTn id="7" dur="500"/>
+                                        <p:tgtEl>
+                                          <p:spTgt spid="2"/>
+                                        </p:tgtEl>
+                                      </p:cBhvr>
+                                    </p:animEffect>
+                                  </p:childTnLst>
+                                </p:cTn>
+                              </p:par>
+                              <p:par>
+                                <p:cTn id="8" presetID="10" presetClass="entr" presetSubtype="0" fill="hold" nodeType="withEffect">
+                                  <p:stCondLst>
+                                    <p:cond delay="0"/>
+                                  </p:stCondLst>
+                                  <p:childTnLst>
+                                    <p:set>
+                                      <p:cBhvr>
+                                        <p:cTn id="9" dur="1" fill="hold">
+                                          <p:stCondLst>
+                                            <p:cond delay="0"/>
+                                          </p:stCondLst>
+                                        </p:cTn>
+                                        <p:tgtEl>
+                                          <p:spTgt spid="3">
+                                            <p:txEl>
+                                              <p:pRg st="0" end="0"/>
+                                            </p:txEl>
+                                          </p:spTgt>
+                                        </p:tgtEl>
+                                        <p:attrNameLst>
+                                          <p:attrName>style.visibility</p:attrName>
+                                        </p:attrNameLst>
+                                      </p:cBhvr>
+                                      <p:to>
+                                        <p:strVal val="visible"/>
+                                      </p:to>
+                                    </p:set>
+                                    <p:animEffect transition="in" filter="fade">
+                                      <p:cBhvr>
+                                        <p:cTn id="10" dur="500"/>
+                                        <p:tgtEl>
+                                          <p:spTgt spid="3">
+                                            <p:txEl>
+                                              <p:pRg st="0" end="0"/>
+                                            </p:txEl>
+                                          </p:spTgt>
+                                        </p:tgtEl>
+                                      </p:cBhvr>
+                                    </p:animEffect>
+                                  </p:childTnLst>
+                                </p:cTn>
+                              </p:par>
+                              <p:par>
+                                <p:cTn id="11" presetID="10" presetClass="entr" presetSubtype="0" fill="hold" nodeType="withEffect">
+                                  <p:stCondLst>
+                                    <p:cond delay="0"/>
+                                  </p:stCondLst>
+                                  <p:childTnLst>
+                                    <p:set>
+                                      <p:cBhvr>
+                                        <p:cTn id="12" dur="1" fill="hold">
+                                          <p:stCondLst>
+                                            <p:cond delay="0"/>
+                                          </p:stCondLst>
+                                        </p:cTn>
+                                        <p:tgtEl>
+                                          <p:spTgt spid="3">
+                                            <p:txEl>
+                                              <p:pRg st="1" end="1"/>
+                                            </p:txEl>
+                                          </p:spTgt>
+                                        </p:tgtEl>
+                                        <p:attrNameLst>
+                                          <p:attrName>style.visibility</p:attrName>
+                                        </p:attrNameLst>
+                                      </p:cBhvr>
+                                      <p:to>
+                                        <p:strVal val="visible"/>
+                                      </p:to>
+                                    </p:set>
+                                    <p:animEffect transition="in" filter="fade">
+                                      <p:cBhvr>
+                                        <p:cTn id="13" dur="500"/>
+                                        <p:tgtEl>
+                                          <p:spTgt spid="3">
+                                            <p:txEl>
+                                              <p:pRg st="1" end="1"/>
+                                            </p:txEl>
+                                          </p:spTgt>
+                                        </p:tgtEl>
+                                      </p:cBhvr>
+                                    </p:animEffect>
+                                  </p:childTnLst>
+                                </p:cTn>
+                              </p:par>
+                            </p:childTnLst>
+                          </p:cTn>
+                        </p:par>
+                      </p:childTnLst>
+                    </p:cTn>
+                  </p:par>
+                  <p:par>
+                    <p:cTn id="14" fill="hold">
+                      <p:stCondLst>
+                        <p:cond delay="indefinite"/>
+                      </p:stCondLst>
+                      <p:childTnLst>
+                        <p:par>
+                          <p:cTn id="15" fill="hold">
+                            <p:stCondLst>
+                              <p:cond delay="0"/>
+                            </p:stCondLst>
+                            <p:childTnLst>
+                              <p:par>
+                                <p:cTn id="16" presetID="10" presetClass="entr" presetSubtype="0" fill="hold" nodeType="clickEffect">
+                                  <p:stCondLst>
+                                    <p:cond delay="0"/>
+                                  </p:stCondLst>
+                                  <p:childTnLst>
+                                    <p:set>
+                                      <p:cBhvr>
+                                        <p:cTn id="17" dur="1" fill="hold">
+                                          <p:stCondLst>
+                                            <p:cond delay="0"/>
+                                          </p:stCondLst>
+                                        </p:cTn>
+                                        <p:tgtEl>
+                                          <p:spTgt spid="3">
+                                            <p:txEl>
+                                              <p:pRg st="2" end="2"/>
+                                            </p:txEl>
+                                          </p:spTgt>
+                                        </p:tgtEl>
+                                        <p:attrNameLst>
+                                          <p:attrName>style.visibility</p:attrName>
+                                        </p:attrNameLst>
+                                      </p:cBhvr>
+                                      <p:to>
+                                        <p:strVal val="visible"/>
+                                      </p:to>
+                                    </p:set>
+                                    <p:animEffect transition="in" filter="fade">
+                                      <p:cBhvr>
+                                        <p:cTn id="18" dur="500"/>
+                                        <p:tgtEl>
+                                          <p:spTgt spid="3">
+                                            <p:txEl>
+                                              <p:pRg st="2" end="2"/>
+                                            </p:txEl>
+                                          </p:spTgt>
+                                        </p:tgtEl>
+                                      </p:cBhvr>
+                                    </p:animEffect>
+                                  </p:childTnLst>
+                                </p:cTn>
+                              </p:par>
+                              <p:par>
+                                <p:cTn id="19" presetID="10" presetClass="entr" presetSubtype="0" fill="hold" nodeType="withEffect">
+                                  <p:stCondLst>
+                                    <p:cond delay="0"/>
+                                  </p:stCondLst>
+                                  <p:childTnLst>
+                                    <p:set>
+                                      <p:cBhvr>
+                                        <p:cTn id="20" dur="1" fill="hold">
+                                          <p:stCondLst>
+                                            <p:cond delay="0"/>
+                                          </p:stCondLst>
+                                        </p:cTn>
+                                        <p:tgtEl>
+                                          <p:spTgt spid="5"/>
+                                        </p:tgtEl>
+                                        <p:attrNameLst>
+                                          <p:attrName>style.visibility</p:attrName>
+                                        </p:attrNameLst>
+                                      </p:cBhvr>
+                                      <p:to>
+                                        <p:strVal val="visible"/>
+                                      </p:to>
+                                    </p:set>
+                                    <p:animEffect transition="in" filter="fade">
+                                      <p:cBhvr>
+                                        <p:cTn id="21" dur="500"/>
+                                        <p:tgtEl>
+                                          <p:spTgt spid="5"/>
+                                        </p:tgtEl>
+                                      </p:cBhvr>
+                                    </p:animEffect>
+                                  </p:childTnLst>
+                                </p:cTn>
+                              </p:par>
+                            </p:childTnLst>
+                          </p:cTn>
+                        </p:par>
+                      </p:childTnLst>
+                    </p:cTn>
+                  </p:par>
+                  <p:par>
+                    <p:cTn id="22" fill="hold">
+                      <p:stCondLst>
+                        <p:cond delay="indefinite"/>
+                      </p:stCondLst>
+                      <p:childTnLst>
+                        <p:par>
+                          <p:cTn id="23" fill="hold">
+                            <p:stCondLst>
+                              <p:cond delay="0"/>
+                            </p:stCondLst>
+                            <p:childTnLst>
+                              <p:par>
+                                <p:cTn id="24" presetID="10" presetClass="entr" presetSubtype="0" fill="hold" nodeType="clickEffect">
+                                  <p:stCondLst>
+                                    <p:cond delay="0"/>
+                                  </p:stCondLst>
+                                  <p:childTnLst>
+                                    <p:set>
+                                      <p:cBhvr>
+                                        <p:cTn id="25" dur="1" fill="hold">
+                                          <p:stCondLst>
+                                            <p:cond delay="0"/>
+                                          </p:stCondLst>
+                                        </p:cTn>
+                                        <p:tgtEl>
+                                          <p:spTgt spid="3">
+                                            <p:txEl>
+                                              <p:pRg st="3" end="3"/>
+                                            </p:txEl>
+                                          </p:spTgt>
+                                        </p:tgtEl>
+                                        <p:attrNameLst>
+                                          <p:attrName>style.visibility</p:attrName>
+                                        </p:attrNameLst>
+                                      </p:cBhvr>
+                                      <p:to>
+                                        <p:strVal val="visible"/>
+                                      </p:to>
+                                    </p:set>
+                                    <p:animEffect transition="in" filter="fade">
+                                      <p:cBhvr>
+                                        <p:cTn id="26" dur="500"/>
+                                        <p:tgtEl>
+                                          <p:spTgt spid="3">
+                                            <p:txEl>
+                                              <p:pRg st="3" end="3"/>
+                                            </p:txEl>
+                                          </p:spTgt>
+                                        </p:tgtEl>
+                                      </p:cBhvr>
+                                    </p:animEffect>
+                                  </p:childTnLst>
+                                </p:cTn>
+                              </p:par>
+                            </p:childTnLst>
+                          </p:cTn>
+                        </p:par>
+                      </p:childTnLst>
+                    </p:cTn>
+                  </p:par>
+                  <p:par>
+                    <p:cTn id="27" fill="hold">
+                      <p:stCondLst>
+                        <p:cond delay="indefinite"/>
+                      </p:stCondLst>
+                      <p:childTnLst>
+                        <p:par>
+                          <p:cTn id="28" fill="hold">
+                            <p:stCondLst>
+                              <p:cond delay="0"/>
+                            </p:stCondLst>
+                            <p:childTnLst>
+                              <p:par>
+                                <p:cTn id="29" presetID="10" presetClass="entr" presetSubtype="0" fill="hold" nodeType="clickEffect">
+                                  <p:stCondLst>
+                                    <p:cond delay="0"/>
+                                  </p:stCondLst>
+                                  <p:childTnLst>
+                                    <p:set>
+                                      <p:cBhvr>
+                                        <p:cTn id="30" dur="1" fill="hold">
+                                          <p:stCondLst>
+                                            <p:cond delay="0"/>
+                                          </p:stCondLst>
+                                        </p:cTn>
+                                        <p:tgtEl>
+                                          <p:spTgt spid="3">
+                                            <p:txEl>
+                                              <p:pRg st="4" end="4"/>
+                                            </p:txEl>
+                                          </p:spTgt>
+                                        </p:tgtEl>
+                                        <p:attrNameLst>
+                                          <p:attrName>style.visibility</p:attrName>
+                                        </p:attrNameLst>
+                                      </p:cBhvr>
+                                      <p:to>
+                                        <p:strVal val="visible"/>
+                                      </p:to>
+                                    </p:set>
+                                    <p:animEffect transition="in" filter="fade">
+                                      <p:cBhvr>
+                                        <p:cTn id="31" dur="500"/>
+                                        <p:tgtEl>
+                                          <p:spTgt spid="3">
+                                            <p:txEl>
+                                              <p:pRg st="4" end="4"/>
+                                            </p:txEl>
+                                          </p:spTgt>
+                                        </p:tgtEl>
+                                      </p:cBhvr>
+                                    </p:animEffect>
+                                  </p:childTnLst>
+                                </p:cTn>
+                              </p:par>
+                              <p:par>
+                                <p:cTn id="32" presetID="10" presetClass="entr" presetSubtype="0" fill="hold" nodeType="withEffect">
+                                  <p:stCondLst>
+                                    <p:cond delay="0"/>
+                                  </p:stCondLst>
+                                  <p:childTnLst>
+                                    <p:set>
+                                      <p:cBhvr>
+                                        <p:cTn id="33" dur="1" fill="hold">
+                                          <p:stCondLst>
+                                            <p:cond delay="0"/>
+                                          </p:stCondLst>
+                                        </p:cTn>
+                                        <p:tgtEl>
+                                          <p:spTgt spid="7"/>
+                                        </p:tgtEl>
+                                        <p:attrNameLst>
+                                          <p:attrName>style.visibility</p:attrName>
+                                        </p:attrNameLst>
+                                      </p:cBhvr>
+                                      <p:to>
+                                        <p:strVal val="visible"/>
+                                      </p:to>
+                                    </p:set>
+                                    <p:animEffect transition="in" filter="fade">
+                                      <p:cBhvr>
+                                        <p:cTn id="34" dur="500"/>
+                                        <p:tgtEl>
+                                          <p:spTgt spid="7"/>
+                                        </p:tgtEl>
+                                      </p:cBhvr>
+                                    </p:animEffect>
+                                  </p:childTnLst>
+                                </p:cTn>
+                              </p:par>
+                            </p:childTnLst>
+                          </p:cTn>
+                        </p:par>
+                      </p:childTnLst>
+                    </p:cTn>
+                  </p:par>
+                  <p:par>
+                    <p:cTn id="35" fill="hold">
+                      <p:stCondLst>
+                        <p:cond delay="indefinite"/>
+                      </p:stCondLst>
+                      <p:childTnLst>
+                        <p:par>
+                          <p:cTn id="36" fill="hold">
+                            <p:stCondLst>
+                              <p:cond delay="0"/>
+                            </p:stCondLst>
+                            <p:childTnLst>
+                              <p:par>
+                                <p:cTn id="37" presetID="10" presetClass="entr" presetSubtype="0" fill="hold" nodeType="clickEffect">
+                                  <p:stCondLst>
+                                    <p:cond delay="0"/>
+                                  </p:stCondLst>
+                                  <p:childTnLst>
+                                    <p:set>
+                                      <p:cBhvr>
+                                        <p:cTn id="38" dur="1" fill="hold">
+                                          <p:stCondLst>
+                                            <p:cond delay="0"/>
+                                          </p:stCondLst>
+                                        </p:cTn>
+                                        <p:tgtEl>
+                                          <p:spTgt spid="3">
+                                            <p:txEl>
+                                              <p:pRg st="5" end="5"/>
+                                            </p:txEl>
+                                          </p:spTgt>
+                                        </p:tgtEl>
+                                        <p:attrNameLst>
+                                          <p:attrName>style.visibility</p:attrName>
+                                        </p:attrNameLst>
+                                      </p:cBhvr>
+                                      <p:to>
+                                        <p:strVal val="visible"/>
+                                      </p:to>
+                                    </p:set>
+                                    <p:animEffect transition="in" filter="fade">
+                                      <p:cBhvr>
+                                        <p:cTn id="39" dur="500"/>
+                                        <p:tgtEl>
+                                          <p:spTgt spid="3">
+                                            <p:txEl>
+                                              <p:pRg st="5" end="5"/>
+                                            </p:txEl>
+                                          </p:spTgt>
+                                        </p:tgtEl>
+                                      </p:cBhvr>
+                                    </p:animEffect>
+                                  </p:childTnLst>
+                                </p:cTn>
+                              </p:par>
+                            </p:childTnLst>
+                          </p:cTn>
+                        </p:par>
+                      </p:childTnLst>
+                    </p:cTn>
+                  </p:par>
+                  <p:par>
+                    <p:cTn id="40" fill="hold">
+                      <p:stCondLst>
+                        <p:cond delay="indefinite"/>
+                      </p:stCondLst>
+                      <p:childTnLst>
+                        <p:par>
+                          <p:cTn id="41" fill="hold">
+                            <p:stCondLst>
+                              <p:cond delay="0"/>
+                            </p:stCondLst>
+                            <p:childTnLst>
+                              <p:par>
+                                <p:cTn id="42" presetID="10" presetClass="entr" presetSubtype="0" fill="hold" nodeType="clickEffect">
+                                  <p:stCondLst>
+                                    <p:cond delay="0"/>
+                                  </p:stCondLst>
+                                  <p:childTnLst>
+                                    <p:set>
+                                      <p:cBhvr>
+                                        <p:cTn id="43" dur="1" fill="hold">
+                                          <p:stCondLst>
+                                            <p:cond delay="0"/>
+                                          </p:stCondLst>
+                                        </p:cTn>
+                                        <p:tgtEl>
+                                          <p:spTgt spid="3">
+                                            <p:txEl>
+                                              <p:pRg st="6" end="6"/>
+                                            </p:txEl>
+                                          </p:spTgt>
+                                        </p:tgtEl>
+                                        <p:attrNameLst>
+                                          <p:attrName>style.visibility</p:attrName>
+                                        </p:attrNameLst>
+                                      </p:cBhvr>
+                                      <p:to>
+                                        <p:strVal val="visible"/>
+                                      </p:to>
+                                    </p:set>
+                                    <p:animEffect transition="in" filter="fade">
+                                      <p:cBhvr>
+                                        <p:cTn id="44" dur="500"/>
+                                        <p:tgtEl>
+                                          <p:spTgt spid="3">
+                                            <p:txEl>
+                                              <p:pRg st="6" end="6"/>
+                                            </p:txEl>
+                                          </p:spTgt>
+                                        </p:tgtEl>
+                                      </p:cBhvr>
+                                    </p:animEffect>
+                                  </p:childTnLst>
+                                </p:cTn>
+                              </p:par>
+                            </p:childTnLst>
+                          </p:cTn>
+                        </p:par>
+                      </p:childTnLst>
+                    </p:cTn>
+                  </p:par>
+                </p:childTnLst>
+              </p:cTn>
+              <p:prevCondLst>
+                <p:cond evt="onPrev" delay="0">
+                  <p:tgtEl>
+                    <p:sldTgt/>
+                  </p:tgtEl>
+                </p:cond>
+              </p:prevCondLst>
+              <p:nextCondLst>
+                <p:cond evt="onNext" delay="0">
+                  <p:tgtEl>
+                    <p:sldTgt/>
+                  </p:tgtEl>
+                </p:cond>
+              </p:nextCondLst>
+            </p:seq>
+          </p:childTnLst>
+        </p:cTn>
+      </p:par>
+    </p:tnLst>
+    <p:bldLst>
+      <p:bldP spid="2" grpId="0"/>
+    </p:bldLst>
+  </p:timing>
 </p:sld>
 </file>
 
@@ -4507,6 +6910,92 @@
   <p:clrMapOvr>
     <a:masterClrMapping/>
   </p:clrMapOvr>
+  <p:timing>
+    <p:tnLst>
+      <p:par>
+        <p:cTn id="1" dur="indefinite" restart="never" nodeType="tmRoot">
+          <p:childTnLst>
+            <p:seq concurrent="1" nextAc="seek">
+              <p:cTn id="2" dur="indefinite" nodeType="mainSeq">
+                <p:childTnLst>
+                  <p:par>
+                    <p:cTn id="3" fill="hold">
+                      <p:stCondLst>
+                        <p:cond delay="indefinite"/>
+                      </p:stCondLst>
+                      <p:childTnLst>
+                        <p:par>
+                          <p:cTn id="4" fill="hold">
+                            <p:stCondLst>
+                              <p:cond delay="0"/>
+                            </p:stCondLst>
+                            <p:childTnLst>
+                              <p:par>
+                                <p:cTn id="5" presetID="10" presetClass="entr" presetSubtype="0" fill="hold" grpId="0" nodeType="clickEffect">
+                                  <p:stCondLst>
+                                    <p:cond delay="0"/>
+                                  </p:stCondLst>
+                                  <p:childTnLst>
+                                    <p:set>
+                                      <p:cBhvr>
+                                        <p:cTn id="6" dur="1" fill="hold">
+                                          <p:stCondLst>
+                                            <p:cond delay="0"/>
+                                          </p:stCondLst>
+                                        </p:cTn>
+                                        <p:tgtEl>
+                                          <p:spTgt spid="2"/>
+                                        </p:tgtEl>
+                                        <p:attrNameLst>
+                                          <p:attrName>style.visibility</p:attrName>
+                                        </p:attrNameLst>
+                                      </p:cBhvr>
+                                      <p:to>
+                                        <p:strVal val="visible"/>
+                                      </p:to>
+                                    </p:set>
+                                    <p:animEffect transition="in" filter="fade">
+                                      <p:cBhvr>
+                                        <p:cTn id="7" dur="500"/>
+                                        <p:tgtEl>
+                                          <p:spTgt spid="2"/>
+                                        </p:tgtEl>
+                                      </p:cBhvr>
+                                    </p:animEffect>
+                                  </p:childTnLst>
+                                </p:cTn>
+                              </p:par>
+                            </p:childTnLst>
+                          </p:cTn>
+                        </p:par>
+                      </p:childTnLst>
+                    </p:cTn>
+                  </p:par>
+                </p:childTnLst>
+              </p:cTn>
+              <p:prevCondLst>
+                <p:cond evt="onPrev" delay="0">
+                  <p:tgtEl>
+                    <p:sldTgt/>
+                  </p:tgtEl>
+                </p:cond>
+              </p:prevCondLst>
+              <p:nextCondLst>
+                <p:cond evt="onNext" delay="0">
+                  <p:tgtEl>
+                    <p:sldTgt/>
+                  </p:tgtEl>
+                </p:cond>
+              </p:nextCondLst>
+            </p:seq>
+          </p:childTnLst>
+        </p:cTn>
+      </p:par>
+    </p:tnLst>
+    <p:bldLst>
+      <p:bldP spid="2" grpId="0"/>
+    </p:bldLst>
+  </p:timing>
 </p:sld>
 </file>
 

--- a/FINAL PRESENTATION/Final Presentation.pptx
+++ b/FINAL PRESENTATION/Final Presentation.pptx
@@ -11,7 +11,8 @@
     <p:sldId id="259" r:id="rId5"/>
     <p:sldId id="260" r:id="rId6"/>
     <p:sldId id="261" r:id="rId7"/>
-    <p:sldId id="262" r:id="rId8"/>
+    <p:sldId id="263" r:id="rId8"/>
+    <p:sldId id="262" r:id="rId9"/>
   </p:sldIdLst>
   <p:sldSz cx="12192000" cy="6858000"/>
   <p:notesSz cx="6858000" cy="9144000"/>
@@ -116,6 +117,1370 @@
     </p:ext>
   </p:extLst>
 </p:presentation>
+</file>
+
+<file path=ppt/charts/chart1.xml><?xml version="1.0" encoding="utf-8"?>
+<c:chartSpace xmlns:c="http://schemas.openxmlformats.org/drawingml/2006/chart" xmlns:a="http://schemas.openxmlformats.org/drawingml/2006/main" xmlns:r="http://schemas.openxmlformats.org/officeDocument/2006/relationships" xmlns:c16r2="http://schemas.microsoft.com/office/drawing/2015/06/chart">
+  <c:date1904 val="0"/>
+  <c:lang val="en-US"/>
+  <c:roundedCorners val="0"/>
+  <mc:AlternateContent xmlns:mc="http://schemas.openxmlformats.org/markup-compatibility/2006">
+    <mc:Choice xmlns:c14="http://schemas.microsoft.com/office/drawing/2007/8/2/chart" Requires="c14">
+      <c14:style val="102"/>
+    </mc:Choice>
+    <mc:Fallback>
+      <c:style val="2"/>
+    </mc:Fallback>
+  </mc:AlternateContent>
+  <c:chart>
+    <c:title>
+      <c:tx>
+        <c:rich>
+          <a:bodyPr rot="0" spcFirstLastPara="1" vertOverflow="ellipsis" vert="horz" wrap="square" anchor="ctr" anchorCtr="1"/>
+          <a:lstStyle/>
+          <a:p>
+            <a:pPr>
+              <a:defRPr sz="1400" b="0" i="0" u="none" strike="noStrike" kern="1200" spc="0" baseline="0">
+                <a:solidFill>
+                  <a:schemeClr val="tx1">
+                    <a:lumMod val="65000"/>
+                    <a:lumOff val="35000"/>
+                  </a:schemeClr>
+                </a:solidFill>
+                <a:latin typeface="+mn-lt"/>
+                <a:ea typeface="+mn-ea"/>
+                <a:cs typeface="+mn-cs"/>
+              </a:defRPr>
+            </a:pPr>
+            <a:r>
+              <a:rPr lang="en-US" dirty="0">
+                <a:solidFill>
+                  <a:schemeClr val="bg1"/>
+                </a:solidFill>
+              </a:rPr>
+              <a:t>Game</a:t>
+            </a:r>
+            <a:r>
+              <a:rPr lang="en-US" baseline="0" dirty="0">
+                <a:solidFill>
+                  <a:schemeClr val="bg1"/>
+                </a:solidFill>
+              </a:rPr>
+              <a:t> Development</a:t>
+            </a:r>
+            <a:r>
+              <a:rPr lang="en-US" dirty="0">
+                <a:solidFill>
+                  <a:schemeClr val="bg1"/>
+                </a:solidFill>
+              </a:rPr>
+              <a:t> Gantt Chart</a:t>
+            </a:r>
+          </a:p>
+        </c:rich>
+      </c:tx>
+      <c:overlay val="0"/>
+      <c:spPr>
+        <a:noFill/>
+        <a:ln>
+          <a:noFill/>
+        </a:ln>
+        <a:effectLst/>
+      </c:spPr>
+      <c:txPr>
+        <a:bodyPr rot="0" spcFirstLastPara="1" vertOverflow="ellipsis" vert="horz" wrap="square" anchor="ctr" anchorCtr="1"/>
+        <a:lstStyle/>
+        <a:p>
+          <a:pPr>
+            <a:defRPr sz="1400" b="0" i="0" u="none" strike="noStrike" kern="1200" spc="0" baseline="0">
+              <a:solidFill>
+                <a:schemeClr val="tx1">
+                  <a:lumMod val="65000"/>
+                  <a:lumOff val="35000"/>
+                </a:schemeClr>
+              </a:solidFill>
+              <a:latin typeface="+mn-lt"/>
+              <a:ea typeface="+mn-ea"/>
+              <a:cs typeface="+mn-cs"/>
+            </a:defRPr>
+          </a:pPr>
+          <a:endParaRPr lang="en-US"/>
+        </a:p>
+      </c:txPr>
+    </c:title>
+    <c:autoTitleDeleted val="0"/>
+    <c:plotArea>
+      <c:layout>
+        <c:manualLayout>
+          <c:layoutTarget val="inner"/>
+          <c:xMode val="edge"/>
+          <c:yMode val="edge"/>
+          <c:x val="0.15284964521303659"/>
+          <c:y val="4.9170025257510873E-2"/>
+          <c:w val="0.80993140090025273"/>
+          <c:h val="0.83710671298344985"/>
+        </c:manualLayout>
+      </c:layout>
+      <c:barChart>
+        <c:barDir val="bar"/>
+        <c:grouping val="stacked"/>
+        <c:varyColors val="0"/>
+        <c:ser>
+          <c:idx val="0"/>
+          <c:order val="0"/>
+          <c:tx>
+            <c:strRef>
+              <c:f>Sheet1!$B$1</c:f>
+              <c:strCache>
+                <c:ptCount val="1"/>
+                <c:pt idx="0">
+                  <c:v>Start Date</c:v>
+                </c:pt>
+              </c:strCache>
+            </c:strRef>
+          </c:tx>
+          <c:spPr>
+            <a:noFill/>
+            <a:ln>
+              <a:noFill/>
+            </a:ln>
+            <a:effectLst/>
+          </c:spPr>
+          <c:invertIfNegative val="0"/>
+          <c:cat>
+            <c:strRef>
+              <c:f>Sheet1!$A$2:$A$13</c:f>
+              <c:strCache>
+                <c:ptCount val="12"/>
+                <c:pt idx="0">
+                  <c:v>Preparatory Phase</c:v>
+                </c:pt>
+                <c:pt idx="1">
+                  <c:v>Full Understanding of Concept</c:v>
+                </c:pt>
+                <c:pt idx="2">
+                  <c:v>Character Movement</c:v>
+                </c:pt>
+                <c:pt idx="3">
+                  <c:v>Boundaries</c:v>
+                </c:pt>
+                <c:pt idx="4">
+                  <c:v>Spawning Enemies</c:v>
+                </c:pt>
+                <c:pt idx="5">
+                  <c:v>Interaction between Sprites</c:v>
+                </c:pt>
+                <c:pt idx="6">
+                  <c:v>Health System</c:v>
+                </c:pt>
+                <c:pt idx="7">
+                  <c:v>Round and Wave System</c:v>
+                </c:pt>
+                <c:pt idx="8">
+                  <c:v>Sprite Animation</c:v>
+                </c:pt>
+                <c:pt idx="9">
+                  <c:v>Different Weapons (Polymorhism)</c:v>
+                </c:pt>
+                <c:pt idx="10">
+                  <c:v>Environmental Interaction</c:v>
+                </c:pt>
+                <c:pt idx="11">
+                  <c:v>Final Testing and Debugging Phase</c:v>
+                </c:pt>
+              </c:strCache>
+            </c:strRef>
+          </c:cat>
+          <c:val>
+            <c:numRef>
+              <c:f>Sheet1!$B$2:$B$13</c:f>
+              <c:numCache>
+                <c:formatCode>dd/mm/yy;@</c:formatCode>
+                <c:ptCount val="12"/>
+                <c:pt idx="0">
+                  <c:v>44222</c:v>
+                </c:pt>
+                <c:pt idx="1">
+                  <c:v>44235</c:v>
+                </c:pt>
+                <c:pt idx="2">
+                  <c:v>44257</c:v>
+                </c:pt>
+                <c:pt idx="3">
+                  <c:v>44257</c:v>
+                </c:pt>
+                <c:pt idx="4">
+                  <c:v>44265</c:v>
+                </c:pt>
+                <c:pt idx="5">
+                  <c:v>44265</c:v>
+                </c:pt>
+                <c:pt idx="6">
+                  <c:v>44265</c:v>
+                </c:pt>
+                <c:pt idx="7">
+                  <c:v>44272</c:v>
+                </c:pt>
+                <c:pt idx="8">
+                  <c:v>44288</c:v>
+                </c:pt>
+                <c:pt idx="9">
+                  <c:v>44295</c:v>
+                </c:pt>
+                <c:pt idx="10">
+                  <c:v>44302</c:v>
+                </c:pt>
+                <c:pt idx="11">
+                  <c:v>44315</c:v>
+                </c:pt>
+              </c:numCache>
+            </c:numRef>
+          </c:val>
+          <c:extLst>
+            <c:ext xmlns:c16="http://schemas.microsoft.com/office/drawing/2014/chart" uri="{C3380CC4-5D6E-409C-BE32-E72D297353CC}">
+              <c16:uniqueId val="{00000000-E1A8-4F49-8224-871C88C1D06C}"/>
+            </c:ext>
+          </c:extLst>
+        </c:ser>
+        <c:ser>
+          <c:idx val="2"/>
+          <c:order val="2"/>
+          <c:tx>
+            <c:strRef>
+              <c:f>Sheet1!$D$1</c:f>
+              <c:strCache>
+                <c:ptCount val="1"/>
+                <c:pt idx="0">
+                  <c:v>Duration (days)</c:v>
+                </c:pt>
+              </c:strCache>
+            </c:strRef>
+          </c:tx>
+          <c:spPr>
+            <a:gradFill rotWithShape="1">
+              <a:gsLst>
+                <a:gs pos="0">
+                  <a:schemeClr val="accent4">
+                    <a:satMod val="103000"/>
+                    <a:lumMod val="102000"/>
+                    <a:tint val="94000"/>
+                  </a:schemeClr>
+                </a:gs>
+                <a:gs pos="50000">
+                  <a:schemeClr val="accent4">
+                    <a:satMod val="110000"/>
+                    <a:lumMod val="100000"/>
+                    <a:shade val="100000"/>
+                  </a:schemeClr>
+                </a:gs>
+                <a:gs pos="100000">
+                  <a:schemeClr val="accent4">
+                    <a:lumMod val="99000"/>
+                    <a:satMod val="120000"/>
+                    <a:shade val="78000"/>
+                  </a:schemeClr>
+                </a:gs>
+              </a:gsLst>
+              <a:lin ang="5400000" scaled="0"/>
+            </a:gradFill>
+            <a:ln>
+              <a:noFill/>
+            </a:ln>
+            <a:effectLst>
+              <a:outerShdw blurRad="57150" dist="19050" dir="5400000" algn="ctr" rotWithShape="0">
+                <a:srgbClr val="000000">
+                  <a:alpha val="63000"/>
+                </a:srgbClr>
+              </a:outerShdw>
+            </a:effectLst>
+          </c:spPr>
+          <c:invertIfNegative val="0"/>
+          <c:dPt>
+            <c:idx val="0"/>
+            <c:invertIfNegative val="0"/>
+            <c:bubble3D val="0"/>
+            <c:spPr>
+              <a:solidFill>
+                <a:srgbClr val="00B050"/>
+              </a:solidFill>
+              <a:ln>
+                <a:noFill/>
+              </a:ln>
+              <a:effectLst>
+                <a:outerShdw blurRad="57150" dist="19050" dir="5400000" algn="ctr" rotWithShape="0">
+                  <a:srgbClr val="000000">
+                    <a:alpha val="63000"/>
+                  </a:srgbClr>
+                </a:outerShdw>
+              </a:effectLst>
+            </c:spPr>
+            <c:extLst>
+              <c:ext xmlns:c16="http://schemas.microsoft.com/office/drawing/2014/chart" uri="{C3380CC4-5D6E-409C-BE32-E72D297353CC}">
+                <c16:uniqueId val="{00000002-E1A8-4F49-8224-871C88C1D06C}"/>
+              </c:ext>
+            </c:extLst>
+          </c:dPt>
+          <c:dPt>
+            <c:idx val="1"/>
+            <c:invertIfNegative val="0"/>
+            <c:bubble3D val="0"/>
+            <c:spPr>
+              <a:solidFill>
+                <a:srgbClr val="FF3300"/>
+              </a:solidFill>
+              <a:ln>
+                <a:noFill/>
+              </a:ln>
+              <a:effectLst>
+                <a:outerShdw blurRad="57150" dist="19050" dir="5400000" algn="ctr" rotWithShape="0">
+                  <a:srgbClr val="000000">
+                    <a:alpha val="63000"/>
+                  </a:srgbClr>
+                </a:outerShdw>
+              </a:effectLst>
+            </c:spPr>
+            <c:extLst>
+              <c:ext xmlns:c16="http://schemas.microsoft.com/office/drawing/2014/chart" uri="{C3380CC4-5D6E-409C-BE32-E72D297353CC}">
+                <c16:uniqueId val="{00000004-E1A8-4F49-8224-871C88C1D06C}"/>
+              </c:ext>
+            </c:extLst>
+          </c:dPt>
+          <c:dPt>
+            <c:idx val="8"/>
+            <c:invertIfNegative val="0"/>
+            <c:bubble3D val="0"/>
+            <c:spPr>
+              <a:solidFill>
+                <a:srgbClr val="7030A0"/>
+              </a:solidFill>
+              <a:ln>
+                <a:noFill/>
+              </a:ln>
+              <a:effectLst>
+                <a:outerShdw blurRad="57150" dist="19050" dir="5400000" algn="ctr" rotWithShape="0">
+                  <a:srgbClr val="000000">
+                    <a:alpha val="63000"/>
+                  </a:srgbClr>
+                </a:outerShdw>
+              </a:effectLst>
+            </c:spPr>
+            <c:extLst>
+              <c:ext xmlns:c16="http://schemas.microsoft.com/office/drawing/2014/chart" uri="{C3380CC4-5D6E-409C-BE32-E72D297353CC}">
+                <c16:uniqueId val="{00000006-E1A8-4F49-8224-871C88C1D06C}"/>
+              </c:ext>
+            </c:extLst>
+          </c:dPt>
+          <c:dPt>
+            <c:idx val="9"/>
+            <c:invertIfNegative val="0"/>
+            <c:bubble3D val="0"/>
+            <c:spPr>
+              <a:solidFill>
+                <a:srgbClr val="7030A0"/>
+              </a:solidFill>
+              <a:ln>
+                <a:noFill/>
+              </a:ln>
+              <a:effectLst>
+                <a:outerShdw blurRad="57150" dist="19050" dir="5400000" algn="ctr" rotWithShape="0">
+                  <a:srgbClr val="000000">
+                    <a:alpha val="63000"/>
+                  </a:srgbClr>
+                </a:outerShdw>
+              </a:effectLst>
+            </c:spPr>
+            <c:extLst>
+              <c:ext xmlns:c16="http://schemas.microsoft.com/office/drawing/2014/chart" uri="{C3380CC4-5D6E-409C-BE32-E72D297353CC}">
+                <c16:uniqueId val="{00000008-E1A8-4F49-8224-871C88C1D06C}"/>
+              </c:ext>
+            </c:extLst>
+          </c:dPt>
+          <c:dPt>
+            <c:idx val="10"/>
+            <c:invertIfNegative val="0"/>
+            <c:bubble3D val="0"/>
+            <c:spPr>
+              <a:solidFill>
+                <a:srgbClr val="7030A0"/>
+              </a:solidFill>
+              <a:ln>
+                <a:noFill/>
+              </a:ln>
+              <a:effectLst>
+                <a:outerShdw blurRad="57150" dist="19050" dir="5400000" algn="ctr" rotWithShape="0">
+                  <a:srgbClr val="000000">
+                    <a:alpha val="63000"/>
+                  </a:srgbClr>
+                </a:outerShdw>
+              </a:effectLst>
+            </c:spPr>
+            <c:extLst>
+              <c:ext xmlns:c16="http://schemas.microsoft.com/office/drawing/2014/chart" uri="{C3380CC4-5D6E-409C-BE32-E72D297353CC}">
+                <c16:uniqueId val="{0000000A-E1A8-4F49-8224-871C88C1D06C}"/>
+              </c:ext>
+            </c:extLst>
+          </c:dPt>
+          <c:dPt>
+            <c:idx val="11"/>
+            <c:invertIfNegative val="0"/>
+            <c:bubble3D val="0"/>
+            <c:spPr>
+              <a:solidFill>
+                <a:srgbClr val="0070C0"/>
+              </a:solidFill>
+              <a:ln>
+                <a:noFill/>
+              </a:ln>
+              <a:effectLst>
+                <a:outerShdw blurRad="57150" dist="19050" dir="5400000" algn="ctr" rotWithShape="0">
+                  <a:srgbClr val="000000">
+                    <a:alpha val="63000"/>
+                  </a:srgbClr>
+                </a:outerShdw>
+              </a:effectLst>
+            </c:spPr>
+            <c:extLst>
+              <c:ext xmlns:c16="http://schemas.microsoft.com/office/drawing/2014/chart" uri="{C3380CC4-5D6E-409C-BE32-E72D297353CC}">
+                <c16:uniqueId val="{0000000C-E1A8-4F49-8224-871C88C1D06C}"/>
+              </c:ext>
+            </c:extLst>
+          </c:dPt>
+          <c:cat>
+            <c:strRef>
+              <c:f>Sheet1!$A$2:$A$13</c:f>
+              <c:strCache>
+                <c:ptCount val="12"/>
+                <c:pt idx="0">
+                  <c:v>Preparatory Phase</c:v>
+                </c:pt>
+                <c:pt idx="1">
+                  <c:v>Full Understanding of Concept</c:v>
+                </c:pt>
+                <c:pt idx="2">
+                  <c:v>Character Movement</c:v>
+                </c:pt>
+                <c:pt idx="3">
+                  <c:v>Boundaries</c:v>
+                </c:pt>
+                <c:pt idx="4">
+                  <c:v>Spawning Enemies</c:v>
+                </c:pt>
+                <c:pt idx="5">
+                  <c:v>Interaction between Sprites</c:v>
+                </c:pt>
+                <c:pt idx="6">
+                  <c:v>Health System</c:v>
+                </c:pt>
+                <c:pt idx="7">
+                  <c:v>Round and Wave System</c:v>
+                </c:pt>
+                <c:pt idx="8">
+                  <c:v>Sprite Animation</c:v>
+                </c:pt>
+                <c:pt idx="9">
+                  <c:v>Different Weapons (Polymorhism)</c:v>
+                </c:pt>
+                <c:pt idx="10">
+                  <c:v>Environmental Interaction</c:v>
+                </c:pt>
+                <c:pt idx="11">
+                  <c:v>Final Testing and Debugging Phase</c:v>
+                </c:pt>
+              </c:strCache>
+            </c:strRef>
+          </c:cat>
+          <c:val>
+            <c:numRef>
+              <c:f>Sheet1!$D$2:$D$13</c:f>
+              <c:numCache>
+                <c:formatCode>General</c:formatCode>
+                <c:ptCount val="12"/>
+                <c:pt idx="0">
+                  <c:v>12</c:v>
+                </c:pt>
+                <c:pt idx="1">
+                  <c:v>21</c:v>
+                </c:pt>
+                <c:pt idx="2">
+                  <c:v>7</c:v>
+                </c:pt>
+                <c:pt idx="3">
+                  <c:v>30</c:v>
+                </c:pt>
+                <c:pt idx="4">
+                  <c:v>14</c:v>
+                </c:pt>
+                <c:pt idx="5">
+                  <c:v>22</c:v>
+                </c:pt>
+                <c:pt idx="6">
+                  <c:v>22</c:v>
+                </c:pt>
+                <c:pt idx="7">
+                  <c:v>7</c:v>
+                </c:pt>
+                <c:pt idx="8">
+                  <c:v>26</c:v>
+                </c:pt>
+                <c:pt idx="9">
+                  <c:v>14</c:v>
+                </c:pt>
+                <c:pt idx="10">
+                  <c:v>12</c:v>
+                </c:pt>
+                <c:pt idx="11">
+                  <c:v>8</c:v>
+                </c:pt>
+              </c:numCache>
+            </c:numRef>
+          </c:val>
+          <c:extLst>
+            <c:ext xmlns:c16="http://schemas.microsoft.com/office/drawing/2014/chart" uri="{C3380CC4-5D6E-409C-BE32-E72D297353CC}">
+              <c16:uniqueId val="{0000000D-E1A8-4F49-8224-871C88C1D06C}"/>
+            </c:ext>
+          </c:extLst>
+        </c:ser>
+        <c:dLbls>
+          <c:showLegendKey val="0"/>
+          <c:showVal val="0"/>
+          <c:showCatName val="0"/>
+          <c:showSerName val="0"/>
+          <c:showPercent val="0"/>
+          <c:showBubbleSize val="0"/>
+        </c:dLbls>
+        <c:gapWidth val="175"/>
+        <c:overlap val="100"/>
+        <c:axId val="1112496480"/>
+        <c:axId val="1112501472"/>
+        <c:extLst>
+          <c:ext xmlns:c15="http://schemas.microsoft.com/office/drawing/2012/chart" uri="{02D57815-91ED-43cb-92C2-25804820EDAC}">
+            <c15:filteredBarSeries>
+              <c15:ser>
+                <c:idx val="1"/>
+                <c:order val="1"/>
+                <c:tx>
+                  <c:strRef>
+                    <c:extLst>
+                      <c:ext uri="{02D57815-91ED-43cb-92C2-25804820EDAC}">
+                        <c15:formulaRef>
+                          <c15:sqref>Sheet1!$C$1</c15:sqref>
+                        </c15:formulaRef>
+                      </c:ext>
+                    </c:extLst>
+                    <c:strCache>
+                      <c:ptCount val="1"/>
+                      <c:pt idx="0">
+                        <c:v>End Date</c:v>
+                      </c:pt>
+                    </c:strCache>
+                  </c:strRef>
+                </c:tx>
+                <c:spPr>
+                  <a:solidFill>
+                    <a:schemeClr val="accent2"/>
+                  </a:solidFill>
+                  <a:ln>
+                    <a:noFill/>
+                  </a:ln>
+                  <a:effectLst/>
+                </c:spPr>
+                <c:invertIfNegative val="0"/>
+                <c:cat>
+                  <c:strRef>
+                    <c:extLst>
+                      <c:ext uri="{02D57815-91ED-43cb-92C2-25804820EDAC}">
+                        <c15:formulaRef>
+                          <c15:sqref>Sheet1!$A$2:$A$13</c15:sqref>
+                        </c15:formulaRef>
+                      </c:ext>
+                    </c:extLst>
+                    <c:strCache>
+                      <c:ptCount val="12"/>
+                      <c:pt idx="0">
+                        <c:v>Preparatory Phase</c:v>
+                      </c:pt>
+                      <c:pt idx="1">
+                        <c:v>Full Understanding of Concept</c:v>
+                      </c:pt>
+                      <c:pt idx="2">
+                        <c:v>Character Movement</c:v>
+                      </c:pt>
+                      <c:pt idx="3">
+                        <c:v>Boundaries</c:v>
+                      </c:pt>
+                      <c:pt idx="4">
+                        <c:v>Spawning Enemies</c:v>
+                      </c:pt>
+                      <c:pt idx="5">
+                        <c:v>Interaction between Sprites</c:v>
+                      </c:pt>
+                      <c:pt idx="6">
+                        <c:v>Health System</c:v>
+                      </c:pt>
+                      <c:pt idx="7">
+                        <c:v>Round and Wave System</c:v>
+                      </c:pt>
+                      <c:pt idx="8">
+                        <c:v>Sprite Animation</c:v>
+                      </c:pt>
+                      <c:pt idx="9">
+                        <c:v>Different Weapons (Polymorhism)</c:v>
+                      </c:pt>
+                      <c:pt idx="10">
+                        <c:v>Environmental Interaction</c:v>
+                      </c:pt>
+                      <c:pt idx="11">
+                        <c:v>Final Testing and Debugging Phase</c:v>
+                      </c:pt>
+                    </c:strCache>
+                  </c:strRef>
+                </c:cat>
+                <c:val>
+                  <c:numRef>
+                    <c:extLst>
+                      <c:ext uri="{02D57815-91ED-43cb-92C2-25804820EDAC}">
+                        <c15:formulaRef>
+                          <c15:sqref>Sheet1!$C$2:$C$13</c15:sqref>
+                        </c15:formulaRef>
+                      </c:ext>
+                    </c:extLst>
+                    <c:numCache>
+                      <c:formatCode>dd/mm/yy;@</c:formatCode>
+                      <c:ptCount val="12"/>
+                      <c:pt idx="0">
+                        <c:v>44234</c:v>
+                      </c:pt>
+                      <c:pt idx="1">
+                        <c:v>44256</c:v>
+                      </c:pt>
+                      <c:pt idx="2">
+                        <c:v>44264</c:v>
+                      </c:pt>
+                      <c:pt idx="3">
+                        <c:v>44287</c:v>
+                      </c:pt>
+                      <c:pt idx="4">
+                        <c:v>44279</c:v>
+                      </c:pt>
+                      <c:pt idx="5">
+                        <c:v>44287</c:v>
+                      </c:pt>
+                      <c:pt idx="6">
+                        <c:v>44287</c:v>
+                      </c:pt>
+                      <c:pt idx="7">
+                        <c:v>44279</c:v>
+                      </c:pt>
+                      <c:pt idx="8">
+                        <c:v>44314</c:v>
+                      </c:pt>
+                      <c:pt idx="9">
+                        <c:v>44309</c:v>
+                      </c:pt>
+                      <c:pt idx="10">
+                        <c:v>44314</c:v>
+                      </c:pt>
+                      <c:pt idx="11">
+                        <c:v>44323</c:v>
+                      </c:pt>
+                    </c:numCache>
+                  </c:numRef>
+                </c:val>
+                <c:extLst>
+                  <c:ext xmlns:c16="http://schemas.microsoft.com/office/drawing/2014/chart" uri="{C3380CC4-5D6E-409C-BE32-E72D297353CC}">
+                    <c16:uniqueId val="{0000000E-E1A8-4F49-8224-871C88C1D06C}"/>
+                  </c:ext>
+                </c:extLst>
+              </c15:ser>
+            </c15:filteredBarSeries>
+          </c:ext>
+        </c:extLst>
+      </c:barChart>
+      <c:catAx>
+        <c:axId val="1112496480"/>
+        <c:scaling>
+          <c:orientation val="maxMin"/>
+        </c:scaling>
+        <c:delete val="0"/>
+        <c:axPos val="l"/>
+        <c:numFmt formatCode="General" sourceLinked="1"/>
+        <c:majorTickMark val="none"/>
+        <c:minorTickMark val="none"/>
+        <c:tickLblPos val="nextTo"/>
+        <c:spPr>
+          <a:noFill/>
+          <a:ln w="9525" cap="flat" cmpd="sng" algn="ctr">
+            <a:solidFill>
+              <a:schemeClr val="tx1">
+                <a:lumMod val="15000"/>
+                <a:lumOff val="85000"/>
+              </a:schemeClr>
+            </a:solidFill>
+            <a:round/>
+          </a:ln>
+          <a:effectLst/>
+        </c:spPr>
+        <c:txPr>
+          <a:bodyPr rot="-60000000" spcFirstLastPara="1" vertOverflow="ellipsis" vert="horz" wrap="square" anchor="ctr" anchorCtr="1"/>
+          <a:lstStyle/>
+          <a:p>
+            <a:pPr>
+              <a:defRPr sz="900" b="0" i="0" u="none" strike="noStrike" kern="1200" baseline="0">
+                <a:solidFill>
+                  <a:schemeClr val="bg1"/>
+                </a:solidFill>
+                <a:latin typeface="+mn-lt"/>
+                <a:ea typeface="+mn-ea"/>
+                <a:cs typeface="+mn-cs"/>
+              </a:defRPr>
+            </a:pPr>
+            <a:endParaRPr lang="en-US"/>
+          </a:p>
+        </c:txPr>
+        <c:crossAx val="1112501472"/>
+        <c:crosses val="autoZero"/>
+        <c:auto val="1"/>
+        <c:lblAlgn val="ctr"/>
+        <c:lblOffset val="100"/>
+        <c:noMultiLvlLbl val="0"/>
+      </c:catAx>
+      <c:valAx>
+        <c:axId val="1112501472"/>
+        <c:scaling>
+          <c:orientation val="minMax"/>
+        </c:scaling>
+        <c:delete val="0"/>
+        <c:axPos val="t"/>
+        <c:majorGridlines>
+          <c:spPr>
+            <a:ln w="9525" cap="flat" cmpd="sng" algn="ctr">
+              <a:solidFill>
+                <a:schemeClr val="tx1">
+                  <a:lumMod val="15000"/>
+                  <a:lumOff val="85000"/>
+                </a:schemeClr>
+              </a:solidFill>
+              <a:round/>
+            </a:ln>
+            <a:effectLst/>
+          </c:spPr>
+        </c:majorGridlines>
+        <c:numFmt formatCode="dd/mm/yy;@" sourceLinked="1"/>
+        <c:majorTickMark val="none"/>
+        <c:minorTickMark val="none"/>
+        <c:tickLblPos val="nextTo"/>
+        <c:spPr>
+          <a:noFill/>
+          <a:ln>
+            <a:noFill/>
+          </a:ln>
+          <a:effectLst/>
+        </c:spPr>
+        <c:txPr>
+          <a:bodyPr rot="-60000000" spcFirstLastPara="1" vertOverflow="ellipsis" vert="horz" wrap="square" anchor="ctr" anchorCtr="1"/>
+          <a:lstStyle/>
+          <a:p>
+            <a:pPr>
+              <a:defRPr sz="900" b="0" i="0" u="none" strike="noStrike" kern="1200" baseline="0">
+                <a:solidFill>
+                  <a:schemeClr val="bg1"/>
+                </a:solidFill>
+                <a:latin typeface="+mn-lt"/>
+                <a:ea typeface="+mn-ea"/>
+                <a:cs typeface="+mn-cs"/>
+              </a:defRPr>
+            </a:pPr>
+            <a:endParaRPr lang="en-US"/>
+          </a:p>
+        </c:txPr>
+        <c:crossAx val="1112496480"/>
+        <c:crosses val="autoZero"/>
+        <c:crossBetween val="between"/>
+      </c:valAx>
+      <c:spPr>
+        <a:noFill/>
+        <a:ln>
+          <a:noFill/>
+        </a:ln>
+        <a:effectLst>
+          <a:outerShdw blurRad="50800" dist="38100" dir="8100000" algn="tr" rotWithShape="0">
+            <a:prstClr val="black">
+              <a:alpha val="10000"/>
+            </a:prstClr>
+          </a:outerShdw>
+        </a:effectLst>
+      </c:spPr>
+    </c:plotArea>
+    <c:plotVisOnly val="1"/>
+    <c:dispBlanksAs val="gap"/>
+    <c:showDLblsOverMax val="0"/>
+  </c:chart>
+  <c:spPr>
+    <a:noFill/>
+    <a:ln>
+      <a:noFill/>
+    </a:ln>
+    <a:effectLst/>
+  </c:spPr>
+  <c:txPr>
+    <a:bodyPr/>
+    <a:lstStyle/>
+    <a:p>
+      <a:pPr>
+        <a:defRPr/>
+      </a:pPr>
+      <a:endParaRPr lang="en-US"/>
+    </a:p>
+  </c:txPr>
+  <c:externalData r:id="rId3">
+    <c:autoUpdate val="0"/>
+  </c:externalData>
+</c:chartSpace>
+</file>
+
+<file path=ppt/charts/colors1.xml><?xml version="1.0" encoding="utf-8"?>
+<cs:colorStyle xmlns:cs="http://schemas.microsoft.com/office/drawing/2012/chartStyle" xmlns:a="http://schemas.openxmlformats.org/drawingml/2006/main" meth="cycle" id="10">
+  <a:schemeClr val="accent1"/>
+  <a:schemeClr val="accent2"/>
+  <a:schemeClr val="accent3"/>
+  <a:schemeClr val="accent4"/>
+  <a:schemeClr val="accent5"/>
+  <a:schemeClr val="accent6"/>
+  <cs:variation/>
+  <cs:variation>
+    <a:lumMod val="60000"/>
+  </cs:variation>
+  <cs:variation>
+    <a:lumMod val="80000"/>
+    <a:lumOff val="20000"/>
+  </cs:variation>
+  <cs:variation>
+    <a:lumMod val="80000"/>
+  </cs:variation>
+  <cs:variation>
+    <a:lumMod val="60000"/>
+    <a:lumOff val="40000"/>
+  </cs:variation>
+  <cs:variation>
+    <a:lumMod val="50000"/>
+  </cs:variation>
+  <cs:variation>
+    <a:lumMod val="70000"/>
+    <a:lumOff val="30000"/>
+  </cs:variation>
+  <cs:variation>
+    <a:lumMod val="70000"/>
+  </cs:variation>
+  <cs:variation>
+    <a:lumMod val="50000"/>
+    <a:lumOff val="50000"/>
+  </cs:variation>
+</cs:colorStyle>
+</file>
+
+<file path=ppt/charts/style1.xml><?xml version="1.0" encoding="utf-8"?>
+<cs:chartStyle xmlns:cs="http://schemas.microsoft.com/office/drawing/2012/chartStyle" xmlns:a="http://schemas.openxmlformats.org/drawingml/2006/main" id="297">
+  <cs:axisTitle>
+    <cs:lnRef idx="0"/>
+    <cs:fillRef idx="0"/>
+    <cs:effectRef idx="0"/>
+    <cs:fontRef idx="minor">
+      <a:schemeClr val="tx1">
+        <a:lumMod val="65000"/>
+        <a:lumOff val="35000"/>
+      </a:schemeClr>
+    </cs:fontRef>
+    <cs:defRPr sz="1000" kern="1200"/>
+  </cs:axisTitle>
+  <cs:categoryAxis>
+    <cs:lnRef idx="0"/>
+    <cs:fillRef idx="0"/>
+    <cs:effectRef idx="0"/>
+    <cs:fontRef idx="minor">
+      <a:schemeClr val="tx1">
+        <a:lumMod val="65000"/>
+        <a:lumOff val="35000"/>
+      </a:schemeClr>
+    </cs:fontRef>
+    <cs:spPr>
+      <a:ln w="9525" cap="flat" cmpd="sng" algn="ctr">
+        <a:solidFill>
+          <a:schemeClr val="tx1">
+            <a:lumMod val="15000"/>
+            <a:lumOff val="85000"/>
+          </a:schemeClr>
+        </a:solidFill>
+        <a:round/>
+      </a:ln>
+    </cs:spPr>
+    <cs:defRPr sz="900" kern="1200"/>
+  </cs:categoryAxis>
+  <cs:chartArea mods="allowNoFillOverride allowNoLineOverride">
+    <cs:lnRef idx="0"/>
+    <cs:fillRef idx="0"/>
+    <cs:effectRef idx="0"/>
+    <cs:fontRef idx="minor">
+      <a:schemeClr val="tx1"/>
+    </cs:fontRef>
+    <cs:spPr>
+      <a:solidFill>
+        <a:schemeClr val="bg1"/>
+      </a:solidFill>
+      <a:ln w="9525" cap="flat" cmpd="sng" algn="ctr">
+        <a:solidFill>
+          <a:schemeClr val="tx1">
+            <a:lumMod val="15000"/>
+            <a:lumOff val="85000"/>
+          </a:schemeClr>
+        </a:solidFill>
+        <a:round/>
+      </a:ln>
+    </cs:spPr>
+    <cs:defRPr sz="1000" kern="1200"/>
+  </cs:chartArea>
+  <cs:dataLabel>
+    <cs:lnRef idx="0"/>
+    <cs:fillRef idx="0"/>
+    <cs:effectRef idx="0"/>
+    <cs:fontRef idx="minor">
+      <a:schemeClr val="tx1">
+        <a:lumMod val="75000"/>
+        <a:lumOff val="25000"/>
+      </a:schemeClr>
+    </cs:fontRef>
+    <cs:defRPr sz="900" kern="1200"/>
+  </cs:dataLabel>
+  <cs:dataLabelCallout>
+    <cs:lnRef idx="0"/>
+    <cs:fillRef idx="0"/>
+    <cs:effectRef idx="0"/>
+    <cs:fontRef idx="minor">
+      <a:schemeClr val="dk1">
+        <a:lumMod val="65000"/>
+        <a:lumOff val="35000"/>
+      </a:schemeClr>
+    </cs:fontRef>
+    <cs:spPr>
+      <a:solidFill>
+        <a:schemeClr val="lt1"/>
+      </a:solidFill>
+      <a:ln>
+        <a:solidFill>
+          <a:schemeClr val="dk1">
+            <a:lumMod val="25000"/>
+            <a:lumOff val="75000"/>
+          </a:schemeClr>
+        </a:solidFill>
+      </a:ln>
+    </cs:spPr>
+    <cs:defRPr sz="900" kern="1200"/>
+    <cs:bodyPr rot="0" spcFirstLastPara="1" vertOverflow="clip" horzOverflow="clip" vert="horz" wrap="square" lIns="36576" tIns="18288" rIns="36576" bIns="18288" anchor="ctr" anchorCtr="1">
+      <a:spAutoFit/>
+    </cs:bodyPr>
+  </cs:dataLabelCallout>
+  <cs:dataPoint>
+    <cs:lnRef idx="0"/>
+    <cs:fillRef idx="1">
+      <cs:styleClr val="auto"/>
+    </cs:fillRef>
+    <cs:effectRef idx="0"/>
+    <cs:fontRef idx="minor">
+      <a:schemeClr val="tx1"/>
+    </cs:fontRef>
+  </cs:dataPoint>
+  <cs:dataPoint3D>
+    <cs:lnRef idx="0"/>
+    <cs:fillRef idx="1">
+      <cs:styleClr val="auto"/>
+    </cs:fillRef>
+    <cs:effectRef idx="0"/>
+    <cs:fontRef idx="minor">
+      <a:schemeClr val="tx1"/>
+    </cs:fontRef>
+  </cs:dataPoint3D>
+  <cs:dataPointLine>
+    <cs:lnRef idx="0">
+      <cs:styleClr val="auto"/>
+    </cs:lnRef>
+    <cs:fillRef idx="1"/>
+    <cs:effectRef idx="0"/>
+    <cs:fontRef idx="minor">
+      <a:schemeClr val="tx1"/>
+    </cs:fontRef>
+    <cs:spPr>
+      <a:ln w="28575" cap="rnd">
+        <a:solidFill>
+          <a:schemeClr val="phClr"/>
+        </a:solidFill>
+        <a:round/>
+      </a:ln>
+    </cs:spPr>
+  </cs:dataPointLine>
+  <cs:dataPointMarker>
+    <cs:lnRef idx="0">
+      <cs:styleClr val="auto"/>
+    </cs:lnRef>
+    <cs:fillRef idx="1">
+      <cs:styleClr val="auto"/>
+    </cs:fillRef>
+    <cs:effectRef idx="0"/>
+    <cs:fontRef idx="minor">
+      <a:schemeClr val="tx1"/>
+    </cs:fontRef>
+    <cs:spPr>
+      <a:ln w="9525">
+        <a:solidFill>
+          <a:schemeClr val="phClr"/>
+        </a:solidFill>
+      </a:ln>
+    </cs:spPr>
+  </cs:dataPointMarker>
+  <cs:dataPointMarkerLayout symbol="circle" size="5"/>
+  <cs:dataPointWireframe>
+    <cs:lnRef idx="0">
+      <cs:styleClr val="auto"/>
+    </cs:lnRef>
+    <cs:fillRef idx="1"/>
+    <cs:effectRef idx="0"/>
+    <cs:fontRef idx="minor">
+      <a:schemeClr val="tx1"/>
+    </cs:fontRef>
+    <cs:spPr>
+      <a:ln w="9525" cap="rnd">
+        <a:solidFill>
+          <a:schemeClr val="phClr"/>
+        </a:solidFill>
+        <a:round/>
+      </a:ln>
+    </cs:spPr>
+  </cs:dataPointWireframe>
+  <cs:dataTable>
+    <cs:lnRef idx="0"/>
+    <cs:fillRef idx="0"/>
+    <cs:effectRef idx="0"/>
+    <cs:fontRef idx="minor">
+      <a:schemeClr val="tx1">
+        <a:lumMod val="65000"/>
+        <a:lumOff val="35000"/>
+      </a:schemeClr>
+    </cs:fontRef>
+    <cs:spPr>
+      <a:noFill/>
+      <a:ln w="9525" cap="flat" cmpd="sng" algn="ctr">
+        <a:solidFill>
+          <a:schemeClr val="tx1">
+            <a:lumMod val="15000"/>
+            <a:lumOff val="85000"/>
+          </a:schemeClr>
+        </a:solidFill>
+        <a:round/>
+      </a:ln>
+    </cs:spPr>
+    <cs:defRPr sz="900" kern="1200"/>
+  </cs:dataTable>
+  <cs:downBar>
+    <cs:lnRef idx="0"/>
+    <cs:fillRef idx="0"/>
+    <cs:effectRef idx="0"/>
+    <cs:fontRef idx="minor">
+      <a:schemeClr val="tx1"/>
+    </cs:fontRef>
+    <cs:spPr>
+      <a:solidFill>
+        <a:schemeClr val="dk1">
+          <a:lumMod val="75000"/>
+          <a:lumOff val="25000"/>
+        </a:schemeClr>
+      </a:solidFill>
+      <a:ln w="9525" cap="flat" cmpd="sng" algn="ctr">
+        <a:solidFill>
+          <a:schemeClr val="tx1">
+            <a:lumMod val="65000"/>
+            <a:lumOff val="35000"/>
+          </a:schemeClr>
+        </a:solidFill>
+        <a:round/>
+      </a:ln>
+    </cs:spPr>
+  </cs:downBar>
+  <cs:dropLine>
+    <cs:lnRef idx="0"/>
+    <cs:fillRef idx="0"/>
+    <cs:effectRef idx="0"/>
+    <cs:fontRef idx="minor">
+      <a:schemeClr val="tx1"/>
+    </cs:fontRef>
+    <cs:spPr>
+      <a:ln w="9525" cap="flat" cmpd="sng" algn="ctr">
+        <a:solidFill>
+          <a:schemeClr val="tx1">
+            <a:lumMod val="35000"/>
+            <a:lumOff val="65000"/>
+          </a:schemeClr>
+        </a:solidFill>
+        <a:round/>
+      </a:ln>
+    </cs:spPr>
+  </cs:dropLine>
+  <cs:errorBar>
+    <cs:lnRef idx="0"/>
+    <cs:fillRef idx="0"/>
+    <cs:effectRef idx="0"/>
+    <cs:fontRef idx="minor">
+      <a:schemeClr val="tx1"/>
+    </cs:fontRef>
+    <cs:spPr>
+      <a:ln w="9525" cap="flat" cmpd="sng" algn="ctr">
+        <a:solidFill>
+          <a:schemeClr val="tx1">
+            <a:lumMod val="65000"/>
+            <a:lumOff val="35000"/>
+          </a:schemeClr>
+        </a:solidFill>
+        <a:round/>
+      </a:ln>
+    </cs:spPr>
+  </cs:errorBar>
+  <cs:floor>
+    <cs:lnRef idx="0"/>
+    <cs:fillRef idx="0"/>
+    <cs:effectRef idx="0"/>
+    <cs:fontRef idx="minor">
+      <a:schemeClr val="tx1"/>
+    </cs:fontRef>
+    <cs:spPr>
+      <a:noFill/>
+      <a:ln>
+        <a:noFill/>
+      </a:ln>
+    </cs:spPr>
+  </cs:floor>
+  <cs:gridlineMajor>
+    <cs:lnRef idx="0"/>
+    <cs:fillRef idx="0"/>
+    <cs:effectRef idx="0"/>
+    <cs:fontRef idx="minor">
+      <a:schemeClr val="tx1"/>
+    </cs:fontRef>
+    <cs:spPr>
+      <a:ln w="9525" cap="flat" cmpd="sng" algn="ctr">
+        <a:solidFill>
+          <a:schemeClr val="tx1">
+            <a:lumMod val="15000"/>
+            <a:lumOff val="85000"/>
+          </a:schemeClr>
+        </a:solidFill>
+        <a:round/>
+      </a:ln>
+    </cs:spPr>
+  </cs:gridlineMajor>
+  <cs:gridlineMinor>
+    <cs:lnRef idx="0"/>
+    <cs:fillRef idx="0"/>
+    <cs:effectRef idx="0"/>
+    <cs:fontRef idx="minor">
+      <a:schemeClr val="tx1"/>
+    </cs:fontRef>
+    <cs:spPr>
+      <a:ln w="9525" cap="flat" cmpd="sng" algn="ctr">
+        <a:solidFill>
+          <a:schemeClr val="tx1">
+            <a:lumMod val="5000"/>
+            <a:lumOff val="95000"/>
+          </a:schemeClr>
+        </a:solidFill>
+        <a:round/>
+      </a:ln>
+    </cs:spPr>
+  </cs:gridlineMinor>
+  <cs:hiLoLine>
+    <cs:lnRef idx="0"/>
+    <cs:fillRef idx="0"/>
+    <cs:effectRef idx="0"/>
+    <cs:fontRef idx="minor">
+      <a:schemeClr val="tx1"/>
+    </cs:fontRef>
+    <cs:spPr>
+      <a:ln w="9525" cap="flat" cmpd="sng" algn="ctr">
+        <a:solidFill>
+          <a:schemeClr val="tx1">
+            <a:lumMod val="50000"/>
+            <a:lumOff val="50000"/>
+          </a:schemeClr>
+        </a:solidFill>
+        <a:round/>
+      </a:ln>
+    </cs:spPr>
+  </cs:hiLoLine>
+  <cs:leaderLine>
+    <cs:lnRef idx="0"/>
+    <cs:fillRef idx="0"/>
+    <cs:effectRef idx="0"/>
+    <cs:fontRef idx="minor">
+      <a:schemeClr val="tx1"/>
+    </cs:fontRef>
+    <cs:spPr>
+      <a:ln w="9525" cap="flat" cmpd="sng" algn="ctr">
+        <a:solidFill>
+          <a:schemeClr val="tx1">
+            <a:lumMod val="35000"/>
+            <a:lumOff val="65000"/>
+          </a:schemeClr>
+        </a:solidFill>
+        <a:round/>
+      </a:ln>
+    </cs:spPr>
+  </cs:leaderLine>
+  <cs:legend>
+    <cs:lnRef idx="0"/>
+    <cs:fillRef idx="0"/>
+    <cs:effectRef idx="0"/>
+    <cs:fontRef idx="minor">
+      <a:schemeClr val="tx1">
+        <a:lumMod val="65000"/>
+        <a:lumOff val="35000"/>
+      </a:schemeClr>
+    </cs:fontRef>
+    <cs:defRPr sz="900" kern="1200"/>
+  </cs:legend>
+  <cs:plotArea mods="allowNoFillOverride allowNoLineOverride">
+    <cs:lnRef idx="0"/>
+    <cs:fillRef idx="0"/>
+    <cs:effectRef idx="0"/>
+    <cs:fontRef idx="minor">
+      <a:schemeClr val="tx1"/>
+    </cs:fontRef>
+  </cs:plotArea>
+  <cs:plotArea3D mods="allowNoFillOverride allowNoLineOverride">
+    <cs:lnRef idx="0"/>
+    <cs:fillRef idx="0"/>
+    <cs:effectRef idx="0"/>
+    <cs:fontRef idx="minor">
+      <a:schemeClr val="tx1"/>
+    </cs:fontRef>
+  </cs:plotArea3D>
+  <cs:seriesAxis>
+    <cs:lnRef idx="0"/>
+    <cs:fillRef idx="0"/>
+    <cs:effectRef idx="0"/>
+    <cs:fontRef idx="minor">
+      <a:schemeClr val="tx1">
+        <a:lumMod val="65000"/>
+        <a:lumOff val="35000"/>
+      </a:schemeClr>
+    </cs:fontRef>
+    <cs:defRPr sz="900" kern="1200"/>
+  </cs:seriesAxis>
+  <cs:seriesLine>
+    <cs:lnRef idx="0"/>
+    <cs:fillRef idx="0"/>
+    <cs:effectRef idx="0"/>
+    <cs:fontRef idx="minor">
+      <a:schemeClr val="tx1"/>
+    </cs:fontRef>
+    <cs:spPr>
+      <a:ln w="9525" cap="flat" cmpd="sng" algn="ctr">
+        <a:solidFill>
+          <a:schemeClr val="tx1">
+            <a:lumMod val="35000"/>
+            <a:lumOff val="65000"/>
+          </a:schemeClr>
+        </a:solidFill>
+        <a:round/>
+      </a:ln>
+    </cs:spPr>
+  </cs:seriesLine>
+  <cs:title>
+    <cs:lnRef idx="0"/>
+    <cs:fillRef idx="0"/>
+    <cs:effectRef idx="0"/>
+    <cs:fontRef idx="minor">
+      <a:schemeClr val="tx1">
+        <a:lumMod val="65000"/>
+        <a:lumOff val="35000"/>
+      </a:schemeClr>
+    </cs:fontRef>
+    <cs:defRPr sz="1400" b="0" kern="1200" spc="0" baseline="0"/>
+  </cs:title>
+  <cs:trendline>
+    <cs:lnRef idx="0">
+      <cs:styleClr val="auto"/>
+    </cs:lnRef>
+    <cs:fillRef idx="0"/>
+    <cs:effectRef idx="0"/>
+    <cs:fontRef idx="minor">
+      <a:schemeClr val="tx1"/>
+    </cs:fontRef>
+    <cs:spPr>
+      <a:ln w="19050" cap="rnd">
+        <a:solidFill>
+          <a:schemeClr val="phClr"/>
+        </a:solidFill>
+        <a:prstDash val="sysDot"/>
+      </a:ln>
+    </cs:spPr>
+  </cs:trendline>
+  <cs:trendlineLabel>
+    <cs:lnRef idx="0"/>
+    <cs:fillRef idx="0"/>
+    <cs:effectRef idx="0"/>
+    <cs:fontRef idx="minor">
+      <a:schemeClr val="tx1">
+        <a:lumMod val="65000"/>
+        <a:lumOff val="35000"/>
+      </a:schemeClr>
+    </cs:fontRef>
+    <cs:defRPr sz="900" kern="1200"/>
+  </cs:trendlineLabel>
+  <cs:upBar>
+    <cs:lnRef idx="0"/>
+    <cs:fillRef idx="0"/>
+    <cs:effectRef idx="0"/>
+    <cs:fontRef idx="minor">
+      <a:schemeClr val="tx1"/>
+    </cs:fontRef>
+    <cs:spPr>
+      <a:solidFill>
+        <a:schemeClr val="lt1"/>
+      </a:solidFill>
+      <a:ln w="9525" cap="flat" cmpd="sng" algn="ctr">
+        <a:solidFill>
+          <a:schemeClr val="tx1">
+            <a:lumMod val="65000"/>
+            <a:lumOff val="35000"/>
+          </a:schemeClr>
+        </a:solidFill>
+        <a:round/>
+      </a:ln>
+    </cs:spPr>
+  </cs:upBar>
+  <cs:valueAxis>
+    <cs:lnRef idx="0"/>
+    <cs:fillRef idx="0"/>
+    <cs:effectRef idx="0"/>
+    <cs:fontRef idx="minor">
+      <a:schemeClr val="tx1">
+        <a:lumMod val="65000"/>
+        <a:lumOff val="35000"/>
+      </a:schemeClr>
+    </cs:fontRef>
+    <cs:defRPr sz="900" kern="1200"/>
+  </cs:valueAxis>
+  <cs:wall>
+    <cs:lnRef idx="0"/>
+    <cs:fillRef idx="0"/>
+    <cs:effectRef idx="0"/>
+    <cs:fontRef idx="minor">
+      <a:schemeClr val="tx1"/>
+    </cs:fontRef>
+    <cs:spPr>
+      <a:noFill/>
+      <a:ln>
+        <a:noFill/>
+      </a:ln>
+    </cs:spPr>
+  </cs:wall>
+</cs:chartStyle>
 </file>
 
 <file path=ppt/slideLayouts/slideLayout1.xml><?xml version="1.0" encoding="utf-8"?>
@@ -4497,15 +5862,24 @@
                                   </p:childTnLst>
                                 </p:cTn>
                               </p:par>
+                            </p:childTnLst>
+                          </p:cTn>
+                        </p:par>
+                        <p:par>
+                          <p:cTn id="11" fill="hold">
+                            <p:stCondLst>
+                              <p:cond delay="500"/>
+                            </p:stCondLst>
+                            <p:childTnLst>
                               <p:par>
-                                <p:cTn id="11" presetID="10" presetClass="entr" presetSubtype="0" fill="hold" nodeType="withEffect">
+                                <p:cTn id="12" presetID="10" presetClass="entr" presetSubtype="0" fill="hold" nodeType="afterEffect">
                                   <p:stCondLst>
                                     <p:cond delay="0"/>
                                   </p:stCondLst>
                                   <p:childTnLst>
                                     <p:set>
                                       <p:cBhvr>
-                                        <p:cTn id="12" dur="1" fill="hold">
+                                        <p:cTn id="13" dur="1" fill="hold">
                                           <p:stCondLst>
                                             <p:cond delay="0"/>
                                           </p:stCondLst>
@@ -4523,7 +5897,7 @@
                                     </p:set>
                                     <p:animEffect transition="in" filter="fade">
                                       <p:cBhvr>
-                                        <p:cTn id="13" dur="500"/>
+                                        <p:cTn id="14" dur="500"/>
                                         <p:tgtEl>
                                           <p:spTgt spid="5"/>
                                         </p:tgtEl>
@@ -4539,26 +5913,26 @@
                     </p:cTn>
                   </p:par>
                   <p:par>
-                    <p:cTn id="14" fill="hold">
+                    <p:cTn id="15" fill="hold">
                       <p:stCondLst>
                         <p:cond delay="indefinite"/>
                       </p:stCondLst>
                       <p:childTnLst>
                         <p:par>
-                          <p:cTn id="15" fill="hold">
+                          <p:cTn id="16" fill="hold">
                             <p:stCondLst>
                               <p:cond delay="0"/>
                             </p:stCondLst>
                             <p:childTnLst>
                               <p:par>
-                                <p:cTn id="16" presetID="10" presetClass="entr" presetSubtype="0" fill="hold" nodeType="clickEffect">
+                                <p:cTn id="17" presetID="10" presetClass="entr" presetSubtype="0" fill="hold" nodeType="clickEffect">
                                   <p:stCondLst>
                                     <p:cond delay="0"/>
                                   </p:stCondLst>
                                   <p:childTnLst>
                                     <p:set>
                                       <p:cBhvr>
-                                        <p:cTn id="17" dur="1" fill="hold">
+                                        <p:cTn id="18" dur="1" fill="hold">
                                           <p:stCondLst>
                                             <p:cond delay="0"/>
                                           </p:stCondLst>
@@ -4580,7 +5954,7 @@
                                     </p:set>
                                     <p:animEffect transition="in" filter="fade">
                                       <p:cBhvr>
-                                        <p:cTn id="18" dur="500"/>
+                                        <p:cTn id="19" dur="500"/>
                                         <p:tgtEl>
                                           <p:spTgt spid="3">
                                             <p:txEl>
@@ -4600,26 +5974,26 @@
                     </p:cTn>
                   </p:par>
                   <p:par>
-                    <p:cTn id="19" fill="hold">
+                    <p:cTn id="20" fill="hold">
                       <p:stCondLst>
                         <p:cond delay="indefinite"/>
                       </p:stCondLst>
                       <p:childTnLst>
                         <p:par>
-                          <p:cTn id="20" fill="hold">
+                          <p:cTn id="21" fill="hold">
                             <p:stCondLst>
                               <p:cond delay="0"/>
                             </p:stCondLst>
                             <p:childTnLst>
                               <p:par>
-                                <p:cTn id="21" presetID="10" presetClass="entr" presetSubtype="0" fill="hold" nodeType="clickEffect">
+                                <p:cTn id="22" presetID="10" presetClass="entr" presetSubtype="0" fill="hold" nodeType="clickEffect">
                                   <p:stCondLst>
                                     <p:cond delay="0"/>
                                   </p:stCondLst>
                                   <p:childTnLst>
                                     <p:set>
                                       <p:cBhvr>
-                                        <p:cTn id="22" dur="1" fill="hold">
+                                        <p:cTn id="23" dur="1" fill="hold">
                                           <p:stCondLst>
                                             <p:cond delay="0"/>
                                           </p:stCondLst>
@@ -4641,7 +6015,7 @@
                                     </p:set>
                                     <p:animEffect transition="in" filter="fade">
                                       <p:cBhvr>
-                                        <p:cTn id="23" dur="500"/>
+                                        <p:cTn id="24" dur="500"/>
                                         <p:tgtEl>
                                           <p:spTgt spid="3">
                                             <p:txEl>
@@ -4654,15 +6028,24 @@
                                   </p:childTnLst>
                                 </p:cTn>
                               </p:par>
+                            </p:childTnLst>
+                          </p:cTn>
+                        </p:par>
+                        <p:par>
+                          <p:cTn id="25" fill="hold">
+                            <p:stCondLst>
+                              <p:cond delay="500"/>
+                            </p:stCondLst>
+                            <p:childTnLst>
                               <p:par>
-                                <p:cTn id="24" presetID="10" presetClass="entr" presetSubtype="0" fill="hold" nodeType="withEffect">
+                                <p:cTn id="26" presetID="10" presetClass="entr" presetSubtype="0" fill="hold" nodeType="afterEffect">
                                   <p:stCondLst>
                                     <p:cond delay="0"/>
                                   </p:stCondLst>
                                   <p:childTnLst>
                                     <p:set>
                                       <p:cBhvr>
-                                        <p:cTn id="25" dur="1" fill="hold">
+                                        <p:cTn id="27" dur="1" fill="hold">
                                           <p:stCondLst>
                                             <p:cond delay="0"/>
                                           </p:stCondLst>
@@ -4680,7 +6063,7 @@
                                     </p:set>
                                     <p:animEffect transition="in" filter="fade">
                                       <p:cBhvr>
-                                        <p:cTn id="26" dur="500"/>
+                                        <p:cTn id="28" dur="500"/>
                                         <p:tgtEl>
                                           <p:spTgt spid="7"/>
                                         </p:tgtEl>
@@ -4696,26 +6079,26 @@
                     </p:cTn>
                   </p:par>
                   <p:par>
-                    <p:cTn id="27" fill="hold">
+                    <p:cTn id="29" fill="hold">
                       <p:stCondLst>
                         <p:cond delay="indefinite"/>
                       </p:stCondLst>
                       <p:childTnLst>
                         <p:par>
-                          <p:cTn id="28" fill="hold">
+                          <p:cTn id="30" fill="hold">
                             <p:stCondLst>
                               <p:cond delay="0"/>
                             </p:stCondLst>
                             <p:childTnLst>
                               <p:par>
-                                <p:cTn id="29" presetID="10" presetClass="entr" presetSubtype="0" fill="hold" nodeType="clickEffect">
+                                <p:cTn id="31" presetID="10" presetClass="entr" presetSubtype="0" fill="hold" nodeType="clickEffect">
                                   <p:stCondLst>
                                     <p:cond delay="0"/>
                                   </p:stCondLst>
                                   <p:childTnLst>
                                     <p:set>
                                       <p:cBhvr>
-                                        <p:cTn id="30" dur="1" fill="hold">
+                                        <p:cTn id="32" dur="1" fill="hold">
                                           <p:stCondLst>
                                             <p:cond delay="0"/>
                                           </p:stCondLst>
@@ -4737,7 +6120,7 @@
                                     </p:set>
                                     <p:animEffect transition="in" filter="fade">
                                       <p:cBhvr>
-                                        <p:cTn id="31" dur="500"/>
+                                        <p:cTn id="33" dur="500"/>
                                         <p:tgtEl>
                                           <p:spTgt spid="3">
                                             <p:txEl>
@@ -5214,15 +6597,24 @@
                                   </p:childTnLst>
                                 </p:cTn>
                               </p:par>
+                            </p:childTnLst>
+                          </p:cTn>
+                        </p:par>
+                        <p:par>
+                          <p:cTn id="16" fill="hold">
+                            <p:stCondLst>
+                              <p:cond delay="500"/>
+                            </p:stCondLst>
+                            <p:childTnLst>
                               <p:par>
-                                <p:cTn id="16" presetID="10" presetClass="entr" presetSubtype="0" fill="hold" nodeType="withEffect">
+                                <p:cTn id="17" presetID="10" presetClass="entr" presetSubtype="0" fill="hold" nodeType="afterEffect">
                                   <p:stCondLst>
                                     <p:cond delay="0"/>
                                   </p:stCondLst>
                                   <p:childTnLst>
                                     <p:set>
                                       <p:cBhvr>
-                                        <p:cTn id="17" dur="1" fill="hold">
+                                        <p:cTn id="18" dur="1" fill="hold">
                                           <p:stCondLst>
                                             <p:cond delay="0"/>
                                           </p:stCondLst>
@@ -5240,7 +6632,7 @@
                                     </p:set>
                                     <p:animEffect transition="in" filter="fade">
                                       <p:cBhvr>
-                                        <p:cTn id="18" dur="500"/>
+                                        <p:cTn id="19" dur="500"/>
                                         <p:tgtEl>
                                           <p:spTgt spid="5"/>
                                         </p:tgtEl>
@@ -5256,26 +6648,26 @@
                     </p:cTn>
                   </p:par>
                   <p:par>
-                    <p:cTn id="19" fill="hold">
+                    <p:cTn id="20" fill="hold">
                       <p:stCondLst>
                         <p:cond delay="indefinite"/>
                       </p:stCondLst>
                       <p:childTnLst>
                         <p:par>
-                          <p:cTn id="20" fill="hold">
+                          <p:cTn id="21" fill="hold">
                             <p:stCondLst>
                               <p:cond delay="0"/>
                             </p:stCondLst>
                             <p:childTnLst>
                               <p:par>
-                                <p:cTn id="21" presetID="10" presetClass="entr" presetSubtype="0" fill="hold" nodeType="clickEffect">
+                                <p:cTn id="22" presetID="10" presetClass="entr" presetSubtype="0" fill="hold" nodeType="clickEffect">
                                   <p:stCondLst>
                                     <p:cond delay="0"/>
                                   </p:stCondLst>
                                   <p:childTnLst>
                                     <p:set>
                                       <p:cBhvr>
-                                        <p:cTn id="22" dur="1" fill="hold">
+                                        <p:cTn id="23" dur="1" fill="hold">
                                           <p:stCondLst>
                                             <p:cond delay="0"/>
                                           </p:stCondLst>
@@ -5297,7 +6689,7 @@
                                     </p:set>
                                     <p:animEffect transition="in" filter="fade">
                                       <p:cBhvr>
-                                        <p:cTn id="23" dur="500"/>
+                                        <p:cTn id="24" dur="500"/>
                                         <p:tgtEl>
                                           <p:spTgt spid="3">
                                             <p:txEl>
@@ -5310,15 +6702,24 @@
                                   </p:childTnLst>
                                 </p:cTn>
                               </p:par>
+                            </p:childTnLst>
+                          </p:cTn>
+                        </p:par>
+                        <p:par>
+                          <p:cTn id="25" fill="hold">
+                            <p:stCondLst>
+                              <p:cond delay="500"/>
+                            </p:stCondLst>
+                            <p:childTnLst>
                               <p:par>
-                                <p:cTn id="24" presetID="10" presetClass="entr" presetSubtype="0" fill="hold" nodeType="withEffect">
+                                <p:cTn id="26" presetID="10" presetClass="entr" presetSubtype="0" fill="hold" nodeType="afterEffect">
                                   <p:stCondLst>
                                     <p:cond delay="0"/>
                                   </p:stCondLst>
                                   <p:childTnLst>
                                     <p:set>
                                       <p:cBhvr>
-                                        <p:cTn id="25" dur="1" fill="hold">
+                                        <p:cTn id="27" dur="1" fill="hold">
                                           <p:stCondLst>
                                             <p:cond delay="0"/>
                                           </p:stCondLst>
@@ -5336,7 +6737,7 @@
                                     </p:set>
                                     <p:animEffect transition="in" filter="fade">
                                       <p:cBhvr>
-                                        <p:cTn id="26" dur="500"/>
+                                        <p:cTn id="28" dur="500"/>
                                         <p:tgtEl>
                                           <p:spTgt spid="7"/>
                                         </p:tgtEl>
@@ -5520,15 +6921,354 @@
             <p:ph idx="1"/>
           </p:nvPr>
         </p:nvSpPr>
-        <p:spPr/>
+        <p:spPr>
+          <a:xfrm>
+            <a:off x="275618" y="1825625"/>
+            <a:ext cx="7516238" cy="4935098"/>
+          </a:xfrm>
+        </p:spPr>
         <p:txBody>
-          <a:bodyPr/>
+          <a:bodyPr>
+            <a:normAutofit lnSpcReduction="10000"/>
+          </a:bodyPr>
           <a:lstStyle/>
           <a:p>
-            <a:endParaRPr lang="en-IE"/>
+            <a:r>
+              <a:rPr lang="en-IE" sz="4000" dirty="0">
+                <a:ln w="22225">
+                  <a:solidFill>
+                    <a:schemeClr val="tx1"/>
+                  </a:solidFill>
+                </a:ln>
+                <a:gradFill>
+                  <a:gsLst>
+                    <a:gs pos="0">
+                      <a:srgbClr val="00B050"/>
+                    </a:gs>
+                    <a:gs pos="96000">
+                      <a:srgbClr val="C00000"/>
+                    </a:gs>
+                  </a:gsLst>
+                  <a:lin ang="5400000" scaled="1"/>
+                </a:gradFill>
+                <a:effectLst>
+                  <a:outerShdw blurRad="50800" dist="50800" dir="3900000" algn="ctr" rotWithShape="0">
+                    <a:schemeClr val="tx1"/>
+                  </a:outerShdw>
+                </a:effectLst>
+                <a:latin typeface="ArcadeClassic" panose="00000400000000000000" pitchFamily="2" charset="0"/>
+              </a:rPr>
+              <a:t>Game Development Program  Godot</a:t>
+            </a:r>
+          </a:p>
+          <a:p>
+            <a:pPr lvl="1"/>
+            <a:r>
+              <a:rPr lang="en-IE" sz="3600" dirty="0">
+                <a:ln w="22225">
+                  <a:solidFill>
+                    <a:schemeClr val="tx1"/>
+                  </a:solidFill>
+                </a:ln>
+                <a:gradFill>
+                  <a:gsLst>
+                    <a:gs pos="0">
+                      <a:srgbClr val="00B050"/>
+                    </a:gs>
+                    <a:gs pos="96000">
+                      <a:srgbClr val="C00000"/>
+                    </a:gs>
+                  </a:gsLst>
+                  <a:lin ang="5400000" scaled="1"/>
+                </a:gradFill>
+                <a:effectLst>
+                  <a:outerShdw blurRad="50800" dist="50800" dir="3900000" algn="ctr" rotWithShape="0">
+                    <a:schemeClr val="tx1"/>
+                  </a:outerShdw>
+                </a:effectLst>
+                <a:latin typeface="ArcadeClassic" panose="00000400000000000000" pitchFamily="2" charset="0"/>
+              </a:rPr>
+              <a:t> </a:t>
+            </a:r>
+            <a:r>
+              <a:rPr lang="en-US" sz="3600" dirty="0">
+                <a:ln w="22225">
+                  <a:solidFill>
+                    <a:schemeClr val="tx1"/>
+                  </a:solidFill>
+                </a:ln>
+                <a:gradFill>
+                  <a:gsLst>
+                    <a:gs pos="0">
+                      <a:srgbClr val="00B050"/>
+                    </a:gs>
+                    <a:gs pos="96000">
+                      <a:srgbClr val="C00000"/>
+                    </a:gs>
+                  </a:gsLst>
+                  <a:lin ang="5400000" scaled="1"/>
+                </a:gradFill>
+                <a:effectLst>
+                  <a:outerShdw blurRad="50800" dist="50800" dir="3900000" algn="ctr" rotWithShape="0">
+                    <a:schemeClr val="tx1"/>
+                  </a:outerShdw>
+                </a:effectLst>
+                <a:latin typeface="ArcadeClassic" panose="00000400000000000000" pitchFamily="2" charset="0"/>
+              </a:rPr>
+              <a:t>Suited  the  needs  and  features  of  our  game</a:t>
+            </a:r>
+          </a:p>
+          <a:p>
+            <a:pPr lvl="1"/>
+            <a:r>
+              <a:rPr lang="en-US" sz="3600" dirty="0">
+                <a:ln w="22225">
+                  <a:solidFill>
+                    <a:schemeClr val="tx1"/>
+                  </a:solidFill>
+                </a:ln>
+                <a:gradFill>
+                  <a:gsLst>
+                    <a:gs pos="0">
+                      <a:srgbClr val="00B050"/>
+                    </a:gs>
+                    <a:gs pos="96000">
+                      <a:srgbClr val="C00000"/>
+                    </a:gs>
+                  </a:gsLst>
+                  <a:lin ang="5400000" scaled="1"/>
+                </a:gradFill>
+                <a:effectLst>
+                  <a:outerShdw blurRad="50800" dist="50800" dir="3900000" algn="ctr" rotWithShape="0">
+                    <a:schemeClr val="tx1"/>
+                  </a:outerShdw>
+                </a:effectLst>
+                <a:latin typeface="ArcadeClassic" panose="00000400000000000000" pitchFamily="2" charset="0"/>
+              </a:rPr>
+              <a:t>Simple  Character  Animation</a:t>
+            </a:r>
+          </a:p>
+          <a:p>
+            <a:pPr lvl="1"/>
+            <a:r>
+              <a:rPr lang="en-US" sz="3600" dirty="0">
+                <a:ln w="22225">
+                  <a:solidFill>
+                    <a:schemeClr val="tx1"/>
+                  </a:solidFill>
+                </a:ln>
+                <a:gradFill>
+                  <a:gsLst>
+                    <a:gs pos="0">
+                      <a:srgbClr val="00B050"/>
+                    </a:gs>
+                    <a:gs pos="96000">
+                      <a:srgbClr val="C00000"/>
+                    </a:gs>
+                  </a:gsLst>
+                  <a:lin ang="5400000" scaled="1"/>
+                </a:gradFill>
+                <a:effectLst>
+                  <a:outerShdw blurRad="50800" dist="50800" dir="3900000" algn="ctr" rotWithShape="0">
+                    <a:schemeClr val="tx1"/>
+                  </a:outerShdw>
+                </a:effectLst>
+                <a:latin typeface="ArcadeClassic" panose="00000400000000000000" pitchFamily="2" charset="0"/>
+              </a:rPr>
+              <a:t>Collision  Detection</a:t>
+            </a:r>
+          </a:p>
+          <a:p>
+            <a:pPr lvl="1"/>
+            <a:r>
+              <a:rPr lang="en-US" sz="3600" dirty="0">
+                <a:ln w="22225">
+                  <a:solidFill>
+                    <a:schemeClr val="tx1"/>
+                  </a:solidFill>
+                </a:ln>
+                <a:gradFill>
+                  <a:gsLst>
+                    <a:gs pos="0">
+                      <a:srgbClr val="00B050"/>
+                    </a:gs>
+                    <a:gs pos="96000">
+                      <a:srgbClr val="C00000"/>
+                    </a:gs>
+                  </a:gsLst>
+                  <a:lin ang="5400000" scaled="1"/>
+                </a:gradFill>
+                <a:effectLst>
+                  <a:outerShdw blurRad="50800" dist="50800" dir="3900000" algn="ctr" rotWithShape="0">
+                    <a:schemeClr val="tx1"/>
+                  </a:outerShdw>
+                </a:effectLst>
+                <a:latin typeface="ArcadeClassic" panose="00000400000000000000" pitchFamily="2" charset="0"/>
+              </a:rPr>
+              <a:t>Tile  Maps</a:t>
+            </a:r>
+          </a:p>
+          <a:p>
+            <a:pPr lvl="1"/>
+            <a:r>
+              <a:rPr lang="en-US" sz="3600" dirty="0" err="1">
+                <a:ln w="22225">
+                  <a:solidFill>
+                    <a:schemeClr val="tx1"/>
+                  </a:solidFill>
+                </a:ln>
+                <a:gradFill>
+                  <a:gsLst>
+                    <a:gs pos="0">
+                      <a:srgbClr val="00B050"/>
+                    </a:gs>
+                    <a:gs pos="96000">
+                      <a:srgbClr val="C00000"/>
+                    </a:gs>
+                  </a:gsLst>
+                  <a:lin ang="5400000" scaled="1"/>
+                </a:gradFill>
+                <a:effectLst>
+                  <a:outerShdw blurRad="50800" dist="50800" dir="3900000" algn="ctr" rotWithShape="0">
+                    <a:schemeClr val="tx1"/>
+                  </a:outerShdw>
+                </a:effectLst>
+                <a:latin typeface="ArcadeClassic" panose="00000400000000000000" pitchFamily="2" charset="0"/>
+              </a:rPr>
+              <a:t>GDScript</a:t>
+            </a:r>
+            <a:r>
+              <a:rPr lang="en-US" sz="3600" dirty="0">
+                <a:ln w="22225">
+                  <a:solidFill>
+                    <a:schemeClr val="tx1"/>
+                  </a:solidFill>
+                </a:ln>
+                <a:gradFill>
+                  <a:gsLst>
+                    <a:gs pos="0">
+                      <a:srgbClr val="00B050"/>
+                    </a:gs>
+                    <a:gs pos="96000">
+                      <a:srgbClr val="C00000"/>
+                    </a:gs>
+                  </a:gsLst>
+                  <a:lin ang="5400000" scaled="1"/>
+                </a:gradFill>
+                <a:effectLst>
+                  <a:outerShdw blurRad="50800" dist="50800" dir="3900000" algn="ctr" rotWithShape="0">
+                    <a:schemeClr val="tx1"/>
+                  </a:outerShdw>
+                </a:effectLst>
+                <a:latin typeface="ArcadeClassic" panose="00000400000000000000" pitchFamily="2" charset="0"/>
+              </a:rPr>
+              <a:t>  flexible  and  easy  to  learn</a:t>
+            </a:r>
+          </a:p>
+          <a:p>
+            <a:pPr lvl="1"/>
+            <a:endParaRPr lang="en-IE" sz="3600" dirty="0">
+              <a:ln w="22225">
+                <a:solidFill>
+                  <a:schemeClr val="tx1"/>
+                </a:solidFill>
+              </a:ln>
+              <a:gradFill>
+                <a:gsLst>
+                  <a:gs pos="0">
+                    <a:srgbClr val="00B050"/>
+                  </a:gs>
+                  <a:gs pos="96000">
+                    <a:srgbClr val="C00000"/>
+                  </a:gs>
+                </a:gsLst>
+                <a:lin ang="5400000" scaled="1"/>
+              </a:gradFill>
+              <a:effectLst>
+                <a:outerShdw blurRad="50800" dist="50800" dir="3900000" algn="ctr" rotWithShape="0">
+                  <a:schemeClr val="tx1"/>
+                </a:outerShdw>
+              </a:effectLst>
+              <a:latin typeface="ArcadeClassic" panose="00000400000000000000" pitchFamily="2" charset="0"/>
+            </a:endParaRPr>
+          </a:p>
+          <a:p>
+            <a:endParaRPr lang="en-IE" dirty="0"/>
           </a:p>
         </p:txBody>
       </p:sp>
+      <p:pic>
+        <p:nvPicPr>
+          <p:cNvPr id="5" name="Picture 4" descr="Logo&#10;&#10;Description automatically generated">
+            <a:extLst>
+              <a:ext uri="{FF2B5EF4-FFF2-40B4-BE49-F238E27FC236}">
+                <a16:creationId xmlns:a16="http://schemas.microsoft.com/office/drawing/2014/main" id="{4F736063-9F7D-476A-9322-989D26904521}"/>
+              </a:ext>
+            </a:extLst>
+          </p:cNvPr>
+          <p:cNvPicPr>
+            <a:picLocks noChangeAspect="1"/>
+          </p:cNvPicPr>
+          <p:nvPr/>
+        </p:nvPicPr>
+        <p:blipFill>
+          <a:blip r:embed="rId2">
+            <a:extLst>
+              <a:ext uri="{28A0092B-C50C-407E-A947-70E740481C1C}">
+                <a14:useLocalDpi xmlns:a14="http://schemas.microsoft.com/office/drawing/2010/main" val="0"/>
+              </a:ext>
+            </a:extLst>
+          </a:blip>
+          <a:stretch>
+            <a:fillRect/>
+          </a:stretch>
+        </p:blipFill>
+        <p:spPr>
+          <a:xfrm rot="572224">
+            <a:off x="7607029" y="2010450"/>
+            <a:ext cx="4124528" cy="1669145"/>
+          </a:xfrm>
+          <a:prstGeom prst="rect">
+            <a:avLst/>
+          </a:prstGeom>
+        </p:spPr>
+      </p:pic>
+      <p:pic>
+        <p:nvPicPr>
+          <p:cNvPr id="7" name="Picture 6" descr="Qr code&#10;&#10;Description automatically generated">
+            <a:extLst>
+              <a:ext uri="{FF2B5EF4-FFF2-40B4-BE49-F238E27FC236}">
+                <a16:creationId xmlns:a16="http://schemas.microsoft.com/office/drawing/2014/main" id="{4BE448CE-0777-4A5B-814C-01CE4F9FCFA1}"/>
+              </a:ext>
+            </a:extLst>
+          </p:cNvPr>
+          <p:cNvPicPr>
+            <a:picLocks noChangeAspect="1"/>
+          </p:cNvPicPr>
+          <p:nvPr/>
+        </p:nvPicPr>
+        <p:blipFill>
+          <a:blip r:embed="rId3">
+            <a:extLst>
+              <a:ext uri="{28A0092B-C50C-407E-A947-70E740481C1C}">
+                <a14:useLocalDpi xmlns:a14="http://schemas.microsoft.com/office/drawing/2010/main" val="0"/>
+              </a:ext>
+            </a:extLst>
+          </a:blip>
+          <a:stretch>
+            <a:fillRect/>
+          </a:stretch>
+        </p:blipFill>
+        <p:spPr>
+          <a:xfrm>
+            <a:off x="8586452" y="4095346"/>
+            <a:ext cx="1858401" cy="1901420"/>
+          </a:xfrm>
+          <a:prstGeom prst="rect">
+            <a:avLst/>
+          </a:prstGeom>
+        </p:spPr>
+      </p:pic>
     </p:spTree>
     <p:extLst>
       <p:ext uri="{BB962C8B-B14F-4D97-AF65-F5344CB8AC3E}">
@@ -5588,6 +7328,424 @@
                                         <p:cTn id="7" dur="500"/>
                                         <p:tgtEl>
                                           <p:spTgt spid="2"/>
+                                        </p:tgtEl>
+                                      </p:cBhvr>
+                                    </p:animEffect>
+                                  </p:childTnLst>
+                                </p:cTn>
+                              </p:par>
+                              <p:par>
+                                <p:cTn id="8" presetID="10" presetClass="entr" presetSubtype="0" fill="hold" nodeType="withEffect">
+                                  <p:stCondLst>
+                                    <p:cond delay="0"/>
+                                  </p:stCondLst>
+                                  <p:childTnLst>
+                                    <p:set>
+                                      <p:cBhvr>
+                                        <p:cTn id="9" dur="1" fill="hold">
+                                          <p:stCondLst>
+                                            <p:cond delay="0"/>
+                                          </p:stCondLst>
+                                        </p:cTn>
+                                        <p:tgtEl>
+                                          <p:spTgt spid="3">
+                                            <p:txEl>
+                                              <p:pRg st="0" end="0"/>
+                                            </p:txEl>
+                                          </p:spTgt>
+                                        </p:tgtEl>
+                                        <p:attrNameLst>
+                                          <p:attrName>style.visibility</p:attrName>
+                                        </p:attrNameLst>
+                                      </p:cBhvr>
+                                      <p:to>
+                                        <p:strVal val="visible"/>
+                                      </p:to>
+                                    </p:set>
+                                    <p:animEffect transition="in" filter="fade">
+                                      <p:cBhvr>
+                                        <p:cTn id="10" dur="500"/>
+                                        <p:tgtEl>
+                                          <p:spTgt spid="3">
+                                            <p:txEl>
+                                              <p:pRg st="0" end="0"/>
+                                            </p:txEl>
+                                          </p:spTgt>
+                                        </p:tgtEl>
+                                      </p:cBhvr>
+                                    </p:animEffect>
+                                  </p:childTnLst>
+                                </p:cTn>
+                              </p:par>
+                              <p:par>
+                                <p:cTn id="11" presetID="10" presetClass="entr" presetSubtype="0" fill="hold" nodeType="withEffect">
+                                  <p:stCondLst>
+                                    <p:cond delay="0"/>
+                                  </p:stCondLst>
+                                  <p:childTnLst>
+                                    <p:set>
+                                      <p:cBhvr>
+                                        <p:cTn id="12" dur="1" fill="hold">
+                                          <p:stCondLst>
+                                            <p:cond delay="0"/>
+                                          </p:stCondLst>
+                                        </p:cTn>
+                                        <p:tgtEl>
+                                          <p:spTgt spid="3">
+                                            <p:txEl>
+                                              <p:pRg st="1" end="1"/>
+                                            </p:txEl>
+                                          </p:spTgt>
+                                        </p:tgtEl>
+                                        <p:attrNameLst>
+                                          <p:attrName>style.visibility</p:attrName>
+                                        </p:attrNameLst>
+                                      </p:cBhvr>
+                                      <p:to>
+                                        <p:strVal val="visible"/>
+                                      </p:to>
+                                    </p:set>
+                                    <p:animEffect transition="in" filter="fade">
+                                      <p:cBhvr>
+                                        <p:cTn id="13" dur="500"/>
+                                        <p:tgtEl>
+                                          <p:spTgt spid="3">
+                                            <p:txEl>
+                                              <p:pRg st="1" end="1"/>
+                                            </p:txEl>
+                                          </p:spTgt>
+                                        </p:tgtEl>
+                                      </p:cBhvr>
+                                    </p:animEffect>
+                                  </p:childTnLst>
+                                </p:cTn>
+                              </p:par>
+                            </p:childTnLst>
+                          </p:cTn>
+                        </p:par>
+                        <p:par>
+                          <p:cTn id="14" fill="hold">
+                            <p:stCondLst>
+                              <p:cond delay="500"/>
+                            </p:stCondLst>
+                            <p:childTnLst>
+                              <p:par>
+                                <p:cTn id="15" presetID="10" presetClass="entr" presetSubtype="0" fill="hold" nodeType="afterEffect">
+                                  <p:stCondLst>
+                                    <p:cond delay="0"/>
+                                  </p:stCondLst>
+                                  <p:childTnLst>
+                                    <p:set>
+                                      <p:cBhvr>
+                                        <p:cTn id="16" dur="1" fill="hold">
+                                          <p:stCondLst>
+                                            <p:cond delay="0"/>
+                                          </p:stCondLst>
+                                        </p:cTn>
+                                        <p:tgtEl>
+                                          <p:spTgt spid="5"/>
+                                        </p:tgtEl>
+                                        <p:attrNameLst>
+                                          <p:attrName>style.visibility</p:attrName>
+                                        </p:attrNameLst>
+                                      </p:cBhvr>
+                                      <p:to>
+                                        <p:strVal val="visible"/>
+                                      </p:to>
+                                    </p:set>
+                                    <p:animEffect transition="in" filter="fade">
+                                      <p:cBhvr>
+                                        <p:cTn id="17" dur="500"/>
+                                        <p:tgtEl>
+                                          <p:spTgt spid="5"/>
+                                        </p:tgtEl>
+                                      </p:cBhvr>
+                                    </p:animEffect>
+                                  </p:childTnLst>
+                                </p:cTn>
+                              </p:par>
+                            </p:childTnLst>
+                          </p:cTn>
+                        </p:par>
+                      </p:childTnLst>
+                    </p:cTn>
+                  </p:par>
+                  <p:par>
+                    <p:cTn id="18" fill="hold">
+                      <p:stCondLst>
+                        <p:cond delay="indefinite"/>
+                      </p:stCondLst>
+                      <p:childTnLst>
+                        <p:par>
+                          <p:cTn id="19" fill="hold">
+                            <p:stCondLst>
+                              <p:cond delay="0"/>
+                            </p:stCondLst>
+                            <p:childTnLst>
+                              <p:par>
+                                <p:cTn id="20" presetID="10" presetClass="entr" presetSubtype="0" fill="hold" nodeType="clickEffect">
+                                  <p:stCondLst>
+                                    <p:cond delay="0"/>
+                                  </p:stCondLst>
+                                  <p:childTnLst>
+                                    <p:set>
+                                      <p:cBhvr>
+                                        <p:cTn id="21" dur="1" fill="hold">
+                                          <p:stCondLst>
+                                            <p:cond delay="0"/>
+                                          </p:stCondLst>
+                                        </p:cTn>
+                                        <p:tgtEl>
+                                          <p:spTgt spid="3">
+                                            <p:txEl>
+                                              <p:pRg st="2" end="2"/>
+                                            </p:txEl>
+                                          </p:spTgt>
+                                        </p:tgtEl>
+                                        <p:attrNameLst>
+                                          <p:attrName>style.visibility</p:attrName>
+                                        </p:attrNameLst>
+                                      </p:cBhvr>
+                                      <p:to>
+                                        <p:strVal val="visible"/>
+                                      </p:to>
+                                    </p:set>
+                                    <p:animEffect transition="in" filter="fade">
+                                      <p:cBhvr>
+                                        <p:cTn id="22" dur="500"/>
+                                        <p:tgtEl>
+                                          <p:spTgt spid="3">
+                                            <p:txEl>
+                                              <p:pRg st="2" end="2"/>
+                                            </p:txEl>
+                                          </p:spTgt>
+                                        </p:tgtEl>
+                                      </p:cBhvr>
+                                    </p:animEffect>
+                                  </p:childTnLst>
+                                </p:cTn>
+                              </p:par>
+                            </p:childTnLst>
+                          </p:cTn>
+                        </p:par>
+                        <p:par>
+                          <p:cTn id="23" fill="hold">
+                            <p:stCondLst>
+                              <p:cond delay="500"/>
+                            </p:stCondLst>
+                            <p:childTnLst>
+                              <p:par>
+                                <p:cTn id="24" presetID="10" presetClass="entr" presetSubtype="0" fill="hold" nodeType="afterEffect">
+                                  <p:stCondLst>
+                                    <p:cond delay="0"/>
+                                  </p:stCondLst>
+                                  <p:childTnLst>
+                                    <p:set>
+                                      <p:cBhvr>
+                                        <p:cTn id="25" dur="1" fill="hold">
+                                          <p:stCondLst>
+                                            <p:cond delay="0"/>
+                                          </p:stCondLst>
+                                        </p:cTn>
+                                        <p:tgtEl>
+                                          <p:spTgt spid="7"/>
+                                        </p:tgtEl>
+                                        <p:attrNameLst>
+                                          <p:attrName>style.visibility</p:attrName>
+                                        </p:attrNameLst>
+                                      </p:cBhvr>
+                                      <p:to>
+                                        <p:strVal val="visible"/>
+                                      </p:to>
+                                    </p:set>
+                                    <p:animEffect transition="in" filter="fade">
+                                      <p:cBhvr>
+                                        <p:cTn id="26" dur="500"/>
+                                        <p:tgtEl>
+                                          <p:spTgt spid="7"/>
+                                        </p:tgtEl>
+                                      </p:cBhvr>
+                                    </p:animEffect>
+                                  </p:childTnLst>
+                                </p:cTn>
+                              </p:par>
+                            </p:childTnLst>
+                          </p:cTn>
+                        </p:par>
+                      </p:childTnLst>
+                    </p:cTn>
+                  </p:par>
+                  <p:par>
+                    <p:cTn id="27" fill="hold">
+                      <p:stCondLst>
+                        <p:cond delay="indefinite"/>
+                      </p:stCondLst>
+                      <p:childTnLst>
+                        <p:par>
+                          <p:cTn id="28" fill="hold">
+                            <p:stCondLst>
+                              <p:cond delay="0"/>
+                            </p:stCondLst>
+                            <p:childTnLst>
+                              <p:par>
+                                <p:cTn id="29" presetID="10" presetClass="entr" presetSubtype="0" fill="hold" nodeType="clickEffect">
+                                  <p:stCondLst>
+                                    <p:cond delay="0"/>
+                                  </p:stCondLst>
+                                  <p:childTnLst>
+                                    <p:set>
+                                      <p:cBhvr>
+                                        <p:cTn id="30" dur="1" fill="hold">
+                                          <p:stCondLst>
+                                            <p:cond delay="0"/>
+                                          </p:stCondLst>
+                                        </p:cTn>
+                                        <p:tgtEl>
+                                          <p:spTgt spid="3">
+                                            <p:txEl>
+                                              <p:pRg st="3" end="3"/>
+                                            </p:txEl>
+                                          </p:spTgt>
+                                        </p:tgtEl>
+                                        <p:attrNameLst>
+                                          <p:attrName>style.visibility</p:attrName>
+                                        </p:attrNameLst>
+                                      </p:cBhvr>
+                                      <p:to>
+                                        <p:strVal val="visible"/>
+                                      </p:to>
+                                    </p:set>
+                                    <p:animEffect transition="in" filter="fade">
+                                      <p:cBhvr>
+                                        <p:cTn id="31" dur="500"/>
+                                        <p:tgtEl>
+                                          <p:spTgt spid="3">
+                                            <p:txEl>
+                                              <p:pRg st="3" end="3"/>
+                                            </p:txEl>
+                                          </p:spTgt>
+                                        </p:tgtEl>
+                                      </p:cBhvr>
+                                    </p:animEffect>
+                                  </p:childTnLst>
+                                </p:cTn>
+                              </p:par>
+                            </p:childTnLst>
+                          </p:cTn>
+                        </p:par>
+                      </p:childTnLst>
+                    </p:cTn>
+                  </p:par>
+                  <p:par>
+                    <p:cTn id="32" fill="hold">
+                      <p:stCondLst>
+                        <p:cond delay="indefinite"/>
+                      </p:stCondLst>
+                      <p:childTnLst>
+                        <p:par>
+                          <p:cTn id="33" fill="hold">
+                            <p:stCondLst>
+                              <p:cond delay="0"/>
+                            </p:stCondLst>
+                            <p:childTnLst>
+                              <p:par>
+                                <p:cTn id="34" presetID="10" presetClass="entr" presetSubtype="0" fill="hold" nodeType="clickEffect">
+                                  <p:stCondLst>
+                                    <p:cond delay="0"/>
+                                  </p:stCondLst>
+                                  <p:childTnLst>
+                                    <p:set>
+                                      <p:cBhvr>
+                                        <p:cTn id="35" dur="1" fill="hold">
+                                          <p:stCondLst>
+                                            <p:cond delay="0"/>
+                                          </p:stCondLst>
+                                        </p:cTn>
+                                        <p:tgtEl>
+                                          <p:spTgt spid="3">
+                                            <p:txEl>
+                                              <p:pRg st="4" end="4"/>
+                                            </p:txEl>
+                                          </p:spTgt>
+                                        </p:tgtEl>
+                                        <p:attrNameLst>
+                                          <p:attrName>style.visibility</p:attrName>
+                                        </p:attrNameLst>
+                                      </p:cBhvr>
+                                      <p:to>
+                                        <p:strVal val="visible"/>
+                                      </p:to>
+                                    </p:set>
+                                    <p:animEffect transition="in" filter="fade">
+                                      <p:cBhvr>
+                                        <p:cTn id="36" dur="500"/>
+                                        <p:tgtEl>
+                                          <p:spTgt spid="3">
+                                            <p:txEl>
+                                              <p:pRg st="4" end="4"/>
+                                            </p:txEl>
+                                          </p:spTgt>
+                                        </p:tgtEl>
+                                      </p:cBhvr>
+                                    </p:animEffect>
+                                  </p:childTnLst>
+                                </p:cTn>
+                              </p:par>
+                            </p:childTnLst>
+                          </p:cTn>
+                        </p:par>
+                      </p:childTnLst>
+                    </p:cTn>
+                  </p:par>
+                  <p:par>
+                    <p:cTn id="37" fill="hold">
+                      <p:stCondLst>
+                        <p:cond delay="indefinite"/>
+                      </p:stCondLst>
+                      <p:childTnLst>
+                        <p:par>
+                          <p:cTn id="38" fill="hold">
+                            <p:stCondLst>
+                              <p:cond delay="0"/>
+                            </p:stCondLst>
+                            <p:childTnLst>
+                              <p:par>
+                                <p:cTn id="39" presetID="10" presetClass="entr" presetSubtype="0" fill="hold" nodeType="clickEffect">
+                                  <p:stCondLst>
+                                    <p:cond delay="0"/>
+                                  </p:stCondLst>
+                                  <p:childTnLst>
+                                    <p:set>
+                                      <p:cBhvr>
+                                        <p:cTn id="40" dur="1" fill="hold">
+                                          <p:stCondLst>
+                                            <p:cond delay="0"/>
+                                          </p:stCondLst>
+                                        </p:cTn>
+                                        <p:tgtEl>
+                                          <p:spTgt spid="3">
+                                            <p:txEl>
+                                              <p:pRg st="5" end="5"/>
+                                            </p:txEl>
+                                          </p:spTgt>
+                                        </p:tgtEl>
+                                        <p:attrNameLst>
+                                          <p:attrName>style.visibility</p:attrName>
+                                        </p:attrNameLst>
+                                      </p:cBhvr>
+                                      <p:to>
+                                        <p:strVal val="visible"/>
+                                      </p:to>
+                                    </p:set>
+                                    <p:animEffect transition="in" filter="fade">
+                                      <p:cBhvr>
+                                        <p:cTn id="41" dur="500"/>
+                                        <p:tgtEl>
+                                          <p:spTgt spid="3">
+                                            <p:txEl>
+                                              <p:pRg st="5" end="5"/>
+                                            </p:txEl>
+                                          </p:spTgt>
                                         </p:tgtEl>
                                       </p:cBhvr>
                                     </p:animEffect>
@@ -5700,28 +7858,170 @@
           </a:p>
         </p:txBody>
       </p:sp>
-      <p:sp>
-        <p:nvSpPr>
-          <p:cNvPr id="3" name="Content Placeholder 2">
+      <p:graphicFrame>
+        <p:nvGraphicFramePr>
+          <p:cNvPr id="4" name="Content Placeholder 3">
             <a:extLst>
               <a:ext uri="{FF2B5EF4-FFF2-40B4-BE49-F238E27FC236}">
-                <a16:creationId xmlns:a16="http://schemas.microsoft.com/office/drawing/2014/main" id="{BE6AF97D-A379-4C79-A47B-45617779462D}"/>
+                <a16:creationId xmlns:a16="http://schemas.microsoft.com/office/drawing/2014/main" id="{8CCB30AE-0AEC-4AE9-817F-BA96CD5B858A}"/>
               </a:ext>
             </a:extLst>
           </p:cNvPr>
-          <p:cNvSpPr>
-            <a:spLocks noGrp="1"/>
-          </p:cNvSpPr>
+          <p:cNvGraphicFramePr>
+            <a:graphicFrameLocks noGrp="1"/>
+          </p:cNvGraphicFramePr>
           <p:nvPr>
             <p:ph idx="1"/>
+            <p:extLst>
+              <p:ext uri="{D42A27DB-BD31-4B8C-83A1-F6EECF244321}">
+                <p14:modId xmlns:p14="http://schemas.microsoft.com/office/powerpoint/2010/main" val="3432217575"/>
+              </p:ext>
+            </p:extLst>
           </p:nvPr>
+        </p:nvGraphicFramePr>
+        <p:xfrm>
+          <a:off x="439366" y="1558713"/>
+          <a:ext cx="11313268" cy="4700384"/>
+        </p:xfrm>
+        <a:graphic>
+          <a:graphicData uri="http://schemas.openxmlformats.org/drawingml/2006/chart">
+            <c:chart xmlns:c="http://schemas.openxmlformats.org/drawingml/2006/chart" xmlns:r="http://schemas.openxmlformats.org/officeDocument/2006/relationships" r:id="rId2"/>
+          </a:graphicData>
+        </a:graphic>
+      </p:graphicFrame>
+      <p:sp>
+        <p:nvSpPr>
+          <p:cNvPr id="5" name="TextBox 4">
+            <a:extLst>
+              <a:ext uri="{FF2B5EF4-FFF2-40B4-BE49-F238E27FC236}">
+                <a16:creationId xmlns:a16="http://schemas.microsoft.com/office/drawing/2014/main" id="{B550CC23-8B1E-47C5-B415-BB721055B49B}"/>
+              </a:ext>
+            </a:extLst>
+          </p:cNvPr>
+          <p:cNvSpPr txBox="1"/>
+          <p:nvPr/>
         </p:nvSpPr>
-        <p:spPr/>
+        <p:spPr>
+          <a:xfrm>
+            <a:off x="939145" y="5759777"/>
+            <a:ext cx="10313709" cy="646331"/>
+          </a:xfrm>
+          <a:prstGeom prst="rect">
+            <a:avLst/>
+          </a:prstGeom>
+          <a:noFill/>
+        </p:spPr>
         <p:txBody>
-          <a:bodyPr/>
+          <a:bodyPr wrap="square" rtlCol="0">
+            <a:spAutoFit/>
+          </a:bodyPr>
           <a:lstStyle/>
           <a:p>
-            <a:endParaRPr lang="en-IE" dirty="0"/>
+            <a:pPr algn="ctr"/>
+            <a:r>
+              <a:rPr lang="en-GB" sz="1800" b="1" u="sng" kern="1200" dirty="0">
+                <a:solidFill>
+                  <a:srgbClr val="00B050"/>
+                </a:solidFill>
+                <a:effectLst/>
+                <a:latin typeface="Calibri" panose="020F0502020204030204" pitchFamily="34" charset="0"/>
+                <a:ea typeface="Calibri" panose="020F0502020204030204" pitchFamily="34" charset="0"/>
+                <a:cs typeface="Times New Roman" panose="02020603050405020304" pitchFamily="18" charset="0"/>
+              </a:rPr>
+              <a:t>Preparatory Phase</a:t>
+            </a:r>
+            <a:r>
+              <a:rPr lang="en-GB" sz="1800" kern="1200" dirty="0">
+                <a:solidFill>
+                  <a:srgbClr val="00B050"/>
+                </a:solidFill>
+                <a:effectLst/>
+                <a:latin typeface="Calibri" panose="020F0502020204030204" pitchFamily="34" charset="0"/>
+                <a:ea typeface="Calibri" panose="020F0502020204030204" pitchFamily="34" charset="0"/>
+                <a:cs typeface="Times New Roman" panose="02020603050405020304" pitchFamily="18" charset="0"/>
+              </a:rPr>
+              <a:t> </a:t>
+            </a:r>
+            <a:r>
+              <a:rPr lang="en-GB" sz="1800" b="1" u="sng" kern="1200" dirty="0">
+                <a:solidFill>
+                  <a:srgbClr val="FF3300"/>
+                </a:solidFill>
+                <a:effectLst/>
+                <a:latin typeface="Calibri" panose="020F0502020204030204" pitchFamily="34" charset="0"/>
+                <a:ea typeface="Calibri" panose="020F0502020204030204" pitchFamily="34" charset="0"/>
+                <a:cs typeface="Times New Roman" panose="02020603050405020304" pitchFamily="18" charset="0"/>
+              </a:rPr>
+              <a:t>Full Understanding of Concept</a:t>
+            </a:r>
+            <a:r>
+              <a:rPr lang="en-GB" sz="1800" kern="1200" dirty="0">
+                <a:solidFill>
+                  <a:srgbClr val="FF3300"/>
+                </a:solidFill>
+                <a:effectLst/>
+                <a:latin typeface="Calibri" panose="020F0502020204030204" pitchFamily="34" charset="0"/>
+                <a:ea typeface="Calibri" panose="020F0502020204030204" pitchFamily="34" charset="0"/>
+                <a:cs typeface="Times New Roman" panose="02020603050405020304" pitchFamily="18" charset="0"/>
+              </a:rPr>
+              <a:t> </a:t>
+            </a:r>
+            <a:r>
+              <a:rPr lang="en-GB" sz="1800" b="1" u="sng" kern="1200" dirty="0">
+                <a:solidFill>
+                  <a:srgbClr val="FFC000"/>
+                </a:solidFill>
+                <a:effectLst/>
+                <a:latin typeface="Calibri" panose="020F0502020204030204" pitchFamily="34" charset="0"/>
+                <a:ea typeface="Calibri" panose="020F0502020204030204" pitchFamily="34" charset="0"/>
+                <a:cs typeface="Times New Roman" panose="02020603050405020304" pitchFamily="18" charset="0"/>
+              </a:rPr>
+              <a:t>Development of Basic Functioning Game</a:t>
+            </a:r>
+          </a:p>
+          <a:p>
+            <a:pPr algn="ctr"/>
+            <a:r>
+              <a:rPr lang="en-GB" sz="1800" b="1" u="sng" kern="1200" dirty="0">
+                <a:solidFill>
+                  <a:srgbClr val="7030A0"/>
+                </a:solidFill>
+                <a:effectLst/>
+                <a:latin typeface="Calibri" panose="020F0502020204030204" pitchFamily="34" charset="0"/>
+                <a:ea typeface="Calibri" panose="020F0502020204030204" pitchFamily="34" charset="0"/>
+                <a:cs typeface="Times New Roman" panose="02020603050405020304" pitchFamily="18" charset="0"/>
+              </a:rPr>
+              <a:t>Finishing Touches</a:t>
+            </a:r>
+            <a:r>
+              <a:rPr lang="en-GB" sz="1800" kern="1200" dirty="0">
+                <a:solidFill>
+                  <a:srgbClr val="7030A0"/>
+                </a:solidFill>
+                <a:effectLst/>
+                <a:latin typeface="Calibri" panose="020F0502020204030204" pitchFamily="34" charset="0"/>
+                <a:ea typeface="Calibri" panose="020F0502020204030204" pitchFamily="34" charset="0"/>
+                <a:cs typeface="Times New Roman" panose="02020603050405020304" pitchFamily="18" charset="0"/>
+              </a:rPr>
+              <a:t> </a:t>
+            </a:r>
+            <a:r>
+              <a:rPr lang="en-GB" sz="1800" b="1" u="sng" kern="1200" dirty="0">
+                <a:solidFill>
+                  <a:srgbClr val="0070C0"/>
+                </a:solidFill>
+                <a:effectLst/>
+                <a:latin typeface="Calibri" panose="020F0502020204030204" pitchFamily="34" charset="0"/>
+                <a:ea typeface="Calibri" panose="020F0502020204030204" pitchFamily="34" charset="0"/>
+                <a:cs typeface="Times New Roman" panose="02020603050405020304" pitchFamily="18" charset="0"/>
+              </a:rPr>
+              <a:t>Final Testing and Debugging Phase</a:t>
+            </a:r>
+            <a:endParaRPr lang="en-IE" sz="1800" dirty="0">
+              <a:effectLst/>
+              <a:latin typeface="Times New Roman" panose="02020603050405020304" pitchFamily="18" charset="0"/>
+              <a:ea typeface="Times New Roman" panose="02020603050405020304" pitchFamily="18" charset="0"/>
+            </a:endParaRPr>
           </a:p>
         </p:txBody>
       </p:sp>
@@ -5796,6 +8096,163 @@
                       </p:childTnLst>
                     </p:cTn>
                   </p:par>
+                  <p:par>
+                    <p:cTn id="8" fill="hold">
+                      <p:stCondLst>
+                        <p:cond delay="indefinite"/>
+                      </p:stCondLst>
+                      <p:childTnLst>
+                        <p:par>
+                          <p:cTn id="9" fill="hold">
+                            <p:stCondLst>
+                              <p:cond delay="0"/>
+                            </p:stCondLst>
+                            <p:childTnLst>
+                              <p:par>
+                                <p:cTn id="10" presetID="10" presetClass="entr" presetSubtype="0" fill="hold" grpId="0" nodeType="clickEffect">
+                                  <p:stCondLst>
+                                    <p:cond delay="0"/>
+                                  </p:stCondLst>
+                                  <p:childTnLst>
+                                    <p:set>
+                                      <p:cBhvr>
+                                        <p:cTn id="11" dur="1" fill="hold">
+                                          <p:stCondLst>
+                                            <p:cond delay="0"/>
+                                          </p:stCondLst>
+                                        </p:cTn>
+                                        <p:tgtEl>
+                                          <p:spTgt spid="4"/>
+                                        </p:tgtEl>
+                                        <p:attrNameLst>
+                                          <p:attrName>style.visibility</p:attrName>
+                                        </p:attrNameLst>
+                                      </p:cBhvr>
+                                      <p:to>
+                                        <p:strVal val="visible"/>
+                                      </p:to>
+                                    </p:set>
+                                    <p:animEffect transition="in" filter="fade">
+                                      <p:cBhvr>
+                                        <p:cTn id="12" dur="500"/>
+                                        <p:tgtEl>
+                                          <p:spTgt spid="4"/>
+                                        </p:tgtEl>
+                                      </p:cBhvr>
+                                    </p:animEffect>
+                                  </p:childTnLst>
+                                </p:cTn>
+                              </p:par>
+                            </p:childTnLst>
+                          </p:cTn>
+                        </p:par>
+                        <p:par>
+                          <p:cTn id="13" fill="hold">
+                            <p:stCondLst>
+                              <p:cond delay="500"/>
+                            </p:stCondLst>
+                            <p:childTnLst>
+                              <p:par>
+                                <p:cTn id="14" presetID="10" presetClass="entr" presetSubtype="0" fill="hold" nodeType="afterEffect">
+                                  <p:stCondLst>
+                                    <p:cond delay="0"/>
+                                  </p:stCondLst>
+                                  <p:childTnLst>
+                                    <p:set>
+                                      <p:cBhvr>
+                                        <p:cTn id="15" dur="1" fill="hold">
+                                          <p:stCondLst>
+                                            <p:cond delay="0"/>
+                                          </p:stCondLst>
+                                        </p:cTn>
+                                        <p:tgtEl>
+                                          <p:spTgt spid="5">
+                                            <p:txEl>
+                                              <p:pRg st="0" end="0"/>
+                                            </p:txEl>
+                                          </p:spTgt>
+                                        </p:tgtEl>
+                                        <p:attrNameLst>
+                                          <p:attrName>style.visibility</p:attrName>
+                                        </p:attrNameLst>
+                                      </p:cBhvr>
+                                      <p:to>
+                                        <p:strVal val="visible"/>
+                                      </p:to>
+                                    </p:set>
+                                    <p:animEffect transition="in" filter="fade">
+                                      <p:cBhvr>
+                                        <p:cTn id="16" dur="500"/>
+                                        <p:tgtEl>
+                                          <p:spTgt spid="5">
+                                            <p:txEl>
+                                              <p:pRg st="0" end="0"/>
+                                            </p:txEl>
+                                          </p:spTgt>
+                                        </p:tgtEl>
+                                      </p:cBhvr>
+                                    </p:animEffect>
+                                  </p:childTnLst>
+                                </p:cTn>
+                              </p:par>
+                            </p:childTnLst>
+                          </p:cTn>
+                        </p:par>
+                        <p:par>
+                          <p:cTn id="17" fill="hold">
+                            <p:stCondLst>
+                              <p:cond delay="1000"/>
+                            </p:stCondLst>
+                            <p:childTnLst>
+                              <p:par>
+                                <p:cTn id="18" presetID="10" presetClass="entr" presetSubtype="0" fill="hold" nodeType="afterEffect">
+                                  <p:stCondLst>
+                                    <p:cond delay="0"/>
+                                  </p:stCondLst>
+                                  <p:childTnLst>
+                                    <p:set>
+                                      <p:cBhvr>
+                                        <p:cTn id="19" dur="1" fill="hold">
+                                          <p:stCondLst>
+                                            <p:cond delay="0"/>
+                                          </p:stCondLst>
+                                        </p:cTn>
+                                        <p:tgtEl>
+                                          <p:spTgt spid="5">
+                                            <p:txEl>
+                                              <p:pRg st="1" end="1"/>
+                                            </p:txEl>
+                                          </p:spTgt>
+                                        </p:tgtEl>
+                                        <p:attrNameLst>
+                                          <p:attrName>style.visibility</p:attrName>
+                                        </p:attrNameLst>
+                                      </p:cBhvr>
+                                      <p:to>
+                                        <p:strVal val="visible"/>
+                                      </p:to>
+                                    </p:set>
+                                    <p:animEffect transition="in" filter="fade">
+                                      <p:cBhvr>
+                                        <p:cTn id="20" dur="500"/>
+                                        <p:tgtEl>
+                                          <p:spTgt spid="5">
+                                            <p:txEl>
+                                              <p:pRg st="1" end="1"/>
+                                            </p:txEl>
+                                          </p:spTgt>
+                                        </p:tgtEl>
+                                      </p:cBhvr>
+                                    </p:animEffect>
+                                  </p:childTnLst>
+                                </p:cTn>
+                              </p:par>
+                            </p:childTnLst>
+                          </p:cTn>
+                        </p:par>
+                      </p:childTnLst>
+                    </p:cTn>
+                  </p:par>
                 </p:childTnLst>
               </p:cTn>
               <p:prevCondLst>
@@ -5819,6 +8276,9 @@
     </p:tnLst>
     <p:bldLst>
       <p:bldP spid="2" grpId="0"/>
+      <p:bldGraphic spid="4" grpId="0">
+        <p:bldAsOne/>
+      </p:bldGraphic>
     </p:bldLst>
   </p:timing>
 </p:sld>
@@ -6455,15 +8915,24 @@
                                   </p:childTnLst>
                                 </p:cTn>
                               </p:par>
+                            </p:childTnLst>
+                          </p:cTn>
+                        </p:par>
+                        <p:par>
+                          <p:cTn id="19" fill="hold">
+                            <p:stCondLst>
+                              <p:cond delay="500"/>
+                            </p:stCondLst>
+                            <p:childTnLst>
                               <p:par>
-                                <p:cTn id="19" presetID="10" presetClass="entr" presetSubtype="0" fill="hold" nodeType="withEffect">
+                                <p:cTn id="20" presetID="10" presetClass="entr" presetSubtype="0" fill="hold" nodeType="afterEffect">
                                   <p:stCondLst>
                                     <p:cond delay="0"/>
                                   </p:stCondLst>
                                   <p:childTnLst>
                                     <p:set>
                                       <p:cBhvr>
-                                        <p:cTn id="20" dur="1" fill="hold">
+                                        <p:cTn id="21" dur="1" fill="hold">
                                           <p:stCondLst>
                                             <p:cond delay="0"/>
                                           </p:stCondLst>
@@ -6481,7 +8950,7 @@
                                     </p:set>
                                     <p:animEffect transition="in" filter="fade">
                                       <p:cBhvr>
-                                        <p:cTn id="21" dur="500"/>
+                                        <p:cTn id="22" dur="500"/>
                                         <p:tgtEl>
                                           <p:spTgt spid="5"/>
                                         </p:tgtEl>
@@ -6497,26 +8966,26 @@
                     </p:cTn>
                   </p:par>
                   <p:par>
-                    <p:cTn id="22" fill="hold">
+                    <p:cTn id="23" fill="hold">
                       <p:stCondLst>
                         <p:cond delay="indefinite"/>
                       </p:stCondLst>
                       <p:childTnLst>
                         <p:par>
-                          <p:cTn id="23" fill="hold">
+                          <p:cTn id="24" fill="hold">
                             <p:stCondLst>
                               <p:cond delay="0"/>
                             </p:stCondLst>
                             <p:childTnLst>
                               <p:par>
-                                <p:cTn id="24" presetID="10" presetClass="entr" presetSubtype="0" fill="hold" nodeType="clickEffect">
+                                <p:cTn id="25" presetID="10" presetClass="entr" presetSubtype="0" fill="hold" nodeType="clickEffect">
                                   <p:stCondLst>
                                     <p:cond delay="0"/>
                                   </p:stCondLst>
                                   <p:childTnLst>
                                     <p:set>
                                       <p:cBhvr>
-                                        <p:cTn id="25" dur="1" fill="hold">
+                                        <p:cTn id="26" dur="1" fill="hold">
                                           <p:stCondLst>
                                             <p:cond delay="0"/>
                                           </p:stCondLst>
@@ -6538,7 +9007,7 @@
                                     </p:set>
                                     <p:animEffect transition="in" filter="fade">
                                       <p:cBhvr>
-                                        <p:cTn id="26" dur="500"/>
+                                        <p:cTn id="27" dur="500"/>
                                         <p:tgtEl>
                                           <p:spTgt spid="3">
                                             <p:txEl>
@@ -6558,26 +9027,26 @@
                     </p:cTn>
                   </p:par>
                   <p:par>
-                    <p:cTn id="27" fill="hold">
+                    <p:cTn id="28" fill="hold">
                       <p:stCondLst>
                         <p:cond delay="indefinite"/>
                       </p:stCondLst>
                       <p:childTnLst>
                         <p:par>
-                          <p:cTn id="28" fill="hold">
+                          <p:cTn id="29" fill="hold">
                             <p:stCondLst>
                               <p:cond delay="0"/>
                             </p:stCondLst>
                             <p:childTnLst>
                               <p:par>
-                                <p:cTn id="29" presetID="10" presetClass="entr" presetSubtype="0" fill="hold" nodeType="clickEffect">
+                                <p:cTn id="30" presetID="10" presetClass="entr" presetSubtype="0" fill="hold" nodeType="clickEffect">
                                   <p:stCondLst>
                                     <p:cond delay="0"/>
                                   </p:stCondLst>
                                   <p:childTnLst>
                                     <p:set>
                                       <p:cBhvr>
-                                        <p:cTn id="30" dur="1" fill="hold">
+                                        <p:cTn id="31" dur="1" fill="hold">
                                           <p:stCondLst>
                                             <p:cond delay="0"/>
                                           </p:stCondLst>
@@ -6599,7 +9068,7 @@
                                     </p:set>
                                     <p:animEffect transition="in" filter="fade">
                                       <p:cBhvr>
-                                        <p:cTn id="31" dur="500"/>
+                                        <p:cTn id="32" dur="500"/>
                                         <p:tgtEl>
                                           <p:spTgt spid="3">
                                             <p:txEl>
@@ -6612,15 +9081,24 @@
                                   </p:childTnLst>
                                 </p:cTn>
                               </p:par>
+                            </p:childTnLst>
+                          </p:cTn>
+                        </p:par>
+                        <p:par>
+                          <p:cTn id="33" fill="hold">
+                            <p:stCondLst>
+                              <p:cond delay="500"/>
+                            </p:stCondLst>
+                            <p:childTnLst>
                               <p:par>
-                                <p:cTn id="32" presetID="10" presetClass="entr" presetSubtype="0" fill="hold" nodeType="withEffect">
+                                <p:cTn id="34" presetID="10" presetClass="entr" presetSubtype="0" fill="hold" nodeType="afterEffect">
                                   <p:stCondLst>
                                     <p:cond delay="0"/>
                                   </p:stCondLst>
                                   <p:childTnLst>
                                     <p:set>
                                       <p:cBhvr>
-                                        <p:cTn id="33" dur="1" fill="hold">
+                                        <p:cTn id="35" dur="1" fill="hold">
                                           <p:stCondLst>
                                             <p:cond delay="0"/>
                                           </p:stCondLst>
@@ -6638,7 +9116,7 @@
                                     </p:set>
                                     <p:animEffect transition="in" filter="fade">
                                       <p:cBhvr>
-                                        <p:cTn id="34" dur="500"/>
+                                        <p:cTn id="36" dur="500"/>
                                         <p:tgtEl>
                                           <p:spTgt spid="7"/>
                                         </p:tgtEl>
@@ -6654,26 +9132,26 @@
                     </p:cTn>
                   </p:par>
                   <p:par>
-                    <p:cTn id="35" fill="hold">
+                    <p:cTn id="37" fill="hold">
                       <p:stCondLst>
                         <p:cond delay="indefinite"/>
                       </p:stCondLst>
                       <p:childTnLst>
                         <p:par>
-                          <p:cTn id="36" fill="hold">
+                          <p:cTn id="38" fill="hold">
                             <p:stCondLst>
                               <p:cond delay="0"/>
                             </p:stCondLst>
                             <p:childTnLst>
                               <p:par>
-                                <p:cTn id="37" presetID="10" presetClass="entr" presetSubtype="0" fill="hold" nodeType="clickEffect">
+                                <p:cTn id="39" presetID="10" presetClass="entr" presetSubtype="0" fill="hold" nodeType="clickEffect">
                                   <p:stCondLst>
                                     <p:cond delay="0"/>
                                   </p:stCondLst>
                                   <p:childTnLst>
                                     <p:set>
                                       <p:cBhvr>
-                                        <p:cTn id="38" dur="1" fill="hold">
+                                        <p:cTn id="40" dur="1" fill="hold">
                                           <p:stCondLst>
                                             <p:cond delay="0"/>
                                           </p:stCondLst>
@@ -6695,7 +9173,7 @@
                                     </p:set>
                                     <p:animEffect transition="in" filter="fade">
                                       <p:cBhvr>
-                                        <p:cTn id="39" dur="500"/>
+                                        <p:cTn id="41" dur="500"/>
                                         <p:tgtEl>
                                           <p:spTgt spid="3">
                                             <p:txEl>
@@ -6715,26 +9193,26 @@
                     </p:cTn>
                   </p:par>
                   <p:par>
-                    <p:cTn id="40" fill="hold">
+                    <p:cTn id="42" fill="hold">
                       <p:stCondLst>
                         <p:cond delay="indefinite"/>
                       </p:stCondLst>
                       <p:childTnLst>
                         <p:par>
-                          <p:cTn id="41" fill="hold">
+                          <p:cTn id="43" fill="hold">
                             <p:stCondLst>
                               <p:cond delay="0"/>
                             </p:stCondLst>
                             <p:childTnLst>
                               <p:par>
-                                <p:cTn id="42" presetID="10" presetClass="entr" presetSubtype="0" fill="hold" nodeType="clickEffect">
+                                <p:cTn id="44" presetID="10" presetClass="entr" presetSubtype="0" fill="hold" nodeType="clickEffect">
                                   <p:stCondLst>
                                     <p:cond delay="0"/>
                                   </p:stCondLst>
                                   <p:childTnLst>
                                     <p:set>
                                       <p:cBhvr>
-                                        <p:cTn id="43" dur="1" fill="hold">
+                                        <p:cTn id="45" dur="1" fill="hold">
                                           <p:stCondLst>
                                             <p:cond delay="0"/>
                                           </p:stCondLst>
@@ -6756,7 +9234,7 @@
                                     </p:set>
                                     <p:animEffect transition="in" filter="fade">
                                       <p:cBhvr>
-                                        <p:cTn id="44" dur="500"/>
+                                        <p:cTn id="46" dur="500"/>
                                         <p:tgtEl>
                                           <p:spTgt spid="3">
                                             <p:txEl>
@@ -6804,6 +9282,997 @@
 </file>
 
 <file path=ppt/slides/slide7.xml><?xml version="1.0" encoding="utf-8"?>
+<p:sld xmlns:a="http://schemas.openxmlformats.org/drawingml/2006/main" xmlns:r="http://schemas.openxmlformats.org/officeDocument/2006/relationships" xmlns:p="http://schemas.openxmlformats.org/presentationml/2006/main">
+  <p:cSld>
+    <p:spTree>
+      <p:nvGrpSpPr>
+        <p:cNvPr id="1" name=""/>
+        <p:cNvGrpSpPr/>
+        <p:nvPr/>
+      </p:nvGrpSpPr>
+      <p:grpSpPr>
+        <a:xfrm>
+          <a:off x="0" y="0"/>
+          <a:ext cx="0" cy="0"/>
+          <a:chOff x="0" y="0"/>
+          <a:chExt cx="0" cy="0"/>
+        </a:xfrm>
+      </p:grpSpPr>
+      <p:sp>
+        <p:nvSpPr>
+          <p:cNvPr id="2" name="Title 1">
+            <a:extLst>
+              <a:ext uri="{FF2B5EF4-FFF2-40B4-BE49-F238E27FC236}">
+                <a16:creationId xmlns:a16="http://schemas.microsoft.com/office/drawing/2014/main" id="{C5E65959-7806-4B4E-8909-AA8D99236E47}"/>
+              </a:ext>
+            </a:extLst>
+          </p:cNvPr>
+          <p:cNvSpPr>
+            <a:spLocks noGrp="1"/>
+          </p:cNvSpPr>
+          <p:nvPr>
+            <p:ph type="title"/>
+          </p:nvPr>
+        </p:nvSpPr>
+        <p:spPr>
+          <a:xfrm>
+            <a:off x="838200" y="365125"/>
+            <a:ext cx="10515600" cy="1609590"/>
+          </a:xfrm>
+        </p:spPr>
+        <p:txBody>
+          <a:bodyPr>
+            <a:normAutofit fontScale="90000"/>
+          </a:bodyPr>
+          <a:lstStyle/>
+          <a:p>
+            <a:pPr algn="ctr"/>
+            <a:r>
+              <a:rPr lang="en-IE" sz="6600" dirty="0">
+                <a:ln w="22225">
+                  <a:solidFill>
+                    <a:schemeClr val="tx1"/>
+                  </a:solidFill>
+                </a:ln>
+                <a:gradFill>
+                  <a:gsLst>
+                    <a:gs pos="0">
+                      <a:srgbClr val="00B050"/>
+                    </a:gs>
+                    <a:gs pos="96000">
+                      <a:srgbClr val="C00000"/>
+                    </a:gs>
+                  </a:gsLst>
+                  <a:lin ang="5400000" scaled="1"/>
+                </a:gradFill>
+                <a:effectLst>
+                  <a:outerShdw blurRad="50800" dist="50800" dir="3900000" algn="ctr" rotWithShape="0">
+                    <a:schemeClr val="tx1"/>
+                  </a:outerShdw>
+                </a:effectLst>
+                <a:latin typeface="ArcadeClassic" panose="00000400000000000000" pitchFamily="2" charset="0"/>
+              </a:rPr>
+              <a:t>individual </a:t>
+            </a:r>
+            <a:r>
+              <a:rPr lang="en-IE" sz="6600" dirty="0" err="1">
+                <a:ln w="22225">
+                  <a:solidFill>
+                    <a:schemeClr val="tx1"/>
+                  </a:solidFill>
+                </a:ln>
+                <a:gradFill>
+                  <a:gsLst>
+                    <a:gs pos="0">
+                      <a:srgbClr val="00B050"/>
+                    </a:gs>
+                    <a:gs pos="96000">
+                      <a:srgbClr val="C00000"/>
+                    </a:gs>
+                  </a:gsLst>
+                  <a:lin ang="5400000" scaled="1"/>
+                </a:gradFill>
+                <a:effectLst>
+                  <a:outerShdw blurRad="50800" dist="50800" dir="3900000" algn="ctr" rotWithShape="0">
+                    <a:schemeClr val="tx1"/>
+                  </a:outerShdw>
+                </a:effectLst>
+                <a:latin typeface="ArcadeClassic" panose="00000400000000000000" pitchFamily="2" charset="0"/>
+              </a:rPr>
+              <a:t>responsibilites</a:t>
+            </a:r>
+            <a:endParaRPr lang="en-IE" sz="6600" dirty="0"/>
+          </a:p>
+        </p:txBody>
+      </p:sp>
+      <p:sp>
+        <p:nvSpPr>
+          <p:cNvPr id="3" name="Content Placeholder 2">
+            <a:extLst>
+              <a:ext uri="{FF2B5EF4-FFF2-40B4-BE49-F238E27FC236}">
+                <a16:creationId xmlns:a16="http://schemas.microsoft.com/office/drawing/2014/main" id="{847EAD37-6C0D-4E4C-AED1-FC79F344ABCD}"/>
+              </a:ext>
+            </a:extLst>
+          </p:cNvPr>
+          <p:cNvSpPr>
+            <a:spLocks noGrp="1"/>
+          </p:cNvSpPr>
+          <p:nvPr>
+            <p:ph idx="1"/>
+          </p:nvPr>
+        </p:nvSpPr>
+        <p:spPr>
+          <a:xfrm>
+            <a:off x="603031" y="1825625"/>
+            <a:ext cx="5361834" cy="4667250"/>
+          </a:xfrm>
+        </p:spPr>
+        <p:txBody>
+          <a:bodyPr>
+            <a:normAutofit lnSpcReduction="10000"/>
+          </a:bodyPr>
+          <a:lstStyle/>
+          <a:p>
+            <a:r>
+              <a:rPr lang="en-IE" sz="4400" dirty="0">
+                <a:ln w="22225">
+                  <a:solidFill>
+                    <a:schemeClr val="tx1"/>
+                  </a:solidFill>
+                </a:ln>
+                <a:gradFill>
+                  <a:gsLst>
+                    <a:gs pos="0">
+                      <a:srgbClr val="00B050"/>
+                    </a:gs>
+                    <a:gs pos="96000">
+                      <a:srgbClr val="C00000"/>
+                    </a:gs>
+                  </a:gsLst>
+                  <a:lin ang="5400000" scaled="1"/>
+                </a:gradFill>
+                <a:effectLst>
+                  <a:outerShdw blurRad="50800" dist="50800" dir="3900000" algn="ctr" rotWithShape="0">
+                    <a:schemeClr val="tx1"/>
+                  </a:outerShdw>
+                </a:effectLst>
+                <a:latin typeface="ArcadeClassic" panose="00000400000000000000" pitchFamily="2" charset="0"/>
+              </a:rPr>
+              <a:t>cree</a:t>
+            </a:r>
+          </a:p>
+          <a:p>
+            <a:pPr lvl="1"/>
+            <a:r>
+              <a:rPr lang="en-IE" sz="4000" dirty="0">
+                <a:ln w="22225">
+                  <a:solidFill>
+                    <a:schemeClr val="tx1"/>
+                  </a:solidFill>
+                </a:ln>
+                <a:gradFill>
+                  <a:gsLst>
+                    <a:gs pos="0">
+                      <a:srgbClr val="00B050"/>
+                    </a:gs>
+                    <a:gs pos="96000">
+                      <a:srgbClr val="C00000"/>
+                    </a:gs>
+                  </a:gsLst>
+                  <a:lin ang="5400000" scaled="1"/>
+                </a:gradFill>
+                <a:effectLst>
+                  <a:outerShdw blurRad="50800" dist="50800" dir="3900000" algn="ctr" rotWithShape="0">
+                    <a:schemeClr val="tx1"/>
+                  </a:outerShdw>
+                </a:effectLst>
+                <a:latin typeface="ArcadeClassic" panose="00000400000000000000" pitchFamily="2" charset="0"/>
+              </a:rPr>
+              <a:t>Level  design</a:t>
+            </a:r>
+          </a:p>
+          <a:p>
+            <a:pPr lvl="1"/>
+            <a:r>
+              <a:rPr lang="en-IE" sz="4000" dirty="0">
+                <a:ln w="22225">
+                  <a:solidFill>
+                    <a:schemeClr val="tx1"/>
+                  </a:solidFill>
+                </a:ln>
+                <a:gradFill>
+                  <a:gsLst>
+                    <a:gs pos="0">
+                      <a:srgbClr val="00B050"/>
+                    </a:gs>
+                    <a:gs pos="96000">
+                      <a:srgbClr val="C00000"/>
+                    </a:gs>
+                  </a:gsLst>
+                  <a:lin ang="5400000" scaled="1"/>
+                </a:gradFill>
+                <a:effectLst>
+                  <a:outerShdw blurRad="50800" dist="50800" dir="3900000" algn="ctr" rotWithShape="0">
+                    <a:schemeClr val="tx1"/>
+                  </a:outerShdw>
+                </a:effectLst>
+                <a:latin typeface="ArcadeClassic" panose="00000400000000000000" pitchFamily="2" charset="0"/>
+              </a:rPr>
+              <a:t>Buildings  and  decorations</a:t>
+            </a:r>
+          </a:p>
+          <a:p>
+            <a:pPr lvl="1"/>
+            <a:r>
+              <a:rPr lang="en-IE" sz="4000" dirty="0">
+                <a:ln w="22225">
+                  <a:solidFill>
+                    <a:schemeClr val="tx1"/>
+                  </a:solidFill>
+                </a:ln>
+                <a:gradFill>
+                  <a:gsLst>
+                    <a:gs pos="0">
+                      <a:srgbClr val="00B050"/>
+                    </a:gs>
+                    <a:gs pos="96000">
+                      <a:srgbClr val="C00000"/>
+                    </a:gs>
+                  </a:gsLst>
+                  <a:lin ang="5400000" scaled="1"/>
+                </a:gradFill>
+                <a:effectLst>
+                  <a:outerShdw blurRad="50800" dist="50800" dir="3900000" algn="ctr" rotWithShape="0">
+                    <a:schemeClr val="tx1"/>
+                  </a:outerShdw>
+                </a:effectLst>
+                <a:latin typeface="ArcadeClassic" panose="00000400000000000000" pitchFamily="2" charset="0"/>
+              </a:rPr>
+              <a:t>Collision  detection</a:t>
+            </a:r>
+          </a:p>
+          <a:p>
+            <a:pPr lvl="1"/>
+            <a:r>
+              <a:rPr lang="en-IE" sz="4000" dirty="0">
+                <a:ln w="22225">
+                  <a:solidFill>
+                    <a:schemeClr val="tx1"/>
+                  </a:solidFill>
+                </a:ln>
+                <a:gradFill>
+                  <a:gsLst>
+                    <a:gs pos="0">
+                      <a:srgbClr val="00B050"/>
+                    </a:gs>
+                    <a:gs pos="96000">
+                      <a:srgbClr val="C00000"/>
+                    </a:gs>
+                  </a:gsLst>
+                  <a:lin ang="5400000" scaled="1"/>
+                </a:gradFill>
+                <a:effectLst>
+                  <a:outerShdw blurRad="50800" dist="50800" dir="3900000" algn="ctr" rotWithShape="0">
+                    <a:schemeClr val="tx1"/>
+                  </a:outerShdw>
+                </a:effectLst>
+                <a:latin typeface="ArcadeClassic" panose="00000400000000000000" pitchFamily="2" charset="0"/>
+              </a:rPr>
+              <a:t>Main  character  design</a:t>
+            </a:r>
+          </a:p>
+          <a:p>
+            <a:endParaRPr lang="en-IE" dirty="0"/>
+          </a:p>
+        </p:txBody>
+      </p:sp>
+      <p:pic>
+        <p:nvPicPr>
+          <p:cNvPr id="6" name="Picture 5">
+            <a:extLst>
+              <a:ext uri="{FF2B5EF4-FFF2-40B4-BE49-F238E27FC236}">
+                <a16:creationId xmlns:a16="http://schemas.microsoft.com/office/drawing/2014/main" id="{C78AB92F-9233-4ED1-87D4-4C3E0404043F}"/>
+              </a:ext>
+            </a:extLst>
+          </p:cNvPr>
+          <p:cNvPicPr/>
+          <p:nvPr/>
+        </p:nvPicPr>
+        <p:blipFill>
+          <a:blip r:embed="rId2" cstate="print">
+            <a:extLst>
+              <a:ext uri="{28A0092B-C50C-407E-A947-70E740481C1C}">
+                <a14:useLocalDpi xmlns:a14="http://schemas.microsoft.com/office/drawing/2010/main" val="0"/>
+              </a:ext>
+            </a:extLst>
+          </a:blip>
+          <a:srcRect/>
+          <a:stretch>
+            <a:fillRect/>
+          </a:stretch>
+        </p:blipFill>
+        <p:spPr bwMode="auto">
+          <a:xfrm flipH="1">
+            <a:off x="5855467" y="1974715"/>
+            <a:ext cx="1662430" cy="1691005"/>
+          </a:xfrm>
+          <a:prstGeom prst="rect">
+            <a:avLst/>
+          </a:prstGeom>
+          <a:noFill/>
+          <a:ln>
+            <a:noFill/>
+          </a:ln>
+        </p:spPr>
+      </p:pic>
+      <p:pic>
+        <p:nvPicPr>
+          <p:cNvPr id="8" name="Picture 7">
+            <a:extLst>
+              <a:ext uri="{FF2B5EF4-FFF2-40B4-BE49-F238E27FC236}">
+                <a16:creationId xmlns:a16="http://schemas.microsoft.com/office/drawing/2014/main" id="{ADC3B644-892B-4C3F-8241-B2586A1B9D5E}"/>
+              </a:ext>
+            </a:extLst>
+          </p:cNvPr>
+          <p:cNvPicPr/>
+          <p:nvPr/>
+        </p:nvPicPr>
+        <p:blipFill>
+          <a:blip r:embed="rId3">
+            <a:extLst>
+              <a:ext uri="{28A0092B-C50C-407E-A947-70E740481C1C}">
+                <a14:useLocalDpi xmlns:a14="http://schemas.microsoft.com/office/drawing/2010/main" val="0"/>
+              </a:ext>
+            </a:extLst>
+          </a:blip>
+          <a:srcRect/>
+          <a:stretch>
+            <a:fillRect/>
+          </a:stretch>
+        </p:blipFill>
+        <p:spPr bwMode="auto">
+          <a:xfrm flipH="1">
+            <a:off x="9792031" y="1972810"/>
+            <a:ext cx="1265555" cy="1692910"/>
+          </a:xfrm>
+          <a:prstGeom prst="rect">
+            <a:avLst/>
+          </a:prstGeom>
+          <a:noFill/>
+          <a:ln>
+            <a:noFill/>
+          </a:ln>
+        </p:spPr>
+      </p:pic>
+      <p:pic>
+        <p:nvPicPr>
+          <p:cNvPr id="9" name="Picture 8">
+            <a:extLst>
+              <a:ext uri="{FF2B5EF4-FFF2-40B4-BE49-F238E27FC236}">
+                <a16:creationId xmlns:a16="http://schemas.microsoft.com/office/drawing/2014/main" id="{5E91A2B4-06C6-4E69-BF23-0AEFECF0B086}"/>
+              </a:ext>
+            </a:extLst>
+          </p:cNvPr>
+          <p:cNvPicPr/>
+          <p:nvPr/>
+        </p:nvPicPr>
+        <p:blipFill>
+          <a:blip r:embed="rId4">
+            <a:extLst>
+              <a:ext uri="{28A0092B-C50C-407E-A947-70E740481C1C}">
+                <a14:useLocalDpi xmlns:a14="http://schemas.microsoft.com/office/drawing/2010/main" val="0"/>
+              </a:ext>
+            </a:extLst>
+          </a:blip>
+          <a:srcRect/>
+          <a:stretch>
+            <a:fillRect/>
+          </a:stretch>
+        </p:blipFill>
+        <p:spPr bwMode="auto">
+          <a:xfrm>
+            <a:off x="7517897" y="2491105"/>
+            <a:ext cx="2155190" cy="1668145"/>
+          </a:xfrm>
+          <a:prstGeom prst="rect">
+            <a:avLst/>
+          </a:prstGeom>
+          <a:noFill/>
+          <a:ln>
+            <a:noFill/>
+          </a:ln>
+        </p:spPr>
+      </p:pic>
+      <p:pic>
+        <p:nvPicPr>
+          <p:cNvPr id="11" name="Picture 10" descr="A picture containing text, clipart&#10;&#10;Description automatically generated">
+            <a:extLst>
+              <a:ext uri="{FF2B5EF4-FFF2-40B4-BE49-F238E27FC236}">
+                <a16:creationId xmlns:a16="http://schemas.microsoft.com/office/drawing/2014/main" id="{2A2F8565-C771-4BC7-A387-EAB3F32C8BE0}"/>
+              </a:ext>
+            </a:extLst>
+          </p:cNvPr>
+          <p:cNvPicPr>
+            <a:picLocks noChangeAspect="1"/>
+          </p:cNvPicPr>
+          <p:nvPr/>
+        </p:nvPicPr>
+        <p:blipFill>
+          <a:blip r:embed="rId5">
+            <a:extLst>
+              <a:ext uri="{28A0092B-C50C-407E-A947-70E740481C1C}">
+                <a14:useLocalDpi xmlns:a14="http://schemas.microsoft.com/office/drawing/2010/main" val="0"/>
+              </a:ext>
+            </a:extLst>
+          </a:blip>
+          <a:stretch>
+            <a:fillRect/>
+          </a:stretch>
+        </p:blipFill>
+        <p:spPr>
+          <a:xfrm>
+            <a:off x="5676244" y="4490719"/>
+            <a:ext cx="5912725" cy="1534705"/>
+          </a:xfrm>
+          <a:prstGeom prst="rect">
+            <a:avLst/>
+          </a:prstGeom>
+        </p:spPr>
+      </p:pic>
+    </p:spTree>
+    <p:extLst>
+      <p:ext uri="{BB962C8B-B14F-4D97-AF65-F5344CB8AC3E}">
+        <p14:creationId xmlns:p14="http://schemas.microsoft.com/office/powerpoint/2010/main" val="2359213894"/>
+      </p:ext>
+    </p:extLst>
+  </p:cSld>
+  <p:clrMapOvr>
+    <a:masterClrMapping/>
+  </p:clrMapOvr>
+  <p:timing>
+    <p:tnLst>
+      <p:par>
+        <p:cTn id="1" dur="indefinite" restart="never" nodeType="tmRoot">
+          <p:childTnLst>
+            <p:seq concurrent="1" nextAc="seek">
+              <p:cTn id="2" dur="indefinite" nodeType="mainSeq">
+                <p:childTnLst>
+                  <p:par>
+                    <p:cTn id="3" fill="hold">
+                      <p:stCondLst>
+                        <p:cond delay="indefinite"/>
+                      </p:stCondLst>
+                      <p:childTnLst>
+                        <p:par>
+                          <p:cTn id="4" fill="hold">
+                            <p:stCondLst>
+                              <p:cond delay="0"/>
+                            </p:stCondLst>
+                            <p:childTnLst>
+                              <p:par>
+                                <p:cTn id="5" presetID="10" presetClass="entr" presetSubtype="0" fill="hold" grpId="0" nodeType="clickEffect">
+                                  <p:stCondLst>
+                                    <p:cond delay="0"/>
+                                  </p:stCondLst>
+                                  <p:childTnLst>
+                                    <p:set>
+                                      <p:cBhvr>
+                                        <p:cTn id="6" dur="1" fill="hold">
+                                          <p:stCondLst>
+                                            <p:cond delay="0"/>
+                                          </p:stCondLst>
+                                        </p:cTn>
+                                        <p:tgtEl>
+                                          <p:spTgt spid="2"/>
+                                        </p:tgtEl>
+                                        <p:attrNameLst>
+                                          <p:attrName>style.visibility</p:attrName>
+                                        </p:attrNameLst>
+                                      </p:cBhvr>
+                                      <p:to>
+                                        <p:strVal val="visible"/>
+                                      </p:to>
+                                    </p:set>
+                                    <p:animEffect transition="in" filter="fade">
+                                      <p:cBhvr>
+                                        <p:cTn id="7" dur="500"/>
+                                        <p:tgtEl>
+                                          <p:spTgt spid="2"/>
+                                        </p:tgtEl>
+                                      </p:cBhvr>
+                                    </p:animEffect>
+                                  </p:childTnLst>
+                                </p:cTn>
+                              </p:par>
+                            </p:childTnLst>
+                          </p:cTn>
+                        </p:par>
+                        <p:par>
+                          <p:cTn id="8" fill="hold">
+                            <p:stCondLst>
+                              <p:cond delay="500"/>
+                            </p:stCondLst>
+                            <p:childTnLst>
+                              <p:par>
+                                <p:cTn id="9" presetID="10" presetClass="entr" presetSubtype="0" fill="hold" nodeType="afterEffect">
+                                  <p:stCondLst>
+                                    <p:cond delay="0"/>
+                                  </p:stCondLst>
+                                  <p:childTnLst>
+                                    <p:set>
+                                      <p:cBhvr>
+                                        <p:cTn id="10" dur="1" fill="hold">
+                                          <p:stCondLst>
+                                            <p:cond delay="0"/>
+                                          </p:stCondLst>
+                                        </p:cTn>
+                                        <p:tgtEl>
+                                          <p:spTgt spid="3">
+                                            <p:txEl>
+                                              <p:pRg st="0" end="0"/>
+                                            </p:txEl>
+                                          </p:spTgt>
+                                        </p:tgtEl>
+                                        <p:attrNameLst>
+                                          <p:attrName>style.visibility</p:attrName>
+                                        </p:attrNameLst>
+                                      </p:cBhvr>
+                                      <p:to>
+                                        <p:strVal val="visible"/>
+                                      </p:to>
+                                    </p:set>
+                                    <p:animEffect transition="in" filter="fade">
+                                      <p:cBhvr>
+                                        <p:cTn id="11" dur="500"/>
+                                        <p:tgtEl>
+                                          <p:spTgt spid="3">
+                                            <p:txEl>
+                                              <p:pRg st="0" end="0"/>
+                                            </p:txEl>
+                                          </p:spTgt>
+                                        </p:tgtEl>
+                                      </p:cBhvr>
+                                    </p:animEffect>
+                                  </p:childTnLst>
+                                </p:cTn>
+                              </p:par>
+                              <p:par>
+                                <p:cTn id="12" presetID="10" presetClass="entr" presetSubtype="0" fill="hold" nodeType="withEffect">
+                                  <p:stCondLst>
+                                    <p:cond delay="0"/>
+                                  </p:stCondLst>
+                                  <p:childTnLst>
+                                    <p:set>
+                                      <p:cBhvr>
+                                        <p:cTn id="13" dur="1" fill="hold">
+                                          <p:stCondLst>
+                                            <p:cond delay="0"/>
+                                          </p:stCondLst>
+                                        </p:cTn>
+                                        <p:tgtEl>
+                                          <p:spTgt spid="3">
+                                            <p:txEl>
+                                              <p:pRg st="1" end="1"/>
+                                            </p:txEl>
+                                          </p:spTgt>
+                                        </p:tgtEl>
+                                        <p:attrNameLst>
+                                          <p:attrName>style.visibility</p:attrName>
+                                        </p:attrNameLst>
+                                      </p:cBhvr>
+                                      <p:to>
+                                        <p:strVal val="visible"/>
+                                      </p:to>
+                                    </p:set>
+                                    <p:animEffect transition="in" filter="fade">
+                                      <p:cBhvr>
+                                        <p:cTn id="14" dur="500"/>
+                                        <p:tgtEl>
+                                          <p:spTgt spid="3">
+                                            <p:txEl>
+                                              <p:pRg st="1" end="1"/>
+                                            </p:txEl>
+                                          </p:spTgt>
+                                        </p:tgtEl>
+                                      </p:cBhvr>
+                                    </p:animEffect>
+                                  </p:childTnLst>
+                                </p:cTn>
+                              </p:par>
+                            </p:childTnLst>
+                          </p:cTn>
+                        </p:par>
+                        <p:par>
+                          <p:cTn id="15" fill="hold">
+                            <p:stCondLst>
+                              <p:cond delay="1000"/>
+                            </p:stCondLst>
+                            <p:childTnLst>
+                              <p:par>
+                                <p:cTn id="16" presetID="10" presetClass="entr" presetSubtype="0" fill="hold" nodeType="afterEffect">
+                                  <p:stCondLst>
+                                    <p:cond delay="0"/>
+                                  </p:stCondLst>
+                                  <p:childTnLst>
+                                    <p:set>
+                                      <p:cBhvr>
+                                        <p:cTn id="17" dur="1" fill="hold">
+                                          <p:stCondLst>
+                                            <p:cond delay="0"/>
+                                          </p:stCondLst>
+                                        </p:cTn>
+                                        <p:tgtEl>
+                                          <p:spTgt spid="6"/>
+                                        </p:tgtEl>
+                                        <p:attrNameLst>
+                                          <p:attrName>style.visibility</p:attrName>
+                                        </p:attrNameLst>
+                                      </p:cBhvr>
+                                      <p:to>
+                                        <p:strVal val="visible"/>
+                                      </p:to>
+                                    </p:set>
+                                    <p:animEffect transition="in" filter="fade">
+                                      <p:cBhvr>
+                                        <p:cTn id="18" dur="500"/>
+                                        <p:tgtEl>
+                                          <p:spTgt spid="6"/>
+                                        </p:tgtEl>
+                                      </p:cBhvr>
+                                    </p:animEffect>
+                                  </p:childTnLst>
+                                </p:cTn>
+                              </p:par>
+                            </p:childTnLst>
+                          </p:cTn>
+                        </p:par>
+                        <p:par>
+                          <p:cTn id="19" fill="hold">
+                            <p:stCondLst>
+                              <p:cond delay="1500"/>
+                            </p:stCondLst>
+                            <p:childTnLst>
+                              <p:par>
+                                <p:cTn id="20" presetID="10" presetClass="entr" presetSubtype="0" fill="hold" nodeType="afterEffect">
+                                  <p:stCondLst>
+                                    <p:cond delay="0"/>
+                                  </p:stCondLst>
+                                  <p:childTnLst>
+                                    <p:set>
+                                      <p:cBhvr>
+                                        <p:cTn id="21" dur="1" fill="hold">
+                                          <p:stCondLst>
+                                            <p:cond delay="0"/>
+                                          </p:stCondLst>
+                                        </p:cTn>
+                                        <p:tgtEl>
+                                          <p:spTgt spid="9"/>
+                                        </p:tgtEl>
+                                        <p:attrNameLst>
+                                          <p:attrName>style.visibility</p:attrName>
+                                        </p:attrNameLst>
+                                      </p:cBhvr>
+                                      <p:to>
+                                        <p:strVal val="visible"/>
+                                      </p:to>
+                                    </p:set>
+                                    <p:animEffect transition="in" filter="fade">
+                                      <p:cBhvr>
+                                        <p:cTn id="22" dur="500"/>
+                                        <p:tgtEl>
+                                          <p:spTgt spid="9"/>
+                                        </p:tgtEl>
+                                      </p:cBhvr>
+                                    </p:animEffect>
+                                  </p:childTnLst>
+                                </p:cTn>
+                              </p:par>
+                            </p:childTnLst>
+                          </p:cTn>
+                        </p:par>
+                        <p:par>
+                          <p:cTn id="23" fill="hold">
+                            <p:stCondLst>
+                              <p:cond delay="2000"/>
+                            </p:stCondLst>
+                            <p:childTnLst>
+                              <p:par>
+                                <p:cTn id="24" presetID="10" presetClass="entr" presetSubtype="0" fill="hold" nodeType="afterEffect">
+                                  <p:stCondLst>
+                                    <p:cond delay="0"/>
+                                  </p:stCondLst>
+                                  <p:childTnLst>
+                                    <p:set>
+                                      <p:cBhvr>
+                                        <p:cTn id="25" dur="1" fill="hold">
+                                          <p:stCondLst>
+                                            <p:cond delay="0"/>
+                                          </p:stCondLst>
+                                        </p:cTn>
+                                        <p:tgtEl>
+                                          <p:spTgt spid="8"/>
+                                        </p:tgtEl>
+                                        <p:attrNameLst>
+                                          <p:attrName>style.visibility</p:attrName>
+                                        </p:attrNameLst>
+                                      </p:cBhvr>
+                                      <p:to>
+                                        <p:strVal val="visible"/>
+                                      </p:to>
+                                    </p:set>
+                                    <p:animEffect transition="in" filter="fade">
+                                      <p:cBhvr>
+                                        <p:cTn id="26" dur="500"/>
+                                        <p:tgtEl>
+                                          <p:spTgt spid="8"/>
+                                        </p:tgtEl>
+                                      </p:cBhvr>
+                                    </p:animEffect>
+                                  </p:childTnLst>
+                                </p:cTn>
+                              </p:par>
+                            </p:childTnLst>
+                          </p:cTn>
+                        </p:par>
+                      </p:childTnLst>
+                    </p:cTn>
+                  </p:par>
+                  <p:par>
+                    <p:cTn id="27" fill="hold">
+                      <p:stCondLst>
+                        <p:cond delay="indefinite"/>
+                      </p:stCondLst>
+                      <p:childTnLst>
+                        <p:par>
+                          <p:cTn id="28" fill="hold">
+                            <p:stCondLst>
+                              <p:cond delay="0"/>
+                            </p:stCondLst>
+                            <p:childTnLst>
+                              <p:par>
+                                <p:cTn id="29" presetID="10" presetClass="entr" presetSubtype="0" fill="hold" nodeType="clickEffect">
+                                  <p:stCondLst>
+                                    <p:cond delay="0"/>
+                                  </p:stCondLst>
+                                  <p:childTnLst>
+                                    <p:set>
+                                      <p:cBhvr>
+                                        <p:cTn id="30" dur="1" fill="hold">
+                                          <p:stCondLst>
+                                            <p:cond delay="0"/>
+                                          </p:stCondLst>
+                                        </p:cTn>
+                                        <p:tgtEl>
+                                          <p:spTgt spid="3">
+                                            <p:txEl>
+                                              <p:pRg st="2" end="2"/>
+                                            </p:txEl>
+                                          </p:spTgt>
+                                        </p:tgtEl>
+                                        <p:attrNameLst>
+                                          <p:attrName>style.visibility</p:attrName>
+                                        </p:attrNameLst>
+                                      </p:cBhvr>
+                                      <p:to>
+                                        <p:strVal val="visible"/>
+                                      </p:to>
+                                    </p:set>
+                                    <p:animEffect transition="in" filter="fade">
+                                      <p:cBhvr>
+                                        <p:cTn id="31" dur="500"/>
+                                        <p:tgtEl>
+                                          <p:spTgt spid="3">
+                                            <p:txEl>
+                                              <p:pRg st="2" end="2"/>
+                                            </p:txEl>
+                                          </p:spTgt>
+                                        </p:tgtEl>
+                                      </p:cBhvr>
+                                    </p:animEffect>
+                                  </p:childTnLst>
+                                </p:cTn>
+                              </p:par>
+                            </p:childTnLst>
+                          </p:cTn>
+                        </p:par>
+                      </p:childTnLst>
+                    </p:cTn>
+                  </p:par>
+                  <p:par>
+                    <p:cTn id="32" fill="hold">
+                      <p:stCondLst>
+                        <p:cond delay="indefinite"/>
+                      </p:stCondLst>
+                      <p:childTnLst>
+                        <p:par>
+                          <p:cTn id="33" fill="hold">
+                            <p:stCondLst>
+                              <p:cond delay="0"/>
+                            </p:stCondLst>
+                            <p:childTnLst>
+                              <p:par>
+                                <p:cTn id="34" presetID="10" presetClass="entr" presetSubtype="0" fill="hold" nodeType="clickEffect">
+                                  <p:stCondLst>
+                                    <p:cond delay="0"/>
+                                  </p:stCondLst>
+                                  <p:childTnLst>
+                                    <p:set>
+                                      <p:cBhvr>
+                                        <p:cTn id="35" dur="1" fill="hold">
+                                          <p:stCondLst>
+                                            <p:cond delay="0"/>
+                                          </p:stCondLst>
+                                        </p:cTn>
+                                        <p:tgtEl>
+                                          <p:spTgt spid="3">
+                                            <p:txEl>
+                                              <p:pRg st="3" end="3"/>
+                                            </p:txEl>
+                                          </p:spTgt>
+                                        </p:tgtEl>
+                                        <p:attrNameLst>
+                                          <p:attrName>style.visibility</p:attrName>
+                                        </p:attrNameLst>
+                                      </p:cBhvr>
+                                      <p:to>
+                                        <p:strVal val="visible"/>
+                                      </p:to>
+                                    </p:set>
+                                    <p:animEffect transition="in" filter="fade">
+                                      <p:cBhvr>
+                                        <p:cTn id="36" dur="500"/>
+                                        <p:tgtEl>
+                                          <p:spTgt spid="3">
+                                            <p:txEl>
+                                              <p:pRg st="3" end="3"/>
+                                            </p:txEl>
+                                          </p:spTgt>
+                                        </p:tgtEl>
+                                      </p:cBhvr>
+                                    </p:animEffect>
+                                  </p:childTnLst>
+                                </p:cTn>
+                              </p:par>
+                            </p:childTnLst>
+                          </p:cTn>
+                        </p:par>
+                      </p:childTnLst>
+                    </p:cTn>
+                  </p:par>
+                  <p:par>
+                    <p:cTn id="37" fill="hold">
+                      <p:stCondLst>
+                        <p:cond delay="indefinite"/>
+                      </p:stCondLst>
+                      <p:childTnLst>
+                        <p:par>
+                          <p:cTn id="38" fill="hold">
+                            <p:stCondLst>
+                              <p:cond delay="0"/>
+                            </p:stCondLst>
+                            <p:childTnLst>
+                              <p:par>
+                                <p:cTn id="39" presetID="10" presetClass="entr" presetSubtype="0" fill="hold" nodeType="clickEffect">
+                                  <p:stCondLst>
+                                    <p:cond delay="0"/>
+                                  </p:stCondLst>
+                                  <p:childTnLst>
+                                    <p:set>
+                                      <p:cBhvr>
+                                        <p:cTn id="40" dur="1" fill="hold">
+                                          <p:stCondLst>
+                                            <p:cond delay="0"/>
+                                          </p:stCondLst>
+                                        </p:cTn>
+                                        <p:tgtEl>
+                                          <p:spTgt spid="3">
+                                            <p:txEl>
+                                              <p:pRg st="4" end="4"/>
+                                            </p:txEl>
+                                          </p:spTgt>
+                                        </p:tgtEl>
+                                        <p:attrNameLst>
+                                          <p:attrName>style.visibility</p:attrName>
+                                        </p:attrNameLst>
+                                      </p:cBhvr>
+                                      <p:to>
+                                        <p:strVal val="visible"/>
+                                      </p:to>
+                                    </p:set>
+                                    <p:animEffect transition="in" filter="fade">
+                                      <p:cBhvr>
+                                        <p:cTn id="41" dur="500"/>
+                                        <p:tgtEl>
+                                          <p:spTgt spid="3">
+                                            <p:txEl>
+                                              <p:pRg st="4" end="4"/>
+                                            </p:txEl>
+                                          </p:spTgt>
+                                        </p:tgtEl>
+                                      </p:cBhvr>
+                                    </p:animEffect>
+                                  </p:childTnLst>
+                                </p:cTn>
+                              </p:par>
+                            </p:childTnLst>
+                          </p:cTn>
+                        </p:par>
+                        <p:par>
+                          <p:cTn id="42" fill="hold">
+                            <p:stCondLst>
+                              <p:cond delay="500"/>
+                            </p:stCondLst>
+                            <p:childTnLst>
+                              <p:par>
+                                <p:cTn id="43" presetID="10" presetClass="entr" presetSubtype="0" fill="hold" nodeType="afterEffect">
+                                  <p:stCondLst>
+                                    <p:cond delay="0"/>
+                                  </p:stCondLst>
+                                  <p:childTnLst>
+                                    <p:set>
+                                      <p:cBhvr>
+                                        <p:cTn id="44" dur="1" fill="hold">
+                                          <p:stCondLst>
+                                            <p:cond delay="0"/>
+                                          </p:stCondLst>
+                                        </p:cTn>
+                                        <p:tgtEl>
+                                          <p:spTgt spid="11"/>
+                                        </p:tgtEl>
+                                        <p:attrNameLst>
+                                          <p:attrName>style.visibility</p:attrName>
+                                        </p:attrNameLst>
+                                      </p:cBhvr>
+                                      <p:to>
+                                        <p:strVal val="visible"/>
+                                      </p:to>
+                                    </p:set>
+                                    <p:animEffect transition="in" filter="fade">
+                                      <p:cBhvr>
+                                        <p:cTn id="45" dur="500"/>
+                                        <p:tgtEl>
+                                          <p:spTgt spid="11"/>
+                                        </p:tgtEl>
+                                      </p:cBhvr>
+                                    </p:animEffect>
+                                  </p:childTnLst>
+                                </p:cTn>
+                              </p:par>
+                            </p:childTnLst>
+                          </p:cTn>
+                        </p:par>
+                      </p:childTnLst>
+                    </p:cTn>
+                  </p:par>
+                </p:childTnLst>
+              </p:cTn>
+              <p:prevCondLst>
+                <p:cond evt="onPrev" delay="0">
+                  <p:tgtEl>
+                    <p:sldTgt/>
+                  </p:tgtEl>
+                </p:cond>
+              </p:prevCondLst>
+              <p:nextCondLst>
+                <p:cond evt="onNext" delay="0">
+                  <p:tgtEl>
+                    <p:sldTgt/>
+                  </p:tgtEl>
+                </p:cond>
+              </p:nextCondLst>
+            </p:seq>
+          </p:childTnLst>
+        </p:cTn>
+      </p:par>
+    </p:tnLst>
+    <p:bldLst>
+      <p:bldP spid="2" grpId="0"/>
+    </p:bldLst>
+  </p:timing>
+</p:sld>
+</file>
+
+<file path=ppt/slides/slide8.xml><?xml version="1.0" encoding="utf-8"?>
 <p:sld xmlns:a="http://schemas.openxmlformats.org/drawingml/2006/main" xmlns:r="http://schemas.openxmlformats.org/officeDocument/2006/relationships" xmlns:p="http://schemas.openxmlformats.org/presentationml/2006/main">
   <p:cSld>
     <p:spTree>
